--- a/Phase 3 Documentation/Team_2_Presentation_3.pptx
+++ b/Phase 3 Documentation/Team_2_Presentation_3.pptx
@@ -113,6 +113,11 @@
       </a:defRPr>
     </a:lvl9pPr>
   </p:defaultTextStyle>
+  <p:extLst>
+    <p:ext uri="{EFAFB233-063F-42B5-8137-9DF3F51BA10A}">
+      <p15:sldGuideLst xmlns:p15="http://schemas.microsoft.com/office/powerpoint/2012/main"/>
+    </p:ext>
+  </p:extLst>
 </p:presentation>
 </file>
 
@@ -263,7 +268,7 @@
           <a:p>
             <a:fld id="{64ADD9F5-E36E-419B-A5CC-2A9078F3523D}" type="datetimeFigureOut">
               <a:rPr lang="en-US" smtClean="0"/>
-              <a:t>4/1/2025</a:t>
+              <a:t>4/12/2025</a:t>
             </a:fld>
             <a:endParaRPr lang="en-US"/>
           </a:p>
@@ -461,7 +466,7 @@
           <a:p>
             <a:fld id="{64ADD9F5-E36E-419B-A5CC-2A9078F3523D}" type="datetimeFigureOut">
               <a:rPr lang="en-US" smtClean="0"/>
-              <a:t>4/1/2025</a:t>
+              <a:t>4/12/2025</a:t>
             </a:fld>
             <a:endParaRPr lang="en-US"/>
           </a:p>
@@ -669,7 +674,7 @@
           <a:p>
             <a:fld id="{64ADD9F5-E36E-419B-A5CC-2A9078F3523D}" type="datetimeFigureOut">
               <a:rPr lang="en-US" smtClean="0"/>
-              <a:t>4/1/2025</a:t>
+              <a:t>4/12/2025</a:t>
             </a:fld>
             <a:endParaRPr lang="en-US"/>
           </a:p>
@@ -867,7 +872,7 @@
           <a:p>
             <a:fld id="{64ADD9F5-E36E-419B-A5CC-2A9078F3523D}" type="datetimeFigureOut">
               <a:rPr lang="en-US" smtClean="0"/>
-              <a:t>4/1/2025</a:t>
+              <a:t>4/12/2025</a:t>
             </a:fld>
             <a:endParaRPr lang="en-US"/>
           </a:p>
@@ -1142,7 +1147,7 @@
           <a:p>
             <a:fld id="{64ADD9F5-E36E-419B-A5CC-2A9078F3523D}" type="datetimeFigureOut">
               <a:rPr lang="en-US" smtClean="0"/>
-              <a:t>4/1/2025</a:t>
+              <a:t>4/12/2025</a:t>
             </a:fld>
             <a:endParaRPr lang="en-US"/>
           </a:p>
@@ -1407,7 +1412,7 @@
           <a:p>
             <a:fld id="{64ADD9F5-E36E-419B-A5CC-2A9078F3523D}" type="datetimeFigureOut">
               <a:rPr lang="en-US" smtClean="0"/>
-              <a:t>4/1/2025</a:t>
+              <a:t>4/12/2025</a:t>
             </a:fld>
             <a:endParaRPr lang="en-US"/>
           </a:p>
@@ -1819,7 +1824,7 @@
           <a:p>
             <a:fld id="{64ADD9F5-E36E-419B-A5CC-2A9078F3523D}" type="datetimeFigureOut">
               <a:rPr lang="en-US" smtClean="0"/>
-              <a:t>4/1/2025</a:t>
+              <a:t>4/12/2025</a:t>
             </a:fld>
             <a:endParaRPr lang="en-US"/>
           </a:p>
@@ -1960,7 +1965,7 @@
           <a:p>
             <a:fld id="{64ADD9F5-E36E-419B-A5CC-2A9078F3523D}" type="datetimeFigureOut">
               <a:rPr lang="en-US" smtClean="0"/>
-              <a:t>4/1/2025</a:t>
+              <a:t>4/12/2025</a:t>
             </a:fld>
             <a:endParaRPr lang="en-US"/>
           </a:p>
@@ -2073,7 +2078,7 @@
           <a:p>
             <a:fld id="{64ADD9F5-E36E-419B-A5CC-2A9078F3523D}" type="datetimeFigureOut">
               <a:rPr lang="en-US" smtClean="0"/>
-              <a:t>4/1/2025</a:t>
+              <a:t>4/12/2025</a:t>
             </a:fld>
             <a:endParaRPr lang="en-US"/>
           </a:p>
@@ -2384,7 +2389,7 @@
           <a:p>
             <a:fld id="{64ADD9F5-E36E-419B-A5CC-2A9078F3523D}" type="datetimeFigureOut">
               <a:rPr lang="en-US" smtClean="0"/>
-              <a:t>4/1/2025</a:t>
+              <a:t>4/12/2025</a:t>
             </a:fld>
             <a:endParaRPr lang="en-US"/>
           </a:p>
@@ -2672,7 +2677,7 @@
           <a:p>
             <a:fld id="{64ADD9F5-E36E-419B-A5CC-2A9078F3523D}" type="datetimeFigureOut">
               <a:rPr lang="en-US" smtClean="0"/>
-              <a:t>4/1/2025</a:t>
+              <a:t>4/12/2025</a:t>
             </a:fld>
             <a:endParaRPr lang="en-US"/>
           </a:p>
@@ -2913,7 +2918,7 @@
           <a:p>
             <a:fld id="{64ADD9F5-E36E-419B-A5CC-2A9078F3523D}" type="datetimeFigureOut">
               <a:rPr lang="en-US" smtClean="0"/>
-              <a:t>4/1/2025</a:t>
+              <a:t>4/12/2025</a:t>
             </a:fld>
             <a:endParaRPr lang="en-US"/>
           </a:p>
@@ -3316,6 +3321,14 @@
 <file path=ppt/slides/slide1.xml><?xml version="1.0" encoding="utf-8"?>
 <p:sld xmlns:a="http://schemas.openxmlformats.org/drawingml/2006/main" xmlns:r="http://schemas.openxmlformats.org/officeDocument/2006/relationships" xmlns:p="http://schemas.openxmlformats.org/presentationml/2006/main">
   <p:cSld>
+    <p:bg>
+      <p:bgPr>
+        <a:solidFill>
+          <a:schemeClr val="bg1"/>
+        </a:solidFill>
+        <a:effectLst/>
+      </p:bgPr>
+    </p:bg>
     <p:spTree>
       <p:nvGrpSpPr>
         <p:cNvPr id="1" name=""/>
@@ -3330,6 +3343,66 @@
           <a:chExt cx="0" cy="0"/>
         </a:xfrm>
       </p:grpSpPr>
+      <p:sp useBgFill="1">
+        <p:nvSpPr>
+          <p:cNvPr id="27" name="Rectangle 26">
+            <a:extLst>
+              <a:ext uri="{FF2B5EF4-FFF2-40B4-BE49-F238E27FC236}">
+                <a16:creationId xmlns:a16="http://schemas.microsoft.com/office/drawing/2014/main" id="{6C9ECD1F-1B32-4E48-9736-A1BC9A3237E0}"/>
+              </a:ext>
+              <a:ext uri="{C183D7F6-B498-43B3-948B-1728B52AA6E4}">
+                <adec:decorative xmlns:adec="http://schemas.microsoft.com/office/drawing/2017/decorative" val="1"/>
+              </a:ext>
+            </a:extLst>
+          </p:cNvPr>
+          <p:cNvSpPr>
+            <a:spLocks noGrp="1" noRot="1" noChangeAspect="1" noMove="1" noResize="1" noEditPoints="1" noAdjustHandles="1" noChangeArrowheads="1" noChangeShapeType="1" noTextEdit="1"/>
+          </p:cNvSpPr>
+          <p:nvPr>
+            <p:extLst>
+              <p:ext uri="{386F3935-93C4-4BCD-93E2-E3B085C9AB24}">
+                <p16:designElem xmlns:p16="http://schemas.microsoft.com/office/powerpoint/2015/main" val="1"/>
+              </p:ext>
+            </p:extLst>
+          </p:nvPr>
+        </p:nvSpPr>
+        <p:spPr>
+          <a:xfrm>
+            <a:off x="0" y="0"/>
+            <a:ext cx="12191999" cy="6857365"/>
+          </a:xfrm>
+          <a:prstGeom prst="rect">
+            <a:avLst/>
+          </a:prstGeom>
+          <a:ln>
+            <a:noFill/>
+          </a:ln>
+        </p:spPr>
+        <p:style>
+          <a:lnRef idx="2">
+            <a:schemeClr val="accent1">
+              <a:shade val="50000"/>
+            </a:schemeClr>
+          </a:lnRef>
+          <a:fillRef idx="1">
+            <a:schemeClr val="accent1"/>
+          </a:fillRef>
+          <a:effectRef idx="0">
+            <a:schemeClr val="accent1"/>
+          </a:effectRef>
+          <a:fontRef idx="minor">
+            <a:schemeClr val="lt1"/>
+          </a:fontRef>
+        </p:style>
+        <p:txBody>
+          <a:bodyPr rtlCol="0" anchor="ctr"/>
+          <a:lstStyle/>
+          <a:p>
+            <a:pPr algn="ctr"/>
+            <a:endParaRPr lang="en-US"/>
+          </a:p>
+        </p:txBody>
+      </p:sp>
       <p:sp>
         <p:nvSpPr>
           <p:cNvPr id="2" name="Title 1">
@@ -3346,67 +3419,412 @@
             <p:ph type="ctrTitle"/>
           </p:nvPr>
         </p:nvSpPr>
-        <p:spPr/>
-        <p:txBody>
-          <a:bodyPr/>
-          <a:lstStyle/>
-          <a:p>
-            <a:r>
-              <a:rPr lang="en-US" dirty="0" err="1"/>
+        <p:spPr>
+          <a:xfrm>
+            <a:off x="454467" y="2023110"/>
+            <a:ext cx="2469624" cy="2846070"/>
+          </a:xfrm>
+        </p:spPr>
+        <p:txBody>
+          <a:bodyPr anchor="ctr">
+            <a:normAutofit/>
+          </a:bodyPr>
+          <a:lstStyle/>
+          <a:p>
+            <a:pPr algn="l"/>
+            <a:r>
+              <a:rPr lang="en-US" sz="3100"/>
               <a:t>EncryptNotes</a:t>
             </a:r>
+          </a:p>
+        </p:txBody>
+      </p:sp>
+      <p:sp>
+        <p:nvSpPr>
+          <p:cNvPr id="3" name="Subtitle 2">
+            <a:extLst>
+              <a:ext uri="{FF2B5EF4-FFF2-40B4-BE49-F238E27FC236}">
+                <a16:creationId xmlns:a16="http://schemas.microsoft.com/office/drawing/2014/main" id="{193BFA7D-67D5-2123-9EEE-9B2C19DBFEC0}"/>
+              </a:ext>
+            </a:extLst>
+          </p:cNvPr>
+          <p:cNvSpPr>
+            <a:spLocks noGrp="1"/>
+          </p:cNvSpPr>
+          <p:nvPr>
+            <p:ph type="subTitle" idx="1"/>
+          </p:nvPr>
+        </p:nvSpPr>
+        <p:spPr>
+          <a:xfrm>
+            <a:off x="477627" y="5086350"/>
+            <a:ext cx="2446465" cy="1178298"/>
+          </a:xfrm>
+        </p:spPr>
+        <p:txBody>
+          <a:bodyPr>
+            <a:normAutofit/>
+          </a:bodyPr>
+          <a:lstStyle/>
+          <a:p>
+            <a:pPr algn="l"/>
+            <a:r>
+              <a:rPr lang="en-US" sz="1500"/>
+              <a:t>Phase 3</a:t>
+            </a:r>
+          </a:p>
+          <a:p>
+            <a:pPr algn="l"/>
+            <a:r>
+              <a:rPr lang="en-US" sz="1500"/>
+              <a:t>Team 2</a:t>
+            </a:r>
+          </a:p>
+          <a:p>
+            <a:pPr algn="l"/>
+            <a:r>
+              <a:rPr lang="en-US" sz="1500"/>
+              <a:t>Duncan, Kurejake, Jacob, Grant, Kaden</a:t>
+            </a:r>
+          </a:p>
+        </p:txBody>
+      </p:sp>
+      <p:sp>
+        <p:nvSpPr>
+          <p:cNvPr id="29" name="Rectangle 28">
+            <a:extLst>
+              <a:ext uri="{FF2B5EF4-FFF2-40B4-BE49-F238E27FC236}">
+                <a16:creationId xmlns:a16="http://schemas.microsoft.com/office/drawing/2014/main" id="{90F533E9-6690-41A8-A372-4C6C622D028D}"/>
+              </a:ext>
+              <a:ext uri="{C183D7F6-B498-43B3-948B-1728B52AA6E4}">
+                <adec:decorative xmlns:adec="http://schemas.microsoft.com/office/drawing/2017/decorative" val="1"/>
+              </a:ext>
+            </a:extLst>
+          </p:cNvPr>
+          <p:cNvSpPr>
+            <a:spLocks noGrp="1" noRot="1" noChangeAspect="1" noMove="1" noResize="1" noEditPoints="1" noAdjustHandles="1" noChangeArrowheads="1" noChangeShapeType="1" noTextEdit="1"/>
+          </p:cNvSpPr>
+          <p:nvPr>
+            <p:extLst>
+              <p:ext uri="{386F3935-93C4-4BCD-93E2-E3B085C9AB24}">
+                <p16:designElem xmlns:p16="http://schemas.microsoft.com/office/powerpoint/2015/main" val="1"/>
+              </p:ext>
+            </p:extLst>
+          </p:nvPr>
+        </p:nvSpPr>
+        <p:spPr>
+          <a:xfrm rot="5400000">
+            <a:off x="2522480" y="3392097"/>
+            <a:ext cx="1719072" cy="152382"/>
+          </a:xfrm>
+          <a:prstGeom prst="rect">
+            <a:avLst/>
+          </a:prstGeom>
+          <a:solidFill>
+            <a:schemeClr val="accent4"/>
+          </a:solidFill>
+          <a:ln>
+            <a:noFill/>
+          </a:ln>
+        </p:spPr>
+        <p:style>
+          <a:lnRef idx="2">
+            <a:schemeClr val="accent1">
+              <a:shade val="50000"/>
+            </a:schemeClr>
+          </a:lnRef>
+          <a:fillRef idx="1">
+            <a:schemeClr val="accent1"/>
+          </a:fillRef>
+          <a:effectRef idx="0">
+            <a:schemeClr val="accent1"/>
+          </a:effectRef>
+          <a:fontRef idx="minor">
+            <a:schemeClr val="lt1"/>
+          </a:fontRef>
+        </p:style>
+        <p:txBody>
+          <a:bodyPr rtlCol="0" anchor="ctr"/>
+          <a:lstStyle/>
+          <a:p>
+            <a:pPr algn="ctr"/>
+            <a:endParaRPr lang="en-US"/>
+          </a:p>
+        </p:txBody>
+      </p:sp>
+      <p:sp>
+        <p:nvSpPr>
+          <p:cNvPr id="31" name="Rectangle 30">
+            <a:extLst>
+              <a:ext uri="{FF2B5EF4-FFF2-40B4-BE49-F238E27FC236}">
+                <a16:creationId xmlns:a16="http://schemas.microsoft.com/office/drawing/2014/main" id="{99413ED5-9ED4-4772-BCE4-2BCAE6B12E35}"/>
+              </a:ext>
+              <a:ext uri="{C183D7F6-B498-43B3-948B-1728B52AA6E4}">
+                <adec:decorative xmlns:adec="http://schemas.microsoft.com/office/drawing/2017/decorative" val="1"/>
+              </a:ext>
+            </a:extLst>
+          </p:cNvPr>
+          <p:cNvSpPr>
+            <a:spLocks noGrp="1" noRot="1" noChangeAspect="1" noMove="1" noResize="1" noEditPoints="1" noAdjustHandles="1" noChangeArrowheads="1" noChangeShapeType="1" noTextEdit="1"/>
+          </p:cNvSpPr>
+          <p:nvPr>
+            <p:extLst>
+              <p:ext uri="{386F3935-93C4-4BCD-93E2-E3B085C9AB24}">
+                <p16:designElem xmlns:p16="http://schemas.microsoft.com/office/powerpoint/2015/main" val="1"/>
+              </p:ext>
+            </p:extLst>
+          </p:nvPr>
+        </p:nvSpPr>
+        <p:spPr>
+          <a:xfrm rot="16200000">
+            <a:off x="7042549" y="-827233"/>
+            <a:ext cx="1715478" cy="8583421"/>
+          </a:xfrm>
+          <a:prstGeom prst="rect">
+            <a:avLst/>
+          </a:prstGeom>
+          <a:solidFill>
+            <a:schemeClr val="accent4"/>
+          </a:solidFill>
+          <a:ln>
+            <a:noFill/>
+          </a:ln>
+        </p:spPr>
+        <p:style>
+          <a:lnRef idx="2">
+            <a:schemeClr val="accent1">
+              <a:shade val="50000"/>
+            </a:schemeClr>
+          </a:lnRef>
+          <a:fillRef idx="1">
+            <a:schemeClr val="accent1"/>
+          </a:fillRef>
+          <a:effectRef idx="0">
+            <a:schemeClr val="accent1"/>
+          </a:effectRef>
+          <a:fontRef idx="minor">
+            <a:schemeClr val="lt1"/>
+          </a:fontRef>
+        </p:style>
+        <p:txBody>
+          <a:bodyPr rtlCol="0" anchor="ctr"/>
+          <a:lstStyle/>
+          <a:p>
+            <a:pPr algn="ctr"/>
             <a:endParaRPr lang="en-US" dirty="0"/>
           </a:p>
         </p:txBody>
       </p:sp>
       <p:sp>
         <p:nvSpPr>
-          <p:cNvPr id="3" name="Subtitle 2">
-            <a:extLst>
-              <a:ext uri="{FF2B5EF4-FFF2-40B4-BE49-F238E27FC236}">
-                <a16:creationId xmlns:a16="http://schemas.microsoft.com/office/drawing/2014/main" id="{193BFA7D-67D5-2123-9EEE-9B2C19DBFEC0}"/>
-              </a:ext>
-            </a:extLst>
-          </p:cNvPr>
-          <p:cNvSpPr>
-            <a:spLocks noGrp="1"/>
-          </p:cNvSpPr>
-          <p:nvPr>
-            <p:ph type="subTitle" idx="1"/>
-          </p:nvPr>
-        </p:nvSpPr>
-        <p:spPr/>
-        <p:txBody>
-          <a:bodyPr/>
-          <a:lstStyle/>
-          <a:p>
-            <a:r>
-              <a:rPr lang="en-US" dirty="0"/>
-              <a:t>Phase 3</a:t>
-            </a:r>
-          </a:p>
-          <a:p>
-            <a:r>
-              <a:rPr lang="en-US" dirty="0"/>
-              <a:t>Team 2</a:t>
-            </a:r>
-          </a:p>
-          <a:p>
-            <a:r>
-              <a:rPr lang="en-US" dirty="0"/>
-              <a:t>Duncan, </a:t>
-            </a:r>
-            <a:r>
-              <a:rPr lang="en-US" dirty="0" err="1"/>
-              <a:t>Kurejake</a:t>
-            </a:r>
-            <a:r>
-              <a:rPr lang="en-US" dirty="0"/>
-              <a:t>, Jacob, Grant, Kaden</a:t>
-            </a:r>
-          </a:p>
-        </p:txBody>
-      </p:sp>
+          <p:cNvPr id="33" name="Rectangle 32">
+            <a:extLst>
+              <a:ext uri="{FF2B5EF4-FFF2-40B4-BE49-F238E27FC236}">
+                <a16:creationId xmlns:a16="http://schemas.microsoft.com/office/drawing/2014/main" id="{04357C93-F0CB-4A1C-8F77-4E9063789819}"/>
+              </a:ext>
+              <a:ext uri="{C183D7F6-B498-43B3-948B-1728B52AA6E4}">
+                <adec:decorative xmlns:adec="http://schemas.microsoft.com/office/drawing/2017/decorative" val="1"/>
+              </a:ext>
+            </a:extLst>
+          </p:cNvPr>
+          <p:cNvSpPr>
+            <a:spLocks noGrp="1" noRot="1" noChangeAspect="1" noMove="1" noResize="1" noEditPoints="1" noAdjustHandles="1" noChangeArrowheads="1" noChangeShapeType="1" noTextEdit="1"/>
+          </p:cNvSpPr>
+          <p:nvPr>
+            <p:extLst>
+              <p:ext uri="{386F3935-93C4-4BCD-93E2-E3B085C9AB24}">
+                <p16:designElem xmlns:p16="http://schemas.microsoft.com/office/powerpoint/2015/main" val="1"/>
+              </p:ext>
+            </p:extLst>
+          </p:nvPr>
+        </p:nvSpPr>
+        <p:spPr>
+          <a:xfrm>
+            <a:off x="3807283" y="664308"/>
+            <a:ext cx="8082632" cy="5600340"/>
+          </a:xfrm>
+          <a:prstGeom prst="rect">
+            <a:avLst/>
+          </a:prstGeom>
+          <a:solidFill>
+            <a:schemeClr val="bg1"/>
+          </a:solidFill>
+          <a:ln>
+            <a:noFill/>
+          </a:ln>
+          <a:effectLst>
+            <a:outerShdw blurRad="139700" dist="127000" dir="5400000" algn="t" rotWithShape="0">
+              <a:prstClr val="black">
+                <a:alpha val="15000"/>
+              </a:prstClr>
+            </a:outerShdw>
+          </a:effectLst>
+        </p:spPr>
+        <p:style>
+          <a:lnRef idx="2">
+            <a:schemeClr val="accent1">
+              <a:shade val="50000"/>
+            </a:schemeClr>
+          </a:lnRef>
+          <a:fillRef idx="1">
+            <a:schemeClr val="accent1"/>
+          </a:fillRef>
+          <a:effectRef idx="0">
+            <a:schemeClr val="accent1"/>
+          </a:effectRef>
+          <a:fontRef idx="minor">
+            <a:schemeClr val="lt1"/>
+          </a:fontRef>
+        </p:style>
+        <p:txBody>
+          <a:bodyPr rtlCol="0" anchor="ctr"/>
+          <a:lstStyle/>
+          <a:p>
+            <a:pPr algn="ctr"/>
+            <a:endParaRPr lang="en-US"/>
+          </a:p>
+        </p:txBody>
+      </p:sp>
+      <p:pic>
+        <p:nvPicPr>
+          <p:cNvPr id="15" name="Picture 14" descr="A computer screen with a white background&#10;&#10;AI-generated content may be incorrect.">
+            <a:extLst>
+              <a:ext uri="{FF2B5EF4-FFF2-40B4-BE49-F238E27FC236}">
+                <a16:creationId xmlns:a16="http://schemas.microsoft.com/office/drawing/2014/main" id="{39A9DFAC-9684-0160-B3F8-C31AD5C068F0}"/>
+              </a:ext>
+            </a:extLst>
+          </p:cNvPr>
+          <p:cNvPicPr>
+            <a:picLocks noChangeAspect="1"/>
+          </p:cNvPicPr>
+          <p:nvPr/>
+        </p:nvPicPr>
+        <p:blipFill>
+          <a:blip r:embed="rId2">
+            <a:extLst>
+              <a:ext uri="{28A0092B-C50C-407E-A947-70E740481C1C}">
+                <a14:useLocalDpi xmlns:a14="http://schemas.microsoft.com/office/drawing/2010/main" val="0"/>
+              </a:ext>
+            </a:extLst>
+          </a:blip>
+          <a:srcRect l="5218" r="12431" b="1"/>
+          <a:stretch/>
+        </p:blipFill>
+        <p:spPr>
+          <a:xfrm>
+            <a:off x="3929561" y="883463"/>
+            <a:ext cx="3721608" cy="2542032"/>
+          </a:xfrm>
+          <a:prstGeom prst="rect">
+            <a:avLst/>
+          </a:prstGeom>
+        </p:spPr>
+      </p:pic>
+      <p:pic>
+        <p:nvPicPr>
+          <p:cNvPr id="13" name="Picture 12" descr="A screenshot of a computer&#10;&#10;AI-generated content may be incorrect.">
+            <a:extLst>
+              <a:ext uri="{FF2B5EF4-FFF2-40B4-BE49-F238E27FC236}">
+                <a16:creationId xmlns:a16="http://schemas.microsoft.com/office/drawing/2014/main" id="{F8BDDFAC-3240-3C2E-B24A-25A888FC3E38}"/>
+              </a:ext>
+            </a:extLst>
+          </p:cNvPr>
+          <p:cNvPicPr>
+            <a:picLocks noChangeAspect="1"/>
+          </p:cNvPicPr>
+          <p:nvPr/>
+        </p:nvPicPr>
+        <p:blipFill>
+          <a:blip r:embed="rId3">
+            <a:extLst>
+              <a:ext uri="{28A0092B-C50C-407E-A947-70E740481C1C}">
+                <a14:useLocalDpi xmlns:a14="http://schemas.microsoft.com/office/drawing/2010/main" val="0"/>
+              </a:ext>
+            </a:extLst>
+          </a:blip>
+          <a:srcRect l="17702" r="1" b="1"/>
+          <a:stretch/>
+        </p:blipFill>
+        <p:spPr>
+          <a:xfrm>
+            <a:off x="7910946" y="883463"/>
+            <a:ext cx="3719192" cy="2542032"/>
+          </a:xfrm>
+          <a:prstGeom prst="rect">
+            <a:avLst/>
+          </a:prstGeom>
+        </p:spPr>
+      </p:pic>
+      <p:pic>
+        <p:nvPicPr>
+          <p:cNvPr id="17" name="Picture 16" descr="A screenshot of a computer&#10;&#10;AI-generated content may be incorrect.">
+            <a:extLst>
+              <a:ext uri="{FF2B5EF4-FFF2-40B4-BE49-F238E27FC236}">
+                <a16:creationId xmlns:a16="http://schemas.microsoft.com/office/drawing/2014/main" id="{03BEA4DC-797C-16CF-1E37-C62C743D0943}"/>
+              </a:ext>
+            </a:extLst>
+          </p:cNvPr>
+          <p:cNvPicPr>
+            <a:picLocks noChangeAspect="1"/>
+          </p:cNvPicPr>
+          <p:nvPr/>
+        </p:nvPicPr>
+        <p:blipFill>
+          <a:blip r:embed="rId4">
+            <a:extLst>
+              <a:ext uri="{28A0092B-C50C-407E-A947-70E740481C1C}">
+                <a14:useLocalDpi xmlns:a14="http://schemas.microsoft.com/office/drawing/2010/main" val="0"/>
+              </a:ext>
+            </a:extLst>
+          </a:blip>
+          <a:srcRect l="771" r="16878" b="1"/>
+          <a:stretch/>
+        </p:blipFill>
+        <p:spPr>
+          <a:xfrm>
+            <a:off x="4054251" y="3548348"/>
+            <a:ext cx="3721608" cy="2542032"/>
+          </a:xfrm>
+          <a:prstGeom prst="rect">
+            <a:avLst/>
+          </a:prstGeom>
+        </p:spPr>
+      </p:pic>
+      <p:pic>
+        <p:nvPicPr>
+          <p:cNvPr id="9" name="Picture 8" descr="A computer screen with a white background&#10;&#10;AI-generated content may be incorrect.">
+            <a:extLst>
+              <a:ext uri="{FF2B5EF4-FFF2-40B4-BE49-F238E27FC236}">
+                <a16:creationId xmlns:a16="http://schemas.microsoft.com/office/drawing/2014/main" id="{08C5936B-0CA9-B39A-F8E1-503739689D54}"/>
+              </a:ext>
+            </a:extLst>
+          </p:cNvPr>
+          <p:cNvPicPr>
+            <a:picLocks noChangeAspect="1"/>
+          </p:cNvPicPr>
+          <p:nvPr/>
+        </p:nvPicPr>
+        <p:blipFill>
+          <a:blip r:embed="rId5">
+            <a:extLst>
+              <a:ext uri="{28A0092B-C50C-407E-A947-70E740481C1C}">
+                <a14:useLocalDpi xmlns:a14="http://schemas.microsoft.com/office/drawing/2010/main" val="0"/>
+              </a:ext>
+            </a:extLst>
+          </a:blip>
+          <a:srcRect l="12241" r="5824" b="-3"/>
+          <a:stretch/>
+        </p:blipFill>
+        <p:spPr>
+          <a:xfrm>
+            <a:off x="7916372" y="3548347"/>
+            <a:ext cx="3719192" cy="2542032"/>
+          </a:xfrm>
+          <a:prstGeom prst="rect">
+            <a:avLst/>
+          </a:prstGeom>
+        </p:spPr>
+      </p:pic>
     </p:spTree>
     <p:extLst>
       <p:ext uri="{BB962C8B-B14F-4D97-AF65-F5344CB8AC3E}">
@@ -3417,6 +3835,273 @@
   <p:clrMapOvr>
     <a:masterClrMapping/>
   </p:clrMapOvr>
+  <p:timing>
+    <p:tnLst>
+      <p:par>
+        <p:cTn id="1" dur="indefinite" restart="never" nodeType="tmRoot">
+          <p:childTnLst>
+            <p:seq concurrent="1" nextAc="seek">
+              <p:cTn id="2" dur="indefinite" nodeType="mainSeq">
+                <p:childTnLst>
+                  <p:par>
+                    <p:cTn id="3" fill="hold">
+                      <p:stCondLst>
+                        <p:cond delay="indefinite"/>
+                        <p:cond evt="onBegin" delay="0">
+                          <p:tn val="2"/>
+                        </p:cond>
+                      </p:stCondLst>
+                      <p:childTnLst>
+                        <p:par>
+                          <p:cTn id="4" fill="hold">
+                            <p:stCondLst>
+                              <p:cond delay="0"/>
+                            </p:stCondLst>
+                            <p:childTnLst>
+                              <p:par>
+                                <p:cTn id="5" presetID="10" presetClass="entr" presetSubtype="0" fill="hold" grpId="0" nodeType="withEffect">
+                                  <p:stCondLst>
+                                    <p:cond delay="1000"/>
+                                  </p:stCondLst>
+                                  <p:iterate type="lt">
+                                    <p:tmPct val="10000"/>
+                                  </p:iterate>
+                                  <p:childTnLst>
+                                    <p:set>
+                                      <p:cBhvr>
+                                        <p:cTn id="6" dur="1" fill="hold">
+                                          <p:stCondLst>
+                                            <p:cond delay="0"/>
+                                          </p:stCondLst>
+                                        </p:cTn>
+                                        <p:tgtEl>
+                                          <p:spTgt spid="2"/>
+                                        </p:tgtEl>
+                                        <p:attrNameLst>
+                                          <p:attrName>style.visibility</p:attrName>
+                                        </p:attrNameLst>
+                                      </p:cBhvr>
+                                      <p:to>
+                                        <p:strVal val="visible"/>
+                                      </p:to>
+                                    </p:set>
+                                    <p:animEffect transition="in" filter="fade">
+                                      <p:cBhvr>
+                                        <p:cTn id="7" dur="400"/>
+                                        <p:tgtEl>
+                                          <p:spTgt spid="2"/>
+                                        </p:tgtEl>
+                                      </p:cBhvr>
+                                    </p:animEffect>
+                                  </p:childTnLst>
+                                </p:cTn>
+                              </p:par>
+                              <p:par>
+                                <p:cTn id="8" presetID="10" presetClass="entr" presetSubtype="0" fill="hold" grpId="0" nodeType="withEffect">
+                                  <p:stCondLst>
+                                    <p:cond delay="2000"/>
+                                  </p:stCondLst>
+                                  <p:iterate type="lt">
+                                    <p:tmPct val="10000"/>
+                                  </p:iterate>
+                                  <p:childTnLst>
+                                    <p:set>
+                                      <p:cBhvr>
+                                        <p:cTn id="9" dur="1" fill="hold">
+                                          <p:stCondLst>
+                                            <p:cond delay="0"/>
+                                          </p:stCondLst>
+                                        </p:cTn>
+                                        <p:tgtEl>
+                                          <p:spTgt spid="3">
+                                            <p:txEl>
+                                              <p:pRg st="0" end="0"/>
+                                            </p:txEl>
+                                          </p:spTgt>
+                                        </p:tgtEl>
+                                        <p:attrNameLst>
+                                          <p:attrName>style.visibility</p:attrName>
+                                        </p:attrNameLst>
+                                      </p:cBhvr>
+                                      <p:to>
+                                        <p:strVal val="visible"/>
+                                      </p:to>
+                                    </p:set>
+                                    <p:animEffect transition="in" filter="fade">
+                                      <p:cBhvr>
+                                        <p:cTn id="10" dur="400"/>
+                                        <p:tgtEl>
+                                          <p:spTgt spid="3">
+                                            <p:txEl>
+                                              <p:pRg st="0" end="0"/>
+                                            </p:txEl>
+                                          </p:spTgt>
+                                        </p:tgtEl>
+                                      </p:cBhvr>
+                                    </p:animEffect>
+                                  </p:childTnLst>
+                                </p:cTn>
+                              </p:par>
+                            </p:childTnLst>
+                          </p:cTn>
+                        </p:par>
+                      </p:childTnLst>
+                    </p:cTn>
+                  </p:par>
+                  <p:par>
+                    <p:cTn id="11" fill="hold">
+                      <p:stCondLst>
+                        <p:cond delay="indefinite"/>
+                      </p:stCondLst>
+                      <p:childTnLst>
+                        <p:par>
+                          <p:cTn id="12" fill="hold">
+                            <p:stCondLst>
+                              <p:cond delay="0"/>
+                            </p:stCondLst>
+                            <p:childTnLst>
+                              <p:par>
+                                <p:cTn id="13" presetID="10" presetClass="entr" presetSubtype="0" fill="hold" grpId="0" nodeType="clickEffect">
+                                  <p:stCondLst>
+                                    <p:cond delay="2000"/>
+                                  </p:stCondLst>
+                                  <p:iterate type="lt">
+                                    <p:tmPct val="10000"/>
+                                  </p:iterate>
+                                  <p:childTnLst>
+                                    <p:set>
+                                      <p:cBhvr>
+                                        <p:cTn id="14" dur="1" fill="hold">
+                                          <p:stCondLst>
+                                            <p:cond delay="0"/>
+                                          </p:stCondLst>
+                                        </p:cTn>
+                                        <p:tgtEl>
+                                          <p:spTgt spid="3">
+                                            <p:txEl>
+                                              <p:pRg st="1" end="1"/>
+                                            </p:txEl>
+                                          </p:spTgt>
+                                        </p:tgtEl>
+                                        <p:attrNameLst>
+                                          <p:attrName>style.visibility</p:attrName>
+                                        </p:attrNameLst>
+                                      </p:cBhvr>
+                                      <p:to>
+                                        <p:strVal val="visible"/>
+                                      </p:to>
+                                    </p:set>
+                                    <p:animEffect transition="in" filter="fade">
+                                      <p:cBhvr>
+                                        <p:cTn id="15" dur="400"/>
+                                        <p:tgtEl>
+                                          <p:spTgt spid="3">
+                                            <p:txEl>
+                                              <p:pRg st="1" end="1"/>
+                                            </p:txEl>
+                                          </p:spTgt>
+                                        </p:tgtEl>
+                                      </p:cBhvr>
+                                    </p:animEffect>
+                                  </p:childTnLst>
+                                </p:cTn>
+                              </p:par>
+                            </p:childTnLst>
+                          </p:cTn>
+                        </p:par>
+                      </p:childTnLst>
+                    </p:cTn>
+                  </p:par>
+                  <p:par>
+                    <p:cTn id="16" fill="hold">
+                      <p:stCondLst>
+                        <p:cond delay="indefinite"/>
+                      </p:stCondLst>
+                      <p:childTnLst>
+                        <p:par>
+                          <p:cTn id="17" fill="hold">
+                            <p:stCondLst>
+                              <p:cond delay="0"/>
+                            </p:stCondLst>
+                            <p:childTnLst>
+                              <p:par>
+                                <p:cTn id="18" presetID="10" presetClass="entr" presetSubtype="0" fill="hold" grpId="0" nodeType="clickEffect">
+                                  <p:stCondLst>
+                                    <p:cond delay="2000"/>
+                                  </p:stCondLst>
+                                  <p:iterate type="lt">
+                                    <p:tmPct val="10000"/>
+                                  </p:iterate>
+                                  <p:childTnLst>
+                                    <p:set>
+                                      <p:cBhvr>
+                                        <p:cTn id="19" dur="1" fill="hold">
+                                          <p:stCondLst>
+                                            <p:cond delay="0"/>
+                                          </p:stCondLst>
+                                        </p:cTn>
+                                        <p:tgtEl>
+                                          <p:spTgt spid="3">
+                                            <p:txEl>
+                                              <p:pRg st="2" end="2"/>
+                                            </p:txEl>
+                                          </p:spTgt>
+                                        </p:tgtEl>
+                                        <p:attrNameLst>
+                                          <p:attrName>style.visibility</p:attrName>
+                                        </p:attrNameLst>
+                                      </p:cBhvr>
+                                      <p:to>
+                                        <p:strVal val="visible"/>
+                                      </p:to>
+                                    </p:set>
+                                    <p:animEffect transition="in" filter="fade">
+                                      <p:cBhvr>
+                                        <p:cTn id="20" dur="400"/>
+                                        <p:tgtEl>
+                                          <p:spTgt spid="3">
+                                            <p:txEl>
+                                              <p:pRg st="2" end="2"/>
+                                            </p:txEl>
+                                          </p:spTgt>
+                                        </p:tgtEl>
+                                      </p:cBhvr>
+                                    </p:animEffect>
+                                  </p:childTnLst>
+                                </p:cTn>
+                              </p:par>
+                            </p:childTnLst>
+                          </p:cTn>
+                        </p:par>
+                      </p:childTnLst>
+                    </p:cTn>
+                  </p:par>
+                </p:childTnLst>
+              </p:cTn>
+              <p:prevCondLst>
+                <p:cond evt="onPrev" delay="0">
+                  <p:tgtEl>
+                    <p:sldTgt/>
+                  </p:tgtEl>
+                </p:cond>
+              </p:prevCondLst>
+              <p:nextCondLst>
+                <p:cond evt="onNext" delay="0">
+                  <p:tgtEl>
+                    <p:sldTgt/>
+                  </p:tgtEl>
+                </p:cond>
+              </p:nextCondLst>
+            </p:seq>
+          </p:childTnLst>
+        </p:cTn>
+      </p:par>
+    </p:tnLst>
+    <p:bldLst>
+      <p:bldP spid="2" grpId="0"/>
+      <p:bldP spid="3" grpId="0" build="p"/>
+    </p:bldLst>
+  </p:timing>
 </p:sld>
 </file>
 
@@ -3567,6 +4252,41 @@
           </a:p>
         </p:txBody>
       </p:sp>
+      <p:pic>
+        <p:nvPicPr>
+          <p:cNvPr id="4" name="Picture 3" descr="A computer screen with a white background&#10;&#10;AI-generated content may be incorrect.">
+            <a:extLst>
+              <a:ext uri="{FF2B5EF4-FFF2-40B4-BE49-F238E27FC236}">
+                <a16:creationId xmlns:a16="http://schemas.microsoft.com/office/drawing/2014/main" id="{7123C20B-FB4B-8F0A-B3C8-7C9CFEFCC20D}"/>
+              </a:ext>
+            </a:extLst>
+          </p:cNvPr>
+          <p:cNvPicPr>
+            <a:picLocks noChangeAspect="1"/>
+          </p:cNvPicPr>
+          <p:nvPr/>
+        </p:nvPicPr>
+        <p:blipFill>
+          <a:blip r:embed="rId2">
+            <a:extLst>
+              <a:ext uri="{28A0092B-C50C-407E-A947-70E740481C1C}">
+                <a14:useLocalDpi xmlns:a14="http://schemas.microsoft.com/office/drawing/2010/main" val="0"/>
+              </a:ext>
+            </a:extLst>
+          </a:blip>
+          <a:srcRect l="5218" r="12431" b="1"/>
+          <a:stretch/>
+        </p:blipFill>
+        <p:spPr>
+          <a:xfrm>
+            <a:off x="3929561" y="883463"/>
+            <a:ext cx="3721608" cy="2542032"/>
+          </a:xfrm>
+          <a:prstGeom prst="rect">
+            <a:avLst/>
+          </a:prstGeom>
+        </p:spPr>
+      </p:pic>
     </p:spTree>
     <p:extLst>
       <p:ext uri="{BB962C8B-B14F-4D97-AF65-F5344CB8AC3E}">
@@ -3647,6 +4367,41 @@
           </a:p>
         </p:txBody>
       </p:sp>
+      <p:pic>
+        <p:nvPicPr>
+          <p:cNvPr id="4" name="Picture 3" descr="A screenshot of a computer&#10;&#10;AI-generated content may be incorrect.">
+            <a:extLst>
+              <a:ext uri="{FF2B5EF4-FFF2-40B4-BE49-F238E27FC236}">
+                <a16:creationId xmlns:a16="http://schemas.microsoft.com/office/drawing/2014/main" id="{CA7D39FD-9997-92C5-8F06-9F04681D597B}"/>
+              </a:ext>
+            </a:extLst>
+          </p:cNvPr>
+          <p:cNvPicPr>
+            <a:picLocks noChangeAspect="1"/>
+          </p:cNvPicPr>
+          <p:nvPr/>
+        </p:nvPicPr>
+        <p:blipFill>
+          <a:blip r:embed="rId2">
+            <a:extLst>
+              <a:ext uri="{28A0092B-C50C-407E-A947-70E740481C1C}">
+                <a14:useLocalDpi xmlns:a14="http://schemas.microsoft.com/office/drawing/2010/main" val="0"/>
+              </a:ext>
+            </a:extLst>
+          </a:blip>
+          <a:srcRect l="17702" r="1" b="1"/>
+          <a:stretch/>
+        </p:blipFill>
+        <p:spPr>
+          <a:xfrm>
+            <a:off x="7910946" y="883463"/>
+            <a:ext cx="3719192" cy="2542032"/>
+          </a:xfrm>
+          <a:prstGeom prst="rect">
+            <a:avLst/>
+          </a:prstGeom>
+        </p:spPr>
+      </p:pic>
     </p:spTree>
     <p:extLst>
       <p:ext uri="{BB962C8B-B14F-4D97-AF65-F5344CB8AC3E}">

--- a/Phase 3 Documentation/Team_2_Presentation_3.pptx
+++ b/Phase 3 Documentation/Team_2_Presentation_3.pptx
@@ -2,7 +2,7 @@
 <file path=ppt/presentation.xml><?xml version="1.0" encoding="utf-8"?>
 <p:presentation xmlns:a="http://schemas.openxmlformats.org/drawingml/2006/main" xmlns:r="http://schemas.openxmlformats.org/officeDocument/2006/relationships" xmlns:p="http://schemas.openxmlformats.org/presentationml/2006/main" saveSubsetFonts="1">
   <p:sldMasterIdLst>
-    <p:sldMasterId id="2147483648" r:id="rId1"/>
+    <p:sldMasterId id="2147483768" r:id="rId1"/>
   </p:sldMasterIdLst>
   <p:sldIdLst>
     <p:sldId id="256" r:id="rId2"/>
@@ -11,10 +11,7 @@
     <p:sldId id="259" r:id="rId5"/>
     <p:sldId id="260" r:id="rId6"/>
     <p:sldId id="261" r:id="rId7"/>
-    <p:sldId id="262" r:id="rId8"/>
-    <p:sldId id="263" r:id="rId9"/>
-    <p:sldId id="264" r:id="rId10"/>
-    <p:sldId id="265" r:id="rId11"/>
+    <p:sldId id="265" r:id="rId8"/>
   </p:sldIdLst>
   <p:sldSz cx="12192000" cy="6858000"/>
   <p:notesSz cx="6858000" cy="9144000"/>
@@ -22,7 +19,7 @@
     <a:defPPr>
       <a:defRPr lang="en-US"/>
     </a:defPPr>
-    <a:lvl1pPr marL="0" algn="l" defTabSz="914400" rtl="0" eaLnBrk="1" latinLnBrk="0" hangingPunct="1">
+    <a:lvl1pPr marL="0" algn="l" defTabSz="457200" rtl="0" eaLnBrk="1" latinLnBrk="0" hangingPunct="1">
       <a:defRPr sz="1800" kern="1200">
         <a:solidFill>
           <a:schemeClr val="tx1"/>
@@ -32,7 +29,7 @@
         <a:cs typeface="+mn-cs"/>
       </a:defRPr>
     </a:lvl1pPr>
-    <a:lvl2pPr marL="457200" algn="l" defTabSz="914400" rtl="0" eaLnBrk="1" latinLnBrk="0" hangingPunct="1">
+    <a:lvl2pPr marL="457200" algn="l" defTabSz="457200" rtl="0" eaLnBrk="1" latinLnBrk="0" hangingPunct="1">
       <a:defRPr sz="1800" kern="1200">
         <a:solidFill>
           <a:schemeClr val="tx1"/>
@@ -42,7 +39,7 @@
         <a:cs typeface="+mn-cs"/>
       </a:defRPr>
     </a:lvl2pPr>
-    <a:lvl3pPr marL="914400" algn="l" defTabSz="914400" rtl="0" eaLnBrk="1" latinLnBrk="0" hangingPunct="1">
+    <a:lvl3pPr marL="914400" algn="l" defTabSz="457200" rtl="0" eaLnBrk="1" latinLnBrk="0" hangingPunct="1">
       <a:defRPr sz="1800" kern="1200">
         <a:solidFill>
           <a:schemeClr val="tx1"/>
@@ -52,7 +49,7 @@
         <a:cs typeface="+mn-cs"/>
       </a:defRPr>
     </a:lvl3pPr>
-    <a:lvl4pPr marL="1371600" algn="l" defTabSz="914400" rtl="0" eaLnBrk="1" latinLnBrk="0" hangingPunct="1">
+    <a:lvl4pPr marL="1371600" algn="l" defTabSz="457200" rtl="0" eaLnBrk="1" latinLnBrk="0" hangingPunct="1">
       <a:defRPr sz="1800" kern="1200">
         <a:solidFill>
           <a:schemeClr val="tx1"/>
@@ -62,7 +59,7 @@
         <a:cs typeface="+mn-cs"/>
       </a:defRPr>
     </a:lvl4pPr>
-    <a:lvl5pPr marL="1828800" algn="l" defTabSz="914400" rtl="0" eaLnBrk="1" latinLnBrk="0" hangingPunct="1">
+    <a:lvl5pPr marL="1828800" algn="l" defTabSz="457200" rtl="0" eaLnBrk="1" latinLnBrk="0" hangingPunct="1">
       <a:defRPr sz="1800" kern="1200">
         <a:solidFill>
           <a:schemeClr val="tx1"/>
@@ -72,7 +69,7 @@
         <a:cs typeface="+mn-cs"/>
       </a:defRPr>
     </a:lvl5pPr>
-    <a:lvl6pPr marL="2286000" algn="l" defTabSz="914400" rtl="0" eaLnBrk="1" latinLnBrk="0" hangingPunct="1">
+    <a:lvl6pPr marL="2286000" algn="l" defTabSz="457200" rtl="0" eaLnBrk="1" latinLnBrk="0" hangingPunct="1">
       <a:defRPr sz="1800" kern="1200">
         <a:solidFill>
           <a:schemeClr val="tx1"/>
@@ -82,7 +79,7 @@
         <a:cs typeface="+mn-cs"/>
       </a:defRPr>
     </a:lvl6pPr>
-    <a:lvl7pPr marL="2743200" algn="l" defTabSz="914400" rtl="0" eaLnBrk="1" latinLnBrk="0" hangingPunct="1">
+    <a:lvl7pPr marL="2743200" algn="l" defTabSz="457200" rtl="0" eaLnBrk="1" latinLnBrk="0" hangingPunct="1">
       <a:defRPr sz="1800" kern="1200">
         <a:solidFill>
           <a:schemeClr val="tx1"/>
@@ -92,7 +89,7 @@
         <a:cs typeface="+mn-cs"/>
       </a:defRPr>
     </a:lvl7pPr>
-    <a:lvl8pPr marL="3200400" algn="l" defTabSz="914400" rtl="0" eaLnBrk="1" latinLnBrk="0" hangingPunct="1">
+    <a:lvl8pPr marL="3200400" algn="l" defTabSz="457200" rtl="0" eaLnBrk="1" latinLnBrk="0" hangingPunct="1">
       <a:defRPr sz="1800" kern="1200">
         <a:solidFill>
           <a:schemeClr val="tx1"/>
@@ -102,7 +99,7 @@
         <a:cs typeface="+mn-cs"/>
       </a:defRPr>
     </a:lvl8pPr>
-    <a:lvl9pPr marL="3657600" algn="l" defTabSz="914400" rtl="0" eaLnBrk="1" latinLnBrk="0" hangingPunct="1">
+    <a:lvl9pPr marL="3657600" algn="l" defTabSz="457200" rtl="0" eaLnBrk="1" latinLnBrk="0" hangingPunct="1">
       <a:defRPr sz="1800" kern="1200">
         <a:solidFill>
           <a:schemeClr val="tx1"/>
@@ -140,13 +137,111 @@
       </p:grpSpPr>
       <p:sp>
         <p:nvSpPr>
-          <p:cNvPr id="2" name="Title 1">
-            <a:extLst>
-              <a:ext uri="{FF2B5EF4-FFF2-40B4-BE49-F238E27FC236}">
-                <a16:creationId xmlns:a16="http://schemas.microsoft.com/office/drawing/2014/main" id="{7E982712-D677-8507-5AAE-E860DFD5EC57}"/>
-              </a:ext>
-            </a:extLst>
-          </p:cNvPr>
+          <p:cNvPr id="11" name="Freeform 6"/>
+          <p:cNvSpPr/>
+          <p:nvPr/>
+        </p:nvSpPr>
+        <p:spPr bwMode="auto">
+          <a:xfrm>
+            <a:off x="0" y="-3175"/>
+            <a:ext cx="12192000" cy="5203825"/>
+          </a:xfrm>
+          <a:custGeom>
+            <a:avLst/>
+            <a:gdLst/>
+            <a:ahLst/>
+            <a:cxnLst/>
+            <a:rect l="0" t="0" r="r" b="b"/>
+            <a:pathLst>
+              <a:path w="5760" h="3278">
+                <a:moveTo>
+                  <a:pt x="5760" y="0"/>
+                </a:moveTo>
+                <a:lnTo>
+                  <a:pt x="0" y="0"/>
+                </a:lnTo>
+                <a:lnTo>
+                  <a:pt x="0" y="3090"/>
+                </a:lnTo>
+                <a:lnTo>
+                  <a:pt x="943" y="3090"/>
+                </a:lnTo>
+                <a:lnTo>
+                  <a:pt x="1123" y="3270"/>
+                </a:lnTo>
+                <a:lnTo>
+                  <a:pt x="1123" y="3270"/>
+                </a:lnTo>
+                <a:lnTo>
+                  <a:pt x="1127" y="3272"/>
+                </a:lnTo>
+                <a:lnTo>
+                  <a:pt x="1133" y="3275"/>
+                </a:lnTo>
+                <a:lnTo>
+                  <a:pt x="1139" y="3278"/>
+                </a:lnTo>
+                <a:lnTo>
+                  <a:pt x="1144" y="3278"/>
+                </a:lnTo>
+                <a:lnTo>
+                  <a:pt x="1150" y="3278"/>
+                </a:lnTo>
+                <a:lnTo>
+                  <a:pt x="1155" y="3275"/>
+                </a:lnTo>
+                <a:lnTo>
+                  <a:pt x="1161" y="3272"/>
+                </a:lnTo>
+                <a:lnTo>
+                  <a:pt x="1165" y="3270"/>
+                </a:lnTo>
+                <a:lnTo>
+                  <a:pt x="1345" y="3090"/>
+                </a:lnTo>
+                <a:lnTo>
+                  <a:pt x="5760" y="3090"/>
+                </a:lnTo>
+                <a:lnTo>
+                  <a:pt x="5760" y="0"/>
+                </a:lnTo>
+                <a:close/>
+              </a:path>
+            </a:pathLst>
+          </a:custGeom>
+          <a:ln/>
+          <a:effectLst/>
+          <a:extLst>
+            <a:ext uri="{91240B29-F687-4f45-9708-019B960494DF}">
+              <a14:hiddenLine xmlns="" xmlns:a14="http://schemas.microsoft.com/office/drawing/2010/main" w="9525">
+                <a:solidFill>
+                  <a:srgbClr val="000000"/>
+                </a:solidFill>
+                <a:round/>
+                <a:headEnd/>
+                <a:tailEnd/>
+              </a14:hiddenLine>
+            </a:ext>
+          </a:extLst>
+        </p:spPr>
+        <p:style>
+          <a:lnRef idx="1">
+            <a:schemeClr val="accent1"/>
+          </a:lnRef>
+          <a:fillRef idx="3">
+            <a:schemeClr val="accent1"/>
+          </a:fillRef>
+          <a:effectRef idx="2">
+            <a:schemeClr val="accent1"/>
+          </a:effectRef>
+          <a:fontRef idx="minor">
+            <a:schemeClr val="lt1"/>
+          </a:fontRef>
+        </p:style>
+      </p:sp>
+      <p:sp>
+        <p:nvSpPr>
+          <p:cNvPr id="2" name="Title 1"/>
           <p:cNvSpPr>
             <a:spLocks noGrp="1"/>
           </p:cNvSpPr>
@@ -156,15 +251,15 @@
         </p:nvSpPr>
         <p:spPr>
           <a:xfrm>
-            <a:off x="1524000" y="1122363"/>
-            <a:ext cx="9144000" cy="2387600"/>
+            <a:off x="810001" y="1449147"/>
+            <a:ext cx="10572000" cy="2971051"/>
           </a:xfrm>
         </p:spPr>
         <p:txBody>
-          <a:bodyPr anchor="b"/>
+          <a:bodyPr/>
           <a:lstStyle>
-            <a:lvl1pPr algn="ctr">
-              <a:defRPr sz="6000"/>
+            <a:lvl1pPr>
+              <a:defRPr sz="5400"/>
             </a:lvl1pPr>
           </a:lstStyle>
           <a:p>
@@ -172,18 +267,13 @@
               <a:rPr lang="en-US"/>
               <a:t>Click to edit Master title style</a:t>
             </a:r>
-          </a:p>
-        </p:txBody>
-      </p:sp>
-      <p:sp>
-        <p:nvSpPr>
-          <p:cNvPr id="3" name="Subtitle 2">
-            <a:extLst>
-              <a:ext uri="{FF2B5EF4-FFF2-40B4-BE49-F238E27FC236}">
-                <a16:creationId xmlns:a16="http://schemas.microsoft.com/office/drawing/2014/main" id="{9E3B183E-7439-A935-FBE2-EDD876AB1542}"/>
-              </a:ext>
-            </a:extLst>
-          </p:cNvPr>
+            <a:endParaRPr lang="en-US" dirty="0"/>
+          </a:p>
+        </p:txBody>
+      </p:sp>
+      <p:sp>
+        <p:nvSpPr>
+          <p:cNvPr id="3" name="Subtitle 2"/>
           <p:cNvSpPr>
             <a:spLocks noGrp="1"/>
           </p:cNvSpPr>
@@ -193,48 +283,100 @@
         </p:nvSpPr>
         <p:spPr>
           <a:xfrm>
-            <a:off x="1524000" y="3602038"/>
-            <a:ext cx="9144000" cy="1655762"/>
+            <a:off x="810001" y="5280847"/>
+            <a:ext cx="10572000" cy="434974"/>
           </a:xfrm>
         </p:spPr>
         <p:txBody>
-          <a:bodyPr/>
+          <a:bodyPr anchor="t"/>
           <a:lstStyle>
-            <a:lvl1pPr marL="0" indent="0" algn="ctr">
-              <a:buNone/>
-              <a:defRPr sz="2400"/>
+            <a:lvl1pPr marL="0" indent="0" algn="l">
+              <a:buNone/>
+              <a:defRPr>
+                <a:solidFill>
+                  <a:schemeClr val="tx1"/>
+                </a:solidFill>
+              </a:defRPr>
             </a:lvl1pPr>
             <a:lvl2pPr marL="457200" indent="0" algn="ctr">
               <a:buNone/>
-              <a:defRPr sz="2000"/>
+              <a:defRPr>
+                <a:solidFill>
+                  <a:schemeClr val="tx1">
+                    <a:tint val="75000"/>
+                  </a:schemeClr>
+                </a:solidFill>
+              </a:defRPr>
             </a:lvl2pPr>
             <a:lvl3pPr marL="914400" indent="0" algn="ctr">
               <a:buNone/>
-              <a:defRPr sz="1800"/>
+              <a:defRPr>
+                <a:solidFill>
+                  <a:schemeClr val="tx1">
+                    <a:tint val="75000"/>
+                  </a:schemeClr>
+                </a:solidFill>
+              </a:defRPr>
             </a:lvl3pPr>
             <a:lvl4pPr marL="1371600" indent="0" algn="ctr">
               <a:buNone/>
-              <a:defRPr sz="1600"/>
+              <a:defRPr>
+                <a:solidFill>
+                  <a:schemeClr val="tx1">
+                    <a:tint val="75000"/>
+                  </a:schemeClr>
+                </a:solidFill>
+              </a:defRPr>
             </a:lvl4pPr>
             <a:lvl5pPr marL="1828800" indent="0" algn="ctr">
               <a:buNone/>
-              <a:defRPr sz="1600"/>
+              <a:defRPr>
+                <a:solidFill>
+                  <a:schemeClr val="tx1">
+                    <a:tint val="75000"/>
+                  </a:schemeClr>
+                </a:solidFill>
+              </a:defRPr>
             </a:lvl5pPr>
             <a:lvl6pPr marL="2286000" indent="0" algn="ctr">
               <a:buNone/>
-              <a:defRPr sz="1600"/>
+              <a:defRPr>
+                <a:solidFill>
+                  <a:schemeClr val="tx1">
+                    <a:tint val="75000"/>
+                  </a:schemeClr>
+                </a:solidFill>
+              </a:defRPr>
             </a:lvl6pPr>
             <a:lvl7pPr marL="2743200" indent="0" algn="ctr">
               <a:buNone/>
-              <a:defRPr sz="1600"/>
+              <a:defRPr>
+                <a:solidFill>
+                  <a:schemeClr val="tx1">
+                    <a:tint val="75000"/>
+                  </a:schemeClr>
+                </a:solidFill>
+              </a:defRPr>
             </a:lvl7pPr>
             <a:lvl8pPr marL="3200400" indent="0" algn="ctr">
               <a:buNone/>
-              <a:defRPr sz="1600"/>
+              <a:defRPr>
+                <a:solidFill>
+                  <a:schemeClr val="tx1">
+                    <a:tint val="75000"/>
+                  </a:schemeClr>
+                </a:solidFill>
+              </a:defRPr>
             </a:lvl8pPr>
             <a:lvl9pPr marL="3657600" indent="0" algn="ctr">
               <a:buNone/>
-              <a:defRPr sz="1600"/>
+              <a:defRPr>
+                <a:solidFill>
+                  <a:schemeClr val="tx1">
+                    <a:tint val="75000"/>
+                  </a:schemeClr>
+                </a:solidFill>
+              </a:defRPr>
             </a:lvl9pPr>
           </a:lstStyle>
           <a:p>
@@ -242,18 +384,13 @@
               <a:rPr lang="en-US"/>
               <a:t>Click to edit Master subtitle style</a:t>
             </a:r>
-          </a:p>
-        </p:txBody>
-      </p:sp>
-      <p:sp>
-        <p:nvSpPr>
-          <p:cNvPr id="4" name="Date Placeholder 3">
-            <a:extLst>
-              <a:ext uri="{FF2B5EF4-FFF2-40B4-BE49-F238E27FC236}">
-                <a16:creationId xmlns:a16="http://schemas.microsoft.com/office/drawing/2014/main" id="{CF575582-A816-DFF1-82AD-87493D10CF9C}"/>
-              </a:ext>
-            </a:extLst>
-          </p:cNvPr>
+            <a:endParaRPr lang="en-US" dirty="0"/>
+          </a:p>
+        </p:txBody>
+      </p:sp>
+      <p:sp>
+        <p:nvSpPr>
+          <p:cNvPr id="4" name="Date Placeholder 3"/>
           <p:cNvSpPr>
             <a:spLocks noGrp="1"/>
           </p:cNvSpPr>
@@ -268,7 +405,7 @@
           <a:p>
             <a:fld id="{64ADD9F5-E36E-419B-A5CC-2A9078F3523D}" type="datetimeFigureOut">
               <a:rPr lang="en-US" smtClean="0"/>
-              <a:t>4/12/2025</a:t>
+              <a:t>4/13/2025</a:t>
             </a:fld>
             <a:endParaRPr lang="en-US"/>
           </a:p>
@@ -276,13 +413,7 @@
       </p:sp>
       <p:sp>
         <p:nvSpPr>
-          <p:cNvPr id="5" name="Footer Placeholder 4">
-            <a:extLst>
-              <a:ext uri="{FF2B5EF4-FFF2-40B4-BE49-F238E27FC236}">
-                <a16:creationId xmlns:a16="http://schemas.microsoft.com/office/drawing/2014/main" id="{0157BCE4-A574-C60D-9502-79377976CBBB}"/>
-              </a:ext>
-            </a:extLst>
-          </p:cNvPr>
+          <p:cNvPr id="5" name="Footer Placeholder 4"/>
           <p:cNvSpPr>
             <a:spLocks noGrp="1"/>
           </p:cNvSpPr>
@@ -301,13 +432,7 @@
       </p:sp>
       <p:sp>
         <p:nvSpPr>
-          <p:cNvPr id="6" name="Slide Number Placeholder 5">
-            <a:extLst>
-              <a:ext uri="{FF2B5EF4-FFF2-40B4-BE49-F238E27FC236}">
-                <a16:creationId xmlns:a16="http://schemas.microsoft.com/office/drawing/2014/main" id="{05CD4566-0BBA-910D-B428-A7BE944D916D}"/>
-              </a:ext>
-            </a:extLst>
-          </p:cNvPr>
+          <p:cNvPr id="6" name="Slide Number Placeholder 5"/>
           <p:cNvSpPr>
             <a:spLocks noGrp="1"/>
           </p:cNvSpPr>
@@ -331,7 +456,7 @@
     </p:spTree>
     <p:extLst>
       <p:ext uri="{BB962C8B-B14F-4D97-AF65-F5344CB8AC3E}">
-        <p14:creationId xmlns:p14="http://schemas.microsoft.com/office/powerpoint/2010/main" val="753072459"/>
+        <p14:creationId xmlns:p14="http://schemas.microsoft.com/office/powerpoint/2010/main" val="1863472215"/>
       </p:ext>
     </p:extLst>
   </p:cSld>
@@ -342,6 +467,1181 @@
 </file>
 
 <file path=ppt/slideLayouts/slideLayout10.xml><?xml version="1.0" encoding="utf-8"?>
+<p:sldLayout xmlns:a="http://schemas.openxmlformats.org/drawingml/2006/main" xmlns:r="http://schemas.openxmlformats.org/officeDocument/2006/relationships" xmlns:p="http://schemas.openxmlformats.org/presentationml/2006/main" preserve="1">
+  <p:cSld name="Panoramic Picture with Caption">
+    <p:spTree>
+      <p:nvGrpSpPr>
+        <p:cNvPr id="1" name=""/>
+        <p:cNvGrpSpPr/>
+        <p:nvPr/>
+      </p:nvGrpSpPr>
+      <p:grpSpPr>
+        <a:xfrm>
+          <a:off x="0" y="0"/>
+          <a:ext cx="0" cy="0"/>
+          <a:chOff x="0" y="0"/>
+          <a:chExt cx="0" cy="0"/>
+        </a:xfrm>
+      </p:grpSpPr>
+      <p:sp>
+        <p:nvSpPr>
+          <p:cNvPr id="2" name="Title 1"/>
+          <p:cNvSpPr>
+            <a:spLocks noGrp="1"/>
+          </p:cNvSpPr>
+          <p:nvPr>
+            <p:ph type="title"/>
+          </p:nvPr>
+        </p:nvSpPr>
+        <p:spPr>
+          <a:xfrm>
+            <a:off x="810000" y="4800600"/>
+            <a:ext cx="10561418" cy="566738"/>
+          </a:xfrm>
+        </p:spPr>
+        <p:txBody>
+          <a:bodyPr anchor="b">
+            <a:normAutofit/>
+          </a:bodyPr>
+          <a:lstStyle>
+            <a:lvl1pPr algn="l">
+              <a:defRPr sz="2400" b="0"/>
+            </a:lvl1pPr>
+          </a:lstStyle>
+          <a:p>
+            <a:r>
+              <a:rPr lang="en-US"/>
+              <a:t>Click to edit Master title style</a:t>
+            </a:r>
+            <a:endParaRPr lang="en-US" dirty="0"/>
+          </a:p>
+        </p:txBody>
+      </p:sp>
+      <p:sp>
+        <p:nvSpPr>
+          <p:cNvPr id="15" name="Picture Placeholder 14"/>
+          <p:cNvSpPr>
+            <a:spLocks noGrp="1" noChangeAspect="1"/>
+          </p:cNvSpPr>
+          <p:nvPr>
+            <p:ph type="pic" sz="quarter" idx="13"/>
+          </p:nvPr>
+        </p:nvSpPr>
+        <p:spPr bwMode="auto">
+          <a:xfrm>
+            <a:off x="0" y="0"/>
+            <a:ext cx="12192000" cy="4800600"/>
+          </a:xfrm>
+          <a:custGeom>
+            <a:avLst/>
+            <a:gdLst/>
+            <a:ahLst/>
+            <a:cxnLst/>
+            <a:rect l="0" t="0" r="r" b="b"/>
+            <a:pathLst>
+              <a:path w="5760" h="3289">
+                <a:moveTo>
+                  <a:pt x="5760" y="0"/>
+                </a:moveTo>
+                <a:lnTo>
+                  <a:pt x="0" y="0"/>
+                </a:lnTo>
+                <a:lnTo>
+                  <a:pt x="0" y="3100"/>
+                </a:lnTo>
+                <a:lnTo>
+                  <a:pt x="943" y="3100"/>
+                </a:lnTo>
+                <a:lnTo>
+                  <a:pt x="1123" y="3281"/>
+                </a:lnTo>
+                <a:lnTo>
+                  <a:pt x="1123" y="3281"/>
+                </a:lnTo>
+                <a:lnTo>
+                  <a:pt x="1127" y="3283"/>
+                </a:lnTo>
+                <a:lnTo>
+                  <a:pt x="1133" y="3286"/>
+                </a:lnTo>
+                <a:lnTo>
+                  <a:pt x="1139" y="3289"/>
+                </a:lnTo>
+                <a:lnTo>
+                  <a:pt x="1144" y="3289"/>
+                </a:lnTo>
+                <a:lnTo>
+                  <a:pt x="1150" y="3289"/>
+                </a:lnTo>
+                <a:lnTo>
+                  <a:pt x="1155" y="3286"/>
+                </a:lnTo>
+                <a:lnTo>
+                  <a:pt x="1161" y="3283"/>
+                </a:lnTo>
+                <a:lnTo>
+                  <a:pt x="1165" y="3281"/>
+                </a:lnTo>
+                <a:lnTo>
+                  <a:pt x="1345" y="3100"/>
+                </a:lnTo>
+                <a:lnTo>
+                  <a:pt x="5760" y="3100"/>
+                </a:lnTo>
+                <a:lnTo>
+                  <a:pt x="5760" y="0"/>
+                </a:lnTo>
+                <a:close/>
+              </a:path>
+            </a:pathLst>
+          </a:custGeom>
+          <a:noFill/>
+          <a:ln>
+            <a:solidFill>
+              <a:schemeClr val="tx2"/>
+            </a:solidFill>
+          </a:ln>
+        </p:spPr>
+        <p:style>
+          <a:lnRef idx="1">
+            <a:schemeClr val="accent1"/>
+          </a:lnRef>
+          <a:fillRef idx="3">
+            <a:schemeClr val="accent1"/>
+          </a:fillRef>
+          <a:effectRef idx="2">
+            <a:schemeClr val="accent1"/>
+          </a:effectRef>
+          <a:fontRef idx="minor">
+            <a:schemeClr val="lt1"/>
+          </a:fontRef>
+        </p:style>
+        <p:txBody>
+          <a:bodyPr wrap="square" numCol="1" anchor="t" anchorCtr="0" compatLnSpc="1">
+            <a:prstTxWarp prst="textNoShape">
+              <a:avLst/>
+            </a:prstTxWarp>
+            <a:normAutofit/>
+          </a:bodyPr>
+          <a:lstStyle>
+            <a:lvl1pPr marL="0" indent="0" algn="ctr">
+              <a:buFontTx/>
+              <a:buNone/>
+              <a:defRPr sz="1600"/>
+            </a:lvl1pPr>
+          </a:lstStyle>
+          <a:p>
+            <a:r>
+              <a:rPr lang="en-US"/>
+              <a:t>Click icon to add picture</a:t>
+            </a:r>
+            <a:endParaRPr lang="en-US" dirty="0"/>
+          </a:p>
+        </p:txBody>
+      </p:sp>
+      <p:sp>
+        <p:nvSpPr>
+          <p:cNvPr id="4" name="Text Placeholder 3"/>
+          <p:cNvSpPr>
+            <a:spLocks noGrp="1"/>
+          </p:cNvSpPr>
+          <p:nvPr>
+            <p:ph type="body" sz="half" idx="2"/>
+          </p:nvPr>
+        </p:nvSpPr>
+        <p:spPr>
+          <a:xfrm>
+            <a:off x="810000" y="5367338"/>
+            <a:ext cx="10561418" cy="493712"/>
+          </a:xfrm>
+        </p:spPr>
+        <p:txBody>
+          <a:bodyPr>
+            <a:normAutofit/>
+          </a:bodyPr>
+          <a:lstStyle>
+            <a:lvl1pPr marL="0" indent="0">
+              <a:buNone/>
+              <a:defRPr sz="1200"/>
+            </a:lvl1pPr>
+            <a:lvl2pPr marL="457200" indent="0">
+              <a:buNone/>
+              <a:defRPr sz="1200"/>
+            </a:lvl2pPr>
+            <a:lvl3pPr marL="914400" indent="0">
+              <a:buNone/>
+              <a:defRPr sz="1000"/>
+            </a:lvl3pPr>
+            <a:lvl4pPr marL="1371600" indent="0">
+              <a:buNone/>
+              <a:defRPr sz="900"/>
+            </a:lvl4pPr>
+            <a:lvl5pPr marL="1828800" indent="0">
+              <a:buNone/>
+              <a:defRPr sz="900"/>
+            </a:lvl5pPr>
+            <a:lvl6pPr marL="2286000" indent="0">
+              <a:buNone/>
+              <a:defRPr sz="900"/>
+            </a:lvl6pPr>
+            <a:lvl7pPr marL="2743200" indent="0">
+              <a:buNone/>
+              <a:defRPr sz="900"/>
+            </a:lvl7pPr>
+            <a:lvl8pPr marL="3200400" indent="0">
+              <a:buNone/>
+              <a:defRPr sz="900"/>
+            </a:lvl8pPr>
+            <a:lvl9pPr marL="3657600" indent="0">
+              <a:buNone/>
+              <a:defRPr sz="900"/>
+            </a:lvl9pPr>
+          </a:lstStyle>
+          <a:p>
+            <a:pPr lvl="0"/>
+            <a:r>
+              <a:rPr lang="en-US"/>
+              <a:t>Click to edit Master text styles</a:t>
+            </a:r>
+          </a:p>
+        </p:txBody>
+      </p:sp>
+      <p:sp>
+        <p:nvSpPr>
+          <p:cNvPr id="5" name="Date Placeholder 4"/>
+          <p:cNvSpPr>
+            <a:spLocks noGrp="1"/>
+          </p:cNvSpPr>
+          <p:nvPr>
+            <p:ph type="dt" sz="half" idx="10"/>
+          </p:nvPr>
+        </p:nvSpPr>
+        <p:spPr/>
+        <p:txBody>
+          <a:bodyPr/>
+          <a:lstStyle/>
+          <a:p>
+            <a:fld id="{64ADD9F5-E36E-419B-A5CC-2A9078F3523D}" type="datetimeFigureOut">
+              <a:rPr lang="en-US" smtClean="0"/>
+              <a:t>4/13/2025</a:t>
+            </a:fld>
+            <a:endParaRPr lang="en-US"/>
+          </a:p>
+        </p:txBody>
+      </p:sp>
+      <p:sp>
+        <p:nvSpPr>
+          <p:cNvPr id="6" name="Footer Placeholder 5"/>
+          <p:cNvSpPr>
+            <a:spLocks noGrp="1"/>
+          </p:cNvSpPr>
+          <p:nvPr>
+            <p:ph type="ftr" sz="quarter" idx="11"/>
+          </p:nvPr>
+        </p:nvSpPr>
+        <p:spPr/>
+        <p:txBody>
+          <a:bodyPr/>
+          <a:lstStyle/>
+          <a:p>
+            <a:endParaRPr lang="en-US"/>
+          </a:p>
+        </p:txBody>
+      </p:sp>
+      <p:sp>
+        <p:nvSpPr>
+          <p:cNvPr id="7" name="Slide Number Placeholder 6"/>
+          <p:cNvSpPr>
+            <a:spLocks noGrp="1"/>
+          </p:cNvSpPr>
+          <p:nvPr>
+            <p:ph type="sldNum" sz="quarter" idx="12"/>
+          </p:nvPr>
+        </p:nvSpPr>
+        <p:spPr/>
+        <p:txBody>
+          <a:bodyPr/>
+          <a:lstStyle/>
+          <a:p>
+            <a:fld id="{796379CF-3C2C-49BD-B260-2E69615AC468}" type="slidenum">
+              <a:rPr lang="en-US" smtClean="0"/>
+              <a:t>‹#›</a:t>
+            </a:fld>
+            <a:endParaRPr lang="en-US"/>
+          </a:p>
+        </p:txBody>
+      </p:sp>
+    </p:spTree>
+    <p:extLst>
+      <p:ext uri="{BB962C8B-B14F-4D97-AF65-F5344CB8AC3E}">
+        <p14:creationId xmlns:p14="http://schemas.microsoft.com/office/powerpoint/2010/main" val="1980777799"/>
+      </p:ext>
+    </p:extLst>
+  </p:cSld>
+  <p:clrMapOvr>
+    <a:masterClrMapping/>
+  </p:clrMapOvr>
+</p:sldLayout>
+</file>
+
+<file path=ppt/slideLayouts/slideLayout11.xml><?xml version="1.0" encoding="utf-8"?>
+<p:sldLayout xmlns:a="http://schemas.openxmlformats.org/drawingml/2006/main" xmlns:r="http://schemas.openxmlformats.org/officeDocument/2006/relationships" xmlns:p="http://schemas.openxmlformats.org/presentationml/2006/main" preserve="1">
+  <p:cSld name="Quote with Caption">
+    <p:spTree>
+      <p:nvGrpSpPr>
+        <p:cNvPr id="1" name=""/>
+        <p:cNvGrpSpPr/>
+        <p:nvPr/>
+      </p:nvGrpSpPr>
+      <p:grpSpPr>
+        <a:xfrm>
+          <a:off x="0" y="0"/>
+          <a:ext cx="0" cy="0"/>
+          <a:chOff x="0" y="0"/>
+          <a:chExt cx="0" cy="0"/>
+        </a:xfrm>
+      </p:grpSpPr>
+      <p:sp>
+        <p:nvSpPr>
+          <p:cNvPr id="8" name="Freeform 6"/>
+          <p:cNvSpPr>
+            <a:spLocks noChangeAspect="1"/>
+          </p:cNvSpPr>
+          <p:nvPr/>
+        </p:nvSpPr>
+        <p:spPr bwMode="auto">
+          <a:xfrm>
+            <a:off x="631697" y="1081456"/>
+            <a:ext cx="6332416" cy="3239188"/>
+          </a:xfrm>
+          <a:custGeom>
+            <a:avLst/>
+            <a:gdLst/>
+            <a:ahLst/>
+            <a:cxnLst/>
+            <a:rect l="0" t="0" r="r" b="b"/>
+            <a:pathLst>
+              <a:path w="3384" h="2308">
+                <a:moveTo>
+                  <a:pt x="3340" y="0"/>
+                </a:moveTo>
+                <a:lnTo>
+                  <a:pt x="44" y="0"/>
+                </a:lnTo>
+                <a:lnTo>
+                  <a:pt x="44" y="0"/>
+                </a:lnTo>
+                <a:lnTo>
+                  <a:pt x="34" y="0"/>
+                </a:lnTo>
+                <a:lnTo>
+                  <a:pt x="26" y="4"/>
+                </a:lnTo>
+                <a:lnTo>
+                  <a:pt x="20" y="8"/>
+                </a:lnTo>
+                <a:lnTo>
+                  <a:pt x="12" y="12"/>
+                </a:lnTo>
+                <a:lnTo>
+                  <a:pt x="8" y="20"/>
+                </a:lnTo>
+                <a:lnTo>
+                  <a:pt x="4" y="26"/>
+                </a:lnTo>
+                <a:lnTo>
+                  <a:pt x="0" y="34"/>
+                </a:lnTo>
+                <a:lnTo>
+                  <a:pt x="0" y="44"/>
+                </a:lnTo>
+                <a:lnTo>
+                  <a:pt x="0" y="2076"/>
+                </a:lnTo>
+                <a:lnTo>
+                  <a:pt x="0" y="2076"/>
+                </a:lnTo>
+                <a:lnTo>
+                  <a:pt x="0" y="2086"/>
+                </a:lnTo>
+                <a:lnTo>
+                  <a:pt x="4" y="2094"/>
+                </a:lnTo>
+                <a:lnTo>
+                  <a:pt x="8" y="2100"/>
+                </a:lnTo>
+                <a:lnTo>
+                  <a:pt x="12" y="2108"/>
+                </a:lnTo>
+                <a:lnTo>
+                  <a:pt x="20" y="2112"/>
+                </a:lnTo>
+                <a:lnTo>
+                  <a:pt x="26" y="2116"/>
+                </a:lnTo>
+                <a:lnTo>
+                  <a:pt x="34" y="2120"/>
+                </a:lnTo>
+                <a:lnTo>
+                  <a:pt x="44" y="2120"/>
+                </a:lnTo>
+                <a:lnTo>
+                  <a:pt x="474" y="2120"/>
+                </a:lnTo>
+                <a:lnTo>
+                  <a:pt x="650" y="2296"/>
+                </a:lnTo>
+                <a:lnTo>
+                  <a:pt x="650" y="2296"/>
+                </a:lnTo>
+                <a:lnTo>
+                  <a:pt x="656" y="2300"/>
+                </a:lnTo>
+                <a:lnTo>
+                  <a:pt x="664" y="2304"/>
+                </a:lnTo>
+                <a:lnTo>
+                  <a:pt x="672" y="2308"/>
+                </a:lnTo>
+                <a:lnTo>
+                  <a:pt x="680" y="2308"/>
+                </a:lnTo>
+                <a:lnTo>
+                  <a:pt x="688" y="2308"/>
+                </a:lnTo>
+                <a:lnTo>
+                  <a:pt x="696" y="2304"/>
+                </a:lnTo>
+                <a:lnTo>
+                  <a:pt x="704" y="2300"/>
+                </a:lnTo>
+                <a:lnTo>
+                  <a:pt x="710" y="2296"/>
+                </a:lnTo>
+                <a:lnTo>
+                  <a:pt x="886" y="2120"/>
+                </a:lnTo>
+                <a:lnTo>
+                  <a:pt x="3340" y="2120"/>
+                </a:lnTo>
+                <a:lnTo>
+                  <a:pt x="3340" y="2120"/>
+                </a:lnTo>
+                <a:lnTo>
+                  <a:pt x="3350" y="2120"/>
+                </a:lnTo>
+                <a:lnTo>
+                  <a:pt x="3358" y="2116"/>
+                </a:lnTo>
+                <a:lnTo>
+                  <a:pt x="3364" y="2112"/>
+                </a:lnTo>
+                <a:lnTo>
+                  <a:pt x="3372" y="2108"/>
+                </a:lnTo>
+                <a:lnTo>
+                  <a:pt x="3376" y="2100"/>
+                </a:lnTo>
+                <a:lnTo>
+                  <a:pt x="3380" y="2094"/>
+                </a:lnTo>
+                <a:lnTo>
+                  <a:pt x="3384" y="2086"/>
+                </a:lnTo>
+                <a:lnTo>
+                  <a:pt x="3384" y="2076"/>
+                </a:lnTo>
+                <a:lnTo>
+                  <a:pt x="3384" y="44"/>
+                </a:lnTo>
+                <a:lnTo>
+                  <a:pt x="3384" y="44"/>
+                </a:lnTo>
+                <a:lnTo>
+                  <a:pt x="3384" y="34"/>
+                </a:lnTo>
+                <a:lnTo>
+                  <a:pt x="3380" y="26"/>
+                </a:lnTo>
+                <a:lnTo>
+                  <a:pt x="3376" y="20"/>
+                </a:lnTo>
+                <a:lnTo>
+                  <a:pt x="3372" y="12"/>
+                </a:lnTo>
+                <a:lnTo>
+                  <a:pt x="3364" y="8"/>
+                </a:lnTo>
+                <a:lnTo>
+                  <a:pt x="3358" y="4"/>
+                </a:lnTo>
+                <a:lnTo>
+                  <a:pt x="3350" y="0"/>
+                </a:lnTo>
+                <a:lnTo>
+                  <a:pt x="3340" y="0"/>
+                </a:lnTo>
+                <a:lnTo>
+                  <a:pt x="3340" y="0"/>
+                </a:lnTo>
+                <a:close/>
+              </a:path>
+            </a:pathLst>
+          </a:custGeom>
+          <a:ln>
+            <a:solidFill>
+              <a:schemeClr val="accent1"/>
+            </a:solidFill>
+          </a:ln>
+        </p:spPr>
+        <p:style>
+          <a:lnRef idx="1">
+            <a:schemeClr val="accent1"/>
+          </a:lnRef>
+          <a:fillRef idx="3">
+            <a:schemeClr val="accent1"/>
+          </a:fillRef>
+          <a:effectRef idx="2">
+            <a:schemeClr val="accent1"/>
+          </a:effectRef>
+          <a:fontRef idx="minor">
+            <a:schemeClr val="lt1"/>
+          </a:fontRef>
+        </p:style>
+      </p:sp>
+      <p:sp>
+        <p:nvSpPr>
+          <p:cNvPr id="2" name="Title 1"/>
+          <p:cNvSpPr>
+            <a:spLocks noGrp="1"/>
+          </p:cNvSpPr>
+          <p:nvPr>
+            <p:ph type="title"/>
+          </p:nvPr>
+        </p:nvSpPr>
+        <p:spPr>
+          <a:xfrm>
+            <a:off x="850985" y="1238502"/>
+            <a:ext cx="5893840" cy="2645912"/>
+          </a:xfrm>
+        </p:spPr>
+        <p:txBody>
+          <a:bodyPr anchor="b"/>
+          <a:lstStyle>
+            <a:lvl1pPr algn="l">
+              <a:defRPr sz="4200" b="1" cap="none"/>
+            </a:lvl1pPr>
+          </a:lstStyle>
+          <a:p>
+            <a:r>
+              <a:rPr lang="en-US"/>
+              <a:t>Click to edit Master title style</a:t>
+            </a:r>
+            <a:endParaRPr lang="en-US" dirty="0"/>
+          </a:p>
+        </p:txBody>
+      </p:sp>
+      <p:sp>
+        <p:nvSpPr>
+          <p:cNvPr id="3" name="Text Placeholder 2"/>
+          <p:cNvSpPr>
+            <a:spLocks noGrp="1"/>
+          </p:cNvSpPr>
+          <p:nvPr>
+            <p:ph type="body" idx="1"/>
+          </p:nvPr>
+        </p:nvSpPr>
+        <p:spPr>
+          <a:xfrm>
+            <a:off x="853190" y="4443680"/>
+            <a:ext cx="5891636" cy="713241"/>
+          </a:xfrm>
+        </p:spPr>
+        <p:txBody>
+          <a:bodyPr anchor="t">
+            <a:noAutofit/>
+          </a:bodyPr>
+          <a:lstStyle>
+            <a:lvl1pPr marL="0" indent="0" algn="l">
+              <a:buNone/>
+              <a:defRPr sz="1800">
+                <a:solidFill>
+                  <a:schemeClr val="tx1"/>
+                </a:solidFill>
+              </a:defRPr>
+            </a:lvl1pPr>
+            <a:lvl2pPr marL="457200" indent="0">
+              <a:buNone/>
+              <a:defRPr sz="1800">
+                <a:solidFill>
+                  <a:schemeClr val="tx1">
+                    <a:tint val="75000"/>
+                  </a:schemeClr>
+                </a:solidFill>
+              </a:defRPr>
+            </a:lvl2pPr>
+            <a:lvl3pPr marL="914400" indent="0">
+              <a:buNone/>
+              <a:defRPr sz="1600">
+                <a:solidFill>
+                  <a:schemeClr val="tx1">
+                    <a:tint val="75000"/>
+                  </a:schemeClr>
+                </a:solidFill>
+              </a:defRPr>
+            </a:lvl3pPr>
+            <a:lvl4pPr marL="1371600" indent="0">
+              <a:buNone/>
+              <a:defRPr sz="1400">
+                <a:solidFill>
+                  <a:schemeClr val="tx1">
+                    <a:tint val="75000"/>
+                  </a:schemeClr>
+                </a:solidFill>
+              </a:defRPr>
+            </a:lvl4pPr>
+            <a:lvl5pPr marL="1828800" indent="0">
+              <a:buNone/>
+              <a:defRPr sz="1400">
+                <a:solidFill>
+                  <a:schemeClr val="tx1">
+                    <a:tint val="75000"/>
+                  </a:schemeClr>
+                </a:solidFill>
+              </a:defRPr>
+            </a:lvl5pPr>
+            <a:lvl6pPr marL="2286000" indent="0">
+              <a:buNone/>
+              <a:defRPr sz="1400">
+                <a:solidFill>
+                  <a:schemeClr val="tx1">
+                    <a:tint val="75000"/>
+                  </a:schemeClr>
+                </a:solidFill>
+              </a:defRPr>
+            </a:lvl6pPr>
+            <a:lvl7pPr marL="2743200" indent="0">
+              <a:buNone/>
+              <a:defRPr sz="1400">
+                <a:solidFill>
+                  <a:schemeClr val="tx1">
+                    <a:tint val="75000"/>
+                  </a:schemeClr>
+                </a:solidFill>
+              </a:defRPr>
+            </a:lvl7pPr>
+            <a:lvl8pPr marL="3200400" indent="0">
+              <a:buNone/>
+              <a:defRPr sz="1400">
+                <a:solidFill>
+                  <a:schemeClr val="tx1">
+                    <a:tint val="75000"/>
+                  </a:schemeClr>
+                </a:solidFill>
+              </a:defRPr>
+            </a:lvl8pPr>
+            <a:lvl9pPr marL="3657600" indent="0">
+              <a:buNone/>
+              <a:defRPr sz="1400">
+                <a:solidFill>
+                  <a:schemeClr val="tx1">
+                    <a:tint val="75000"/>
+                  </a:schemeClr>
+                </a:solidFill>
+              </a:defRPr>
+            </a:lvl9pPr>
+          </a:lstStyle>
+          <a:p>
+            <a:pPr lvl="0"/>
+            <a:r>
+              <a:rPr lang="en-US"/>
+              <a:t>Click to edit Master text styles</a:t>
+            </a:r>
+          </a:p>
+        </p:txBody>
+      </p:sp>
+      <p:sp>
+        <p:nvSpPr>
+          <p:cNvPr id="9" name="Text Placeholder 5"/>
+          <p:cNvSpPr>
+            <a:spLocks noGrp="1"/>
+          </p:cNvSpPr>
+          <p:nvPr>
+            <p:ph type="body" sz="quarter" idx="16"/>
+          </p:nvPr>
+        </p:nvSpPr>
+        <p:spPr>
+          <a:xfrm>
+            <a:off x="7574642" y="1081456"/>
+            <a:ext cx="3810001" cy="4075465"/>
+          </a:xfrm>
+        </p:spPr>
+        <p:txBody>
+          <a:bodyPr anchor="t"/>
+          <a:lstStyle>
+            <a:lvl1pPr marL="0" indent="0">
+              <a:buFontTx/>
+              <a:buNone/>
+              <a:defRPr/>
+            </a:lvl1pPr>
+          </a:lstStyle>
+          <a:p>
+            <a:pPr lvl="0"/>
+            <a:r>
+              <a:rPr lang="en-US"/>
+              <a:t>Click to edit Master text styles</a:t>
+            </a:r>
+          </a:p>
+        </p:txBody>
+      </p:sp>
+      <p:sp>
+        <p:nvSpPr>
+          <p:cNvPr id="4" name="Date Placeholder 3"/>
+          <p:cNvSpPr>
+            <a:spLocks noGrp="1"/>
+          </p:cNvSpPr>
+          <p:nvPr>
+            <p:ph type="dt" sz="half" idx="10"/>
+          </p:nvPr>
+        </p:nvSpPr>
+        <p:spPr/>
+        <p:txBody>
+          <a:bodyPr/>
+          <a:lstStyle/>
+          <a:p>
+            <a:fld id="{64ADD9F5-E36E-419B-A5CC-2A9078F3523D}" type="datetimeFigureOut">
+              <a:rPr lang="en-US" smtClean="0"/>
+              <a:t>4/13/2025</a:t>
+            </a:fld>
+            <a:endParaRPr lang="en-US"/>
+          </a:p>
+        </p:txBody>
+      </p:sp>
+      <p:sp>
+        <p:nvSpPr>
+          <p:cNvPr id="5" name="Footer Placeholder 4"/>
+          <p:cNvSpPr>
+            <a:spLocks noGrp="1"/>
+          </p:cNvSpPr>
+          <p:nvPr>
+            <p:ph type="ftr" sz="quarter" idx="11"/>
+          </p:nvPr>
+        </p:nvSpPr>
+        <p:spPr/>
+        <p:txBody>
+          <a:bodyPr/>
+          <a:lstStyle/>
+          <a:p>
+            <a:endParaRPr lang="en-US"/>
+          </a:p>
+        </p:txBody>
+      </p:sp>
+      <p:sp>
+        <p:nvSpPr>
+          <p:cNvPr id="6" name="Slide Number Placeholder 5"/>
+          <p:cNvSpPr>
+            <a:spLocks noGrp="1"/>
+          </p:cNvSpPr>
+          <p:nvPr>
+            <p:ph type="sldNum" sz="quarter" idx="12"/>
+          </p:nvPr>
+        </p:nvSpPr>
+        <p:spPr/>
+        <p:txBody>
+          <a:bodyPr/>
+          <a:lstStyle/>
+          <a:p>
+            <a:fld id="{796379CF-3C2C-49BD-B260-2E69615AC468}" type="slidenum">
+              <a:rPr lang="en-US" smtClean="0"/>
+              <a:t>‹#›</a:t>
+            </a:fld>
+            <a:endParaRPr lang="en-US"/>
+          </a:p>
+        </p:txBody>
+      </p:sp>
+    </p:spTree>
+    <p:extLst>
+      <p:ext uri="{BB962C8B-B14F-4D97-AF65-F5344CB8AC3E}">
+        <p14:creationId xmlns:p14="http://schemas.microsoft.com/office/powerpoint/2010/main" val="3653044959"/>
+      </p:ext>
+    </p:extLst>
+  </p:cSld>
+  <p:clrMapOvr>
+    <a:masterClrMapping/>
+  </p:clrMapOvr>
+</p:sldLayout>
+</file>
+
+<file path=ppt/slideLayouts/slideLayout12.xml><?xml version="1.0" encoding="utf-8"?>
+<p:sldLayout xmlns:a="http://schemas.openxmlformats.org/drawingml/2006/main" xmlns:r="http://schemas.openxmlformats.org/officeDocument/2006/relationships" xmlns:p="http://schemas.openxmlformats.org/presentationml/2006/main" preserve="1">
+  <p:cSld name="Name Card">
+    <p:spTree>
+      <p:nvGrpSpPr>
+        <p:cNvPr id="1" name=""/>
+        <p:cNvGrpSpPr/>
+        <p:nvPr/>
+      </p:nvGrpSpPr>
+      <p:grpSpPr>
+        <a:xfrm>
+          <a:off x="0" y="0"/>
+          <a:ext cx="0" cy="0"/>
+          <a:chOff x="0" y="0"/>
+          <a:chExt cx="0" cy="0"/>
+        </a:xfrm>
+      </p:grpSpPr>
+      <p:sp>
+        <p:nvSpPr>
+          <p:cNvPr id="9" name="Freeform 6"/>
+          <p:cNvSpPr>
+            <a:spLocks noChangeAspect="1"/>
+          </p:cNvSpPr>
+          <p:nvPr/>
+        </p:nvSpPr>
+        <p:spPr bwMode="auto">
+          <a:xfrm>
+            <a:off x="1140884" y="2286585"/>
+            <a:ext cx="4895115" cy="2503972"/>
+          </a:xfrm>
+          <a:custGeom>
+            <a:avLst/>
+            <a:gdLst/>
+            <a:ahLst/>
+            <a:cxnLst/>
+            <a:rect l="0" t="0" r="r" b="b"/>
+            <a:pathLst>
+              <a:path w="3384" h="2308">
+                <a:moveTo>
+                  <a:pt x="3340" y="0"/>
+                </a:moveTo>
+                <a:lnTo>
+                  <a:pt x="44" y="0"/>
+                </a:lnTo>
+                <a:lnTo>
+                  <a:pt x="44" y="0"/>
+                </a:lnTo>
+                <a:lnTo>
+                  <a:pt x="34" y="0"/>
+                </a:lnTo>
+                <a:lnTo>
+                  <a:pt x="26" y="4"/>
+                </a:lnTo>
+                <a:lnTo>
+                  <a:pt x="20" y="8"/>
+                </a:lnTo>
+                <a:lnTo>
+                  <a:pt x="12" y="12"/>
+                </a:lnTo>
+                <a:lnTo>
+                  <a:pt x="8" y="20"/>
+                </a:lnTo>
+                <a:lnTo>
+                  <a:pt x="4" y="26"/>
+                </a:lnTo>
+                <a:lnTo>
+                  <a:pt x="0" y="34"/>
+                </a:lnTo>
+                <a:lnTo>
+                  <a:pt x="0" y="44"/>
+                </a:lnTo>
+                <a:lnTo>
+                  <a:pt x="0" y="2076"/>
+                </a:lnTo>
+                <a:lnTo>
+                  <a:pt x="0" y="2076"/>
+                </a:lnTo>
+                <a:lnTo>
+                  <a:pt x="0" y="2086"/>
+                </a:lnTo>
+                <a:lnTo>
+                  <a:pt x="4" y="2094"/>
+                </a:lnTo>
+                <a:lnTo>
+                  <a:pt x="8" y="2100"/>
+                </a:lnTo>
+                <a:lnTo>
+                  <a:pt x="12" y="2108"/>
+                </a:lnTo>
+                <a:lnTo>
+                  <a:pt x="20" y="2112"/>
+                </a:lnTo>
+                <a:lnTo>
+                  <a:pt x="26" y="2116"/>
+                </a:lnTo>
+                <a:lnTo>
+                  <a:pt x="34" y="2120"/>
+                </a:lnTo>
+                <a:lnTo>
+                  <a:pt x="44" y="2120"/>
+                </a:lnTo>
+                <a:lnTo>
+                  <a:pt x="474" y="2120"/>
+                </a:lnTo>
+                <a:lnTo>
+                  <a:pt x="650" y="2296"/>
+                </a:lnTo>
+                <a:lnTo>
+                  <a:pt x="650" y="2296"/>
+                </a:lnTo>
+                <a:lnTo>
+                  <a:pt x="656" y="2300"/>
+                </a:lnTo>
+                <a:lnTo>
+                  <a:pt x="664" y="2304"/>
+                </a:lnTo>
+                <a:lnTo>
+                  <a:pt x="672" y="2308"/>
+                </a:lnTo>
+                <a:lnTo>
+                  <a:pt x="680" y="2308"/>
+                </a:lnTo>
+                <a:lnTo>
+                  <a:pt x="688" y="2308"/>
+                </a:lnTo>
+                <a:lnTo>
+                  <a:pt x="696" y="2304"/>
+                </a:lnTo>
+                <a:lnTo>
+                  <a:pt x="704" y="2300"/>
+                </a:lnTo>
+                <a:lnTo>
+                  <a:pt x="710" y="2296"/>
+                </a:lnTo>
+                <a:lnTo>
+                  <a:pt x="886" y="2120"/>
+                </a:lnTo>
+                <a:lnTo>
+                  <a:pt x="3340" y="2120"/>
+                </a:lnTo>
+                <a:lnTo>
+                  <a:pt x="3340" y="2120"/>
+                </a:lnTo>
+                <a:lnTo>
+                  <a:pt x="3350" y="2120"/>
+                </a:lnTo>
+                <a:lnTo>
+                  <a:pt x="3358" y="2116"/>
+                </a:lnTo>
+                <a:lnTo>
+                  <a:pt x="3364" y="2112"/>
+                </a:lnTo>
+                <a:lnTo>
+                  <a:pt x="3372" y="2108"/>
+                </a:lnTo>
+                <a:lnTo>
+                  <a:pt x="3376" y="2100"/>
+                </a:lnTo>
+                <a:lnTo>
+                  <a:pt x="3380" y="2094"/>
+                </a:lnTo>
+                <a:lnTo>
+                  <a:pt x="3384" y="2086"/>
+                </a:lnTo>
+                <a:lnTo>
+                  <a:pt x="3384" y="2076"/>
+                </a:lnTo>
+                <a:lnTo>
+                  <a:pt x="3384" y="44"/>
+                </a:lnTo>
+                <a:lnTo>
+                  <a:pt x="3384" y="44"/>
+                </a:lnTo>
+                <a:lnTo>
+                  <a:pt x="3384" y="34"/>
+                </a:lnTo>
+                <a:lnTo>
+                  <a:pt x="3380" y="26"/>
+                </a:lnTo>
+                <a:lnTo>
+                  <a:pt x="3376" y="20"/>
+                </a:lnTo>
+                <a:lnTo>
+                  <a:pt x="3372" y="12"/>
+                </a:lnTo>
+                <a:lnTo>
+                  <a:pt x="3364" y="8"/>
+                </a:lnTo>
+                <a:lnTo>
+                  <a:pt x="3358" y="4"/>
+                </a:lnTo>
+                <a:lnTo>
+                  <a:pt x="3350" y="0"/>
+                </a:lnTo>
+                <a:lnTo>
+                  <a:pt x="3340" y="0"/>
+                </a:lnTo>
+                <a:lnTo>
+                  <a:pt x="3340" y="0"/>
+                </a:lnTo>
+                <a:close/>
+              </a:path>
+            </a:pathLst>
+          </a:custGeom>
+          <a:ln>
+            <a:solidFill>
+              <a:schemeClr val="accent1"/>
+            </a:solidFill>
+          </a:ln>
+        </p:spPr>
+        <p:style>
+          <a:lnRef idx="1">
+            <a:schemeClr val="accent1"/>
+          </a:lnRef>
+          <a:fillRef idx="3">
+            <a:schemeClr val="accent1"/>
+          </a:fillRef>
+          <a:effectRef idx="2">
+            <a:schemeClr val="accent1"/>
+          </a:effectRef>
+          <a:fontRef idx="minor">
+            <a:schemeClr val="lt1"/>
+          </a:fontRef>
+        </p:style>
+      </p:sp>
+      <p:sp>
+        <p:nvSpPr>
+          <p:cNvPr id="38" name="Title 1"/>
+          <p:cNvSpPr>
+            <a:spLocks noGrp="1"/>
+          </p:cNvSpPr>
+          <p:nvPr>
+            <p:ph type="title"/>
+          </p:nvPr>
+        </p:nvSpPr>
+        <p:spPr>
+          <a:xfrm>
+            <a:off x="1357089" y="2435957"/>
+            <a:ext cx="4382521" cy="2007789"/>
+          </a:xfrm>
+        </p:spPr>
+        <p:txBody>
+          <a:bodyPr/>
+          <a:lstStyle>
+            <a:lvl1pPr>
+              <a:defRPr sz="3200"/>
+            </a:lvl1pPr>
+          </a:lstStyle>
+          <a:p>
+            <a:r>
+              <a:rPr lang="en-US"/>
+              <a:t>Click to edit Master title style</a:t>
+            </a:r>
+            <a:endParaRPr lang="en-US" dirty="0"/>
+          </a:p>
+        </p:txBody>
+      </p:sp>
+      <p:sp>
+        <p:nvSpPr>
+          <p:cNvPr id="6" name="Text Placeholder 5"/>
+          <p:cNvSpPr>
+            <a:spLocks noGrp="1"/>
+          </p:cNvSpPr>
+          <p:nvPr>
+            <p:ph type="body" sz="quarter" idx="16"/>
+          </p:nvPr>
+        </p:nvSpPr>
+        <p:spPr>
+          <a:xfrm>
+            <a:off x="6156000" y="2286000"/>
+            <a:ext cx="4880300" cy="2295525"/>
+          </a:xfrm>
+        </p:spPr>
+        <p:txBody>
+          <a:bodyPr anchor="t"/>
+          <a:lstStyle>
+            <a:lvl1pPr marL="0" indent="0">
+              <a:buFontTx/>
+              <a:buNone/>
+              <a:defRPr/>
+            </a:lvl1pPr>
+          </a:lstStyle>
+          <a:p>
+            <a:pPr lvl="0"/>
+            <a:r>
+              <a:rPr lang="en-US"/>
+              <a:t>Click to edit Master text styles</a:t>
+            </a:r>
+          </a:p>
+        </p:txBody>
+      </p:sp>
+      <p:sp>
+        <p:nvSpPr>
+          <p:cNvPr id="2" name="Date Placeholder 1"/>
+          <p:cNvSpPr>
+            <a:spLocks noGrp="1"/>
+          </p:cNvSpPr>
+          <p:nvPr>
+            <p:ph type="dt" sz="half" idx="10"/>
+          </p:nvPr>
+        </p:nvSpPr>
+        <p:spPr/>
+        <p:txBody>
+          <a:bodyPr/>
+          <a:lstStyle/>
+          <a:p>
+            <a:fld id="{64ADD9F5-E36E-419B-A5CC-2A9078F3523D}" type="datetimeFigureOut">
+              <a:rPr lang="en-US" smtClean="0"/>
+              <a:t>4/13/2025</a:t>
+            </a:fld>
+            <a:endParaRPr lang="en-US"/>
+          </a:p>
+        </p:txBody>
+      </p:sp>
+      <p:sp>
+        <p:nvSpPr>
+          <p:cNvPr id="3" name="Footer Placeholder 2"/>
+          <p:cNvSpPr>
+            <a:spLocks noGrp="1"/>
+          </p:cNvSpPr>
+          <p:nvPr>
+            <p:ph type="ftr" sz="quarter" idx="11"/>
+          </p:nvPr>
+        </p:nvSpPr>
+        <p:spPr/>
+        <p:txBody>
+          <a:bodyPr/>
+          <a:lstStyle/>
+          <a:p>
+            <a:endParaRPr lang="en-US"/>
+          </a:p>
+        </p:txBody>
+      </p:sp>
+      <p:sp>
+        <p:nvSpPr>
+          <p:cNvPr id="4" name="Slide Number Placeholder 3"/>
+          <p:cNvSpPr>
+            <a:spLocks noGrp="1"/>
+          </p:cNvSpPr>
+          <p:nvPr>
+            <p:ph type="sldNum" sz="quarter" idx="12"/>
+          </p:nvPr>
+        </p:nvSpPr>
+        <p:spPr/>
+        <p:txBody>
+          <a:bodyPr/>
+          <a:lstStyle/>
+          <a:p>
+            <a:fld id="{796379CF-3C2C-49BD-B260-2E69615AC468}" type="slidenum">
+              <a:rPr lang="en-US" smtClean="0"/>
+              <a:t>‹#›</a:t>
+            </a:fld>
+            <a:endParaRPr lang="en-US"/>
+          </a:p>
+        </p:txBody>
+      </p:sp>
+    </p:spTree>
+    <p:extLst>
+      <p:ext uri="{BB962C8B-B14F-4D97-AF65-F5344CB8AC3E}">
+        <p14:creationId xmlns:p14="http://schemas.microsoft.com/office/powerpoint/2010/main" val="4228953699"/>
+      </p:ext>
+    </p:extLst>
+  </p:cSld>
+  <p:clrMapOvr>
+    <a:masterClrMapping/>
+  </p:clrMapOvr>
+</p:sldLayout>
+</file>
+
+<file path=ppt/slideLayouts/slideLayout13.xml><?xml version="1.0" encoding="utf-8"?>
 <p:sldLayout xmlns:a="http://schemas.openxmlformats.org/drawingml/2006/main" xmlns:r="http://schemas.openxmlformats.org/officeDocument/2006/relationships" xmlns:p="http://schemas.openxmlformats.org/presentationml/2006/main" type="vertTx" preserve="1">
   <p:cSld name="Title and Vertical Text">
     <p:spTree>
@@ -360,13 +1660,110 @@
       </p:grpSpPr>
       <p:sp>
         <p:nvSpPr>
-          <p:cNvPr id="2" name="Title 1">
-            <a:extLst>
-              <a:ext uri="{FF2B5EF4-FFF2-40B4-BE49-F238E27FC236}">
-                <a16:creationId xmlns:a16="http://schemas.microsoft.com/office/drawing/2014/main" id="{C4192892-2A55-151D-5536-26234A1B9EE6}"/>
-              </a:ext>
-            </a:extLst>
-          </p:cNvPr>
+          <p:cNvPr id="7" name="Freeform 6"/>
+          <p:cNvSpPr/>
+          <p:nvPr/>
+        </p:nvSpPr>
+        <p:spPr bwMode="auto">
+          <a:xfrm>
+            <a:off x="0" y="0"/>
+            <a:ext cx="12192000" cy="2185988"/>
+          </a:xfrm>
+          <a:custGeom>
+            <a:avLst/>
+            <a:gdLst/>
+            <a:ahLst/>
+            <a:cxnLst/>
+            <a:rect l="0" t="0" r="r" b="b"/>
+            <a:pathLst>
+              <a:path w="5760" h="1377">
+                <a:moveTo>
+                  <a:pt x="5760" y="0"/>
+                </a:moveTo>
+                <a:lnTo>
+                  <a:pt x="0" y="0"/>
+                </a:lnTo>
+                <a:lnTo>
+                  <a:pt x="0" y="1189"/>
+                </a:lnTo>
+                <a:lnTo>
+                  <a:pt x="943" y="1189"/>
+                </a:lnTo>
+                <a:lnTo>
+                  <a:pt x="1123" y="1369"/>
+                </a:lnTo>
+                <a:lnTo>
+                  <a:pt x="1123" y="1369"/>
+                </a:lnTo>
+                <a:lnTo>
+                  <a:pt x="1127" y="1371"/>
+                </a:lnTo>
+                <a:lnTo>
+                  <a:pt x="1133" y="1374"/>
+                </a:lnTo>
+                <a:lnTo>
+                  <a:pt x="1139" y="1377"/>
+                </a:lnTo>
+                <a:lnTo>
+                  <a:pt x="1144" y="1377"/>
+                </a:lnTo>
+                <a:lnTo>
+                  <a:pt x="1150" y="1377"/>
+                </a:lnTo>
+                <a:lnTo>
+                  <a:pt x="1155" y="1374"/>
+                </a:lnTo>
+                <a:lnTo>
+                  <a:pt x="1161" y="1371"/>
+                </a:lnTo>
+                <a:lnTo>
+                  <a:pt x="1165" y="1369"/>
+                </a:lnTo>
+                <a:lnTo>
+                  <a:pt x="1345" y="1189"/>
+                </a:lnTo>
+                <a:lnTo>
+                  <a:pt x="5760" y="1189"/>
+                </a:lnTo>
+                <a:lnTo>
+                  <a:pt x="5760" y="0"/>
+                </a:lnTo>
+                <a:close/>
+              </a:path>
+            </a:pathLst>
+          </a:custGeom>
+          <a:ln/>
+          <a:extLst>
+            <a:ext uri="{91240B29-F687-4f45-9708-019B960494DF}">
+              <a14:hiddenLine xmlns="" xmlns:a14="http://schemas.microsoft.com/office/drawing/2010/main" w="9525">
+                <a:solidFill>
+                  <a:srgbClr val="000000"/>
+                </a:solidFill>
+                <a:round/>
+                <a:headEnd/>
+                <a:tailEnd/>
+              </a14:hiddenLine>
+            </a:ext>
+          </a:extLst>
+        </p:spPr>
+        <p:style>
+          <a:lnRef idx="1">
+            <a:schemeClr val="accent1"/>
+          </a:lnRef>
+          <a:fillRef idx="3">
+            <a:schemeClr val="accent1"/>
+          </a:fillRef>
+          <a:effectRef idx="2">
+            <a:schemeClr val="accent1"/>
+          </a:effectRef>
+          <a:fontRef idx="minor">
+            <a:schemeClr val="lt1"/>
+          </a:fontRef>
+        </p:style>
+      </p:sp>
+      <p:sp>
+        <p:nvSpPr>
+          <p:cNvPr id="2" name="Title 1"/>
           <p:cNvSpPr>
             <a:spLocks noGrp="1"/>
           </p:cNvSpPr>
@@ -383,18 +1780,13 @@
               <a:rPr lang="en-US"/>
               <a:t>Click to edit Master title style</a:t>
             </a:r>
-          </a:p>
-        </p:txBody>
-      </p:sp>
-      <p:sp>
-        <p:nvSpPr>
-          <p:cNvPr id="3" name="Vertical Text Placeholder 2">
-            <a:extLst>
-              <a:ext uri="{FF2B5EF4-FFF2-40B4-BE49-F238E27FC236}">
-                <a16:creationId xmlns:a16="http://schemas.microsoft.com/office/drawing/2014/main" id="{E0FD6685-15B3-7047-86CC-955FCEE0EBD0}"/>
-              </a:ext>
-            </a:extLst>
-          </p:cNvPr>
+            <a:endParaRPr lang="en-US" dirty="0"/>
+          </a:p>
+        </p:txBody>
+      </p:sp>
+      <p:sp>
+        <p:nvSpPr>
+          <p:cNvPr id="3" name="Vertical Text Placeholder 2"/>
           <p:cNvSpPr>
             <a:spLocks noGrp="1"/>
           </p:cNvSpPr>
@@ -404,7 +1796,7 @@
         </p:nvSpPr>
         <p:spPr/>
         <p:txBody>
-          <a:bodyPr vert="eaVert"/>
+          <a:bodyPr vert="eaVert" anchor="t"/>
           <a:lstStyle/>
           <a:p>
             <a:pPr lvl="0"/>
@@ -440,18 +1832,13 @@
               <a:rPr lang="en-US"/>
               <a:t>Fifth level</a:t>
             </a:r>
-          </a:p>
-        </p:txBody>
-      </p:sp>
-      <p:sp>
-        <p:nvSpPr>
-          <p:cNvPr id="4" name="Date Placeholder 3">
-            <a:extLst>
-              <a:ext uri="{FF2B5EF4-FFF2-40B4-BE49-F238E27FC236}">
-                <a16:creationId xmlns:a16="http://schemas.microsoft.com/office/drawing/2014/main" id="{93D585DA-E885-C187-AFA8-14523BBFC9D1}"/>
-              </a:ext>
-            </a:extLst>
-          </p:cNvPr>
+            <a:endParaRPr lang="en-US" dirty="0"/>
+          </a:p>
+        </p:txBody>
+      </p:sp>
+      <p:sp>
+        <p:nvSpPr>
+          <p:cNvPr id="4" name="Date Placeholder 3"/>
           <p:cNvSpPr>
             <a:spLocks noGrp="1"/>
           </p:cNvSpPr>
@@ -466,7 +1853,7 @@
           <a:p>
             <a:fld id="{64ADD9F5-E36E-419B-A5CC-2A9078F3523D}" type="datetimeFigureOut">
               <a:rPr lang="en-US" smtClean="0"/>
-              <a:t>4/12/2025</a:t>
+              <a:t>4/13/2025</a:t>
             </a:fld>
             <a:endParaRPr lang="en-US"/>
           </a:p>
@@ -474,13 +1861,7 @@
       </p:sp>
       <p:sp>
         <p:nvSpPr>
-          <p:cNvPr id="5" name="Footer Placeholder 4">
-            <a:extLst>
-              <a:ext uri="{FF2B5EF4-FFF2-40B4-BE49-F238E27FC236}">
-                <a16:creationId xmlns:a16="http://schemas.microsoft.com/office/drawing/2014/main" id="{EE63B8E2-0694-7BE0-9EEB-E4F5F765B3CA}"/>
-              </a:ext>
-            </a:extLst>
-          </p:cNvPr>
+          <p:cNvPr id="5" name="Footer Placeholder 4"/>
           <p:cNvSpPr>
             <a:spLocks noGrp="1"/>
           </p:cNvSpPr>
@@ -499,13 +1880,7 @@
       </p:sp>
       <p:sp>
         <p:nvSpPr>
-          <p:cNvPr id="6" name="Slide Number Placeholder 5">
-            <a:extLst>
-              <a:ext uri="{FF2B5EF4-FFF2-40B4-BE49-F238E27FC236}">
-                <a16:creationId xmlns:a16="http://schemas.microsoft.com/office/drawing/2014/main" id="{226257D0-935D-CC7B-7A54-155DD548A5F8}"/>
-              </a:ext>
-            </a:extLst>
-          </p:cNvPr>
+          <p:cNvPr id="6" name="Slide Number Placeholder 5"/>
           <p:cNvSpPr>
             <a:spLocks noGrp="1"/>
           </p:cNvSpPr>
@@ -529,7 +1904,7 @@
     </p:spTree>
     <p:extLst>
       <p:ext uri="{BB962C8B-B14F-4D97-AF65-F5344CB8AC3E}">
-        <p14:creationId xmlns:p14="http://schemas.microsoft.com/office/powerpoint/2010/main" val="2700414444"/>
+        <p14:creationId xmlns:p14="http://schemas.microsoft.com/office/powerpoint/2010/main" val="3924602185"/>
       </p:ext>
     </p:extLst>
   </p:cSld>
@@ -539,7 +1914,7 @@
 </p:sldLayout>
 </file>
 
-<file path=ppt/slideLayouts/slideLayout11.xml><?xml version="1.0" encoding="utf-8"?>
+<file path=ppt/slideLayouts/slideLayout14.xml><?xml version="1.0" encoding="utf-8"?>
 <p:sldLayout xmlns:a="http://schemas.openxmlformats.org/drawingml/2006/main" xmlns:r="http://schemas.openxmlformats.org/officeDocument/2006/relationships" xmlns:p="http://schemas.openxmlformats.org/presentationml/2006/main" type="vertTitleAndTx" preserve="1">
   <p:cSld name="Vertical Title and Text">
     <p:spTree>
@@ -558,13 +1933,112 @@
       </p:grpSpPr>
       <p:sp>
         <p:nvSpPr>
-          <p:cNvPr id="2" name="Vertical Title 1">
-            <a:extLst>
-              <a:ext uri="{FF2B5EF4-FFF2-40B4-BE49-F238E27FC236}">
-                <a16:creationId xmlns:a16="http://schemas.microsoft.com/office/drawing/2014/main" id="{918CC64C-18C4-743E-4FCD-7E528036254E}"/>
-              </a:ext>
-            </a:extLst>
-          </p:cNvPr>
+          <p:cNvPr id="12" name="Freeform 6"/>
+          <p:cNvSpPr>
+            <a:spLocks noChangeAspect="1"/>
+          </p:cNvSpPr>
+          <p:nvPr/>
+        </p:nvSpPr>
+        <p:spPr bwMode="auto">
+          <a:xfrm>
+            <a:off x="7669651" y="446089"/>
+            <a:ext cx="4522349" cy="5414962"/>
+          </a:xfrm>
+          <a:custGeom>
+            <a:avLst/>
+            <a:gdLst/>
+            <a:ahLst/>
+            <a:cxnLst/>
+            <a:rect l="0" t="0" r="r" b="b"/>
+            <a:pathLst>
+              <a:path w="2879" h="4320">
+                <a:moveTo>
+                  <a:pt x="183" y="0"/>
+                </a:moveTo>
+                <a:lnTo>
+                  <a:pt x="183" y="1197"/>
+                </a:lnTo>
+                <a:lnTo>
+                  <a:pt x="8" y="1372"/>
+                </a:lnTo>
+                <a:lnTo>
+                  <a:pt x="8" y="1372"/>
+                </a:lnTo>
+                <a:lnTo>
+                  <a:pt x="6" y="1376"/>
+                </a:lnTo>
+                <a:lnTo>
+                  <a:pt x="3" y="1382"/>
+                </a:lnTo>
+                <a:lnTo>
+                  <a:pt x="0" y="1387"/>
+                </a:lnTo>
+                <a:lnTo>
+                  <a:pt x="0" y="1393"/>
+                </a:lnTo>
+                <a:lnTo>
+                  <a:pt x="0" y="1399"/>
+                </a:lnTo>
+                <a:lnTo>
+                  <a:pt x="3" y="1404"/>
+                </a:lnTo>
+                <a:lnTo>
+                  <a:pt x="6" y="1410"/>
+                </a:lnTo>
+                <a:lnTo>
+                  <a:pt x="8" y="1414"/>
+                </a:lnTo>
+                <a:lnTo>
+                  <a:pt x="183" y="1589"/>
+                </a:lnTo>
+                <a:lnTo>
+                  <a:pt x="183" y="4320"/>
+                </a:lnTo>
+                <a:lnTo>
+                  <a:pt x="2879" y="4320"/>
+                </a:lnTo>
+                <a:lnTo>
+                  <a:pt x="2879" y="0"/>
+                </a:lnTo>
+                <a:lnTo>
+                  <a:pt x="183" y="0"/>
+                </a:lnTo>
+                <a:close/>
+              </a:path>
+            </a:pathLst>
+          </a:custGeom>
+          <a:ln/>
+          <a:extLst>
+            <a:ext uri="{91240B29-F687-4f45-9708-019B960494DF}">
+              <a14:hiddenLine xmlns="" xmlns:a14="http://schemas.microsoft.com/office/drawing/2010/main" w="9525">
+                <a:solidFill>
+                  <a:srgbClr val="000000"/>
+                </a:solidFill>
+                <a:round/>
+                <a:headEnd/>
+                <a:tailEnd/>
+              </a14:hiddenLine>
+            </a:ext>
+          </a:extLst>
+        </p:spPr>
+        <p:style>
+          <a:lnRef idx="1">
+            <a:schemeClr val="accent1"/>
+          </a:lnRef>
+          <a:fillRef idx="3">
+            <a:schemeClr val="accent1"/>
+          </a:fillRef>
+          <a:effectRef idx="2">
+            <a:schemeClr val="accent1"/>
+          </a:effectRef>
+          <a:fontRef idx="minor">
+            <a:schemeClr val="lt1"/>
+          </a:fontRef>
+        </p:style>
+      </p:sp>
+      <p:sp>
+        <p:nvSpPr>
+          <p:cNvPr id="2" name="Vertical Title 1"/>
           <p:cNvSpPr>
             <a:spLocks noGrp="1"/>
           </p:cNvSpPr>
@@ -574,8 +2048,8 @@
         </p:nvSpPr>
         <p:spPr>
           <a:xfrm>
-            <a:off x="8724900" y="365125"/>
-            <a:ext cx="2628900" cy="5811838"/>
+            <a:off x="8183540" y="586171"/>
+            <a:ext cx="2494791" cy="5134798"/>
           </a:xfrm>
         </p:spPr>
         <p:txBody>
@@ -586,18 +2060,13 @@
               <a:rPr lang="en-US"/>
               <a:t>Click to edit Master title style</a:t>
             </a:r>
-          </a:p>
-        </p:txBody>
-      </p:sp>
-      <p:sp>
-        <p:nvSpPr>
-          <p:cNvPr id="3" name="Vertical Text Placeholder 2">
-            <a:extLst>
-              <a:ext uri="{FF2B5EF4-FFF2-40B4-BE49-F238E27FC236}">
-                <a16:creationId xmlns:a16="http://schemas.microsoft.com/office/drawing/2014/main" id="{A6B2D2FC-7F87-FFB9-4338-3AB20F85C52A}"/>
-              </a:ext>
-            </a:extLst>
-          </p:cNvPr>
+            <a:endParaRPr lang="en-US" dirty="0"/>
+          </a:p>
+        </p:txBody>
+      </p:sp>
+      <p:sp>
+        <p:nvSpPr>
+          <p:cNvPr id="3" name="Vertical Text Placeholder 2"/>
           <p:cNvSpPr>
             <a:spLocks noGrp="1"/>
           </p:cNvSpPr>
@@ -607,12 +2076,12 @@
         </p:nvSpPr>
         <p:spPr>
           <a:xfrm>
-            <a:off x="838200" y="365125"/>
-            <a:ext cx="7734300" cy="5811838"/>
+            <a:off x="810001" y="446089"/>
+            <a:ext cx="6611540" cy="5414962"/>
           </a:xfrm>
         </p:spPr>
         <p:txBody>
-          <a:bodyPr vert="eaVert"/>
+          <a:bodyPr vert="eaVert" anchor="t"/>
           <a:lstStyle/>
           <a:p>
             <a:pPr lvl="0"/>
@@ -648,18 +2117,13 @@
               <a:rPr lang="en-US"/>
               <a:t>Fifth level</a:t>
             </a:r>
-          </a:p>
-        </p:txBody>
-      </p:sp>
-      <p:sp>
-        <p:nvSpPr>
-          <p:cNvPr id="4" name="Date Placeholder 3">
-            <a:extLst>
-              <a:ext uri="{FF2B5EF4-FFF2-40B4-BE49-F238E27FC236}">
-                <a16:creationId xmlns:a16="http://schemas.microsoft.com/office/drawing/2014/main" id="{49127D4B-AF53-6C55-03B4-13E097292FA9}"/>
-              </a:ext>
-            </a:extLst>
-          </p:cNvPr>
+            <a:endParaRPr lang="en-US" dirty="0"/>
+          </a:p>
+        </p:txBody>
+      </p:sp>
+      <p:sp>
+        <p:nvSpPr>
+          <p:cNvPr id="4" name="Date Placeholder 3"/>
           <p:cNvSpPr>
             <a:spLocks noGrp="1"/>
           </p:cNvSpPr>
@@ -674,7 +2138,7 @@
           <a:p>
             <a:fld id="{64ADD9F5-E36E-419B-A5CC-2A9078F3523D}" type="datetimeFigureOut">
               <a:rPr lang="en-US" smtClean="0"/>
-              <a:t>4/12/2025</a:t>
+              <a:t>4/13/2025</a:t>
             </a:fld>
             <a:endParaRPr lang="en-US"/>
           </a:p>
@@ -682,13 +2146,7 @@
       </p:sp>
       <p:sp>
         <p:nvSpPr>
-          <p:cNvPr id="5" name="Footer Placeholder 4">
-            <a:extLst>
-              <a:ext uri="{FF2B5EF4-FFF2-40B4-BE49-F238E27FC236}">
-                <a16:creationId xmlns:a16="http://schemas.microsoft.com/office/drawing/2014/main" id="{726B0553-E838-CAF3-6D4D-65785ED6EF3C}"/>
-              </a:ext>
-            </a:extLst>
-          </p:cNvPr>
+          <p:cNvPr id="5" name="Footer Placeholder 4"/>
           <p:cNvSpPr>
             <a:spLocks noGrp="1"/>
           </p:cNvSpPr>
@@ -707,13 +2165,7 @@
       </p:sp>
       <p:sp>
         <p:nvSpPr>
-          <p:cNvPr id="6" name="Slide Number Placeholder 5">
-            <a:extLst>
-              <a:ext uri="{FF2B5EF4-FFF2-40B4-BE49-F238E27FC236}">
-                <a16:creationId xmlns:a16="http://schemas.microsoft.com/office/drawing/2014/main" id="{FE66E6FB-960B-8072-6599-B864DDE70371}"/>
-              </a:ext>
-            </a:extLst>
-          </p:cNvPr>
+          <p:cNvPr id="6" name="Slide Number Placeholder 5"/>
           <p:cNvSpPr>
             <a:spLocks noGrp="1"/>
           </p:cNvSpPr>
@@ -737,7 +2189,7 @@
     </p:spTree>
     <p:extLst>
       <p:ext uri="{BB962C8B-B14F-4D97-AF65-F5344CB8AC3E}">
-        <p14:creationId xmlns:p14="http://schemas.microsoft.com/office/powerpoint/2010/main" val="341456053"/>
+        <p14:creationId xmlns:p14="http://schemas.microsoft.com/office/powerpoint/2010/main" val="2434565991"/>
       </p:ext>
     </p:extLst>
   </p:cSld>
@@ -766,13 +2218,110 @@
       </p:grpSpPr>
       <p:sp>
         <p:nvSpPr>
-          <p:cNvPr id="2" name="Title 1">
-            <a:extLst>
-              <a:ext uri="{FF2B5EF4-FFF2-40B4-BE49-F238E27FC236}">
-                <a16:creationId xmlns:a16="http://schemas.microsoft.com/office/drawing/2014/main" id="{A797D813-2817-3E78-2CDA-DAEF60CD3E50}"/>
-              </a:ext>
-            </a:extLst>
-          </p:cNvPr>
+          <p:cNvPr id="11" name="Freeform 6"/>
+          <p:cNvSpPr/>
+          <p:nvPr/>
+        </p:nvSpPr>
+        <p:spPr bwMode="auto">
+          <a:xfrm>
+            <a:off x="0" y="0"/>
+            <a:ext cx="12192000" cy="2185988"/>
+          </a:xfrm>
+          <a:custGeom>
+            <a:avLst/>
+            <a:gdLst/>
+            <a:ahLst/>
+            <a:cxnLst/>
+            <a:rect l="0" t="0" r="r" b="b"/>
+            <a:pathLst>
+              <a:path w="5760" h="1377">
+                <a:moveTo>
+                  <a:pt x="5760" y="0"/>
+                </a:moveTo>
+                <a:lnTo>
+                  <a:pt x="0" y="0"/>
+                </a:lnTo>
+                <a:lnTo>
+                  <a:pt x="0" y="1189"/>
+                </a:lnTo>
+                <a:lnTo>
+                  <a:pt x="943" y="1189"/>
+                </a:lnTo>
+                <a:lnTo>
+                  <a:pt x="1123" y="1369"/>
+                </a:lnTo>
+                <a:lnTo>
+                  <a:pt x="1123" y="1369"/>
+                </a:lnTo>
+                <a:lnTo>
+                  <a:pt x="1127" y="1371"/>
+                </a:lnTo>
+                <a:lnTo>
+                  <a:pt x="1133" y="1374"/>
+                </a:lnTo>
+                <a:lnTo>
+                  <a:pt x="1139" y="1377"/>
+                </a:lnTo>
+                <a:lnTo>
+                  <a:pt x="1144" y="1377"/>
+                </a:lnTo>
+                <a:lnTo>
+                  <a:pt x="1150" y="1377"/>
+                </a:lnTo>
+                <a:lnTo>
+                  <a:pt x="1155" y="1374"/>
+                </a:lnTo>
+                <a:lnTo>
+                  <a:pt x="1161" y="1371"/>
+                </a:lnTo>
+                <a:lnTo>
+                  <a:pt x="1165" y="1369"/>
+                </a:lnTo>
+                <a:lnTo>
+                  <a:pt x="1345" y="1189"/>
+                </a:lnTo>
+                <a:lnTo>
+                  <a:pt x="5760" y="1189"/>
+                </a:lnTo>
+                <a:lnTo>
+                  <a:pt x="5760" y="0"/>
+                </a:lnTo>
+                <a:close/>
+              </a:path>
+            </a:pathLst>
+          </a:custGeom>
+          <a:ln/>
+          <a:extLst>
+            <a:ext uri="{91240B29-F687-4f45-9708-019B960494DF}">
+              <a14:hiddenLine xmlns="" xmlns:a14="http://schemas.microsoft.com/office/drawing/2010/main" w="9525">
+                <a:solidFill>
+                  <a:srgbClr val="000000"/>
+                </a:solidFill>
+                <a:round/>
+                <a:headEnd/>
+                <a:tailEnd/>
+              </a14:hiddenLine>
+            </a:ext>
+          </a:extLst>
+        </p:spPr>
+        <p:style>
+          <a:lnRef idx="1">
+            <a:schemeClr val="accent1"/>
+          </a:lnRef>
+          <a:fillRef idx="3">
+            <a:schemeClr val="accent1"/>
+          </a:fillRef>
+          <a:effectRef idx="2">
+            <a:schemeClr val="accent1"/>
+          </a:effectRef>
+          <a:fontRef idx="minor">
+            <a:schemeClr val="lt1"/>
+          </a:fontRef>
+        </p:style>
+      </p:sp>
+      <p:sp>
+        <p:nvSpPr>
+          <p:cNvPr id="2" name="Title 1"/>
           <p:cNvSpPr>
             <a:spLocks noGrp="1"/>
           </p:cNvSpPr>
@@ -780,7 +2329,12 @@
             <p:ph type="title"/>
           </p:nvPr>
         </p:nvSpPr>
-        <p:spPr/>
+        <p:spPr>
+          <a:xfrm>
+            <a:off x="810000" y="447188"/>
+            <a:ext cx="10571998" cy="970450"/>
+          </a:xfrm>
+        </p:spPr>
         <p:txBody>
           <a:bodyPr/>
           <a:lstStyle/>
@@ -789,18 +2343,13 @@
               <a:rPr lang="en-US"/>
               <a:t>Click to edit Master title style</a:t>
             </a:r>
-          </a:p>
-        </p:txBody>
-      </p:sp>
-      <p:sp>
-        <p:nvSpPr>
-          <p:cNvPr id="3" name="Content Placeholder 2">
-            <a:extLst>
-              <a:ext uri="{FF2B5EF4-FFF2-40B4-BE49-F238E27FC236}">
-                <a16:creationId xmlns:a16="http://schemas.microsoft.com/office/drawing/2014/main" id="{A9C7E78C-E57C-46E4-EC2F-BC78532BC294}"/>
-              </a:ext>
-            </a:extLst>
-          </p:cNvPr>
+            <a:endParaRPr lang="en-US" dirty="0"/>
+          </a:p>
+        </p:txBody>
+      </p:sp>
+      <p:sp>
+        <p:nvSpPr>
+          <p:cNvPr id="3" name="Content Placeholder 2"/>
           <p:cNvSpPr>
             <a:spLocks noGrp="1"/>
           </p:cNvSpPr>
@@ -808,7 +2357,12 @@
             <p:ph idx="1"/>
           </p:nvPr>
         </p:nvSpPr>
-        <p:spPr/>
+        <p:spPr>
+          <a:xfrm>
+            <a:off x="818712" y="2222287"/>
+            <a:ext cx="10554574" cy="3636511"/>
+          </a:xfrm>
+        </p:spPr>
         <p:txBody>
           <a:bodyPr/>
           <a:lstStyle/>
@@ -846,18 +2400,13 @@
               <a:rPr lang="en-US"/>
               <a:t>Fifth level</a:t>
             </a:r>
-          </a:p>
-        </p:txBody>
-      </p:sp>
-      <p:sp>
-        <p:nvSpPr>
-          <p:cNvPr id="4" name="Date Placeholder 3">
-            <a:extLst>
-              <a:ext uri="{FF2B5EF4-FFF2-40B4-BE49-F238E27FC236}">
-                <a16:creationId xmlns:a16="http://schemas.microsoft.com/office/drawing/2014/main" id="{9E9CD74F-7DCF-8E50-22C0-B516B5CB6692}"/>
-              </a:ext>
-            </a:extLst>
-          </p:cNvPr>
+            <a:endParaRPr lang="en-US" dirty="0"/>
+          </a:p>
+        </p:txBody>
+      </p:sp>
+      <p:sp>
+        <p:nvSpPr>
+          <p:cNvPr id="4" name="Date Placeholder 3"/>
           <p:cNvSpPr>
             <a:spLocks noGrp="1"/>
           </p:cNvSpPr>
@@ -872,7 +2421,7 @@
           <a:p>
             <a:fld id="{64ADD9F5-E36E-419B-A5CC-2A9078F3523D}" type="datetimeFigureOut">
               <a:rPr lang="en-US" smtClean="0"/>
-              <a:t>4/12/2025</a:t>
+              <a:t>4/13/2025</a:t>
             </a:fld>
             <a:endParaRPr lang="en-US"/>
           </a:p>
@@ -880,13 +2429,7 @@
       </p:sp>
       <p:sp>
         <p:nvSpPr>
-          <p:cNvPr id="5" name="Footer Placeholder 4">
-            <a:extLst>
-              <a:ext uri="{FF2B5EF4-FFF2-40B4-BE49-F238E27FC236}">
-                <a16:creationId xmlns:a16="http://schemas.microsoft.com/office/drawing/2014/main" id="{567061C2-F899-4860-A844-2C601F337E00}"/>
-              </a:ext>
-            </a:extLst>
-          </p:cNvPr>
+          <p:cNvPr id="5" name="Footer Placeholder 4"/>
           <p:cNvSpPr>
             <a:spLocks noGrp="1"/>
           </p:cNvSpPr>
@@ -905,13 +2448,7 @@
       </p:sp>
       <p:sp>
         <p:nvSpPr>
-          <p:cNvPr id="6" name="Slide Number Placeholder 5">
-            <a:extLst>
-              <a:ext uri="{FF2B5EF4-FFF2-40B4-BE49-F238E27FC236}">
-                <a16:creationId xmlns:a16="http://schemas.microsoft.com/office/drawing/2014/main" id="{D21F0063-6C4E-03E0-9FCC-25FE053BD4FE}"/>
-              </a:ext>
-            </a:extLst>
-          </p:cNvPr>
+          <p:cNvPr id="6" name="Slide Number Placeholder 5"/>
           <p:cNvSpPr>
             <a:spLocks noGrp="1"/>
           </p:cNvSpPr>
@@ -935,7 +2472,7 @@
     </p:spTree>
     <p:extLst>
       <p:ext uri="{BB962C8B-B14F-4D97-AF65-F5344CB8AC3E}">
-        <p14:creationId xmlns:p14="http://schemas.microsoft.com/office/powerpoint/2010/main" val="3281313388"/>
+        <p14:creationId xmlns:p14="http://schemas.microsoft.com/office/powerpoint/2010/main" val="3380296958"/>
       </p:ext>
     </p:extLst>
   </p:cSld>
@@ -964,13 +2501,104 @@
       </p:grpSpPr>
       <p:sp>
         <p:nvSpPr>
-          <p:cNvPr id="2" name="Title 1">
-            <a:extLst>
-              <a:ext uri="{FF2B5EF4-FFF2-40B4-BE49-F238E27FC236}">
-                <a16:creationId xmlns:a16="http://schemas.microsoft.com/office/drawing/2014/main" id="{C89E64A6-94B6-5CCA-EC21-4FFB9743F7F9}"/>
-              </a:ext>
-            </a:extLst>
-          </p:cNvPr>
+          <p:cNvPr id="10" name="Freeform 7"/>
+          <p:cNvSpPr/>
+          <p:nvPr/>
+        </p:nvSpPr>
+        <p:spPr bwMode="auto">
+          <a:xfrm>
+            <a:off x="0" y="1"/>
+            <a:ext cx="12192000" cy="5203825"/>
+          </a:xfrm>
+          <a:custGeom>
+            <a:avLst/>
+            <a:gdLst/>
+            <a:ahLst/>
+            <a:cxnLst/>
+            <a:rect l="0" t="0" r="r" b="b"/>
+            <a:pathLst>
+              <a:path w="5760" h="3278">
+                <a:moveTo>
+                  <a:pt x="0" y="0"/>
+                </a:moveTo>
+                <a:lnTo>
+                  <a:pt x="5760" y="0"/>
+                </a:lnTo>
+                <a:lnTo>
+                  <a:pt x="5760" y="3090"/>
+                </a:lnTo>
+                <a:lnTo>
+                  <a:pt x="4817" y="3090"/>
+                </a:lnTo>
+                <a:lnTo>
+                  <a:pt x="4637" y="3270"/>
+                </a:lnTo>
+                <a:lnTo>
+                  <a:pt x="4637" y="3270"/>
+                </a:lnTo>
+                <a:lnTo>
+                  <a:pt x="4633" y="3272"/>
+                </a:lnTo>
+                <a:lnTo>
+                  <a:pt x="4627" y="3275"/>
+                </a:lnTo>
+                <a:lnTo>
+                  <a:pt x="4621" y="3278"/>
+                </a:lnTo>
+                <a:lnTo>
+                  <a:pt x="4616" y="3278"/>
+                </a:lnTo>
+                <a:lnTo>
+                  <a:pt x="4610" y="3278"/>
+                </a:lnTo>
+                <a:lnTo>
+                  <a:pt x="4605" y="3275"/>
+                </a:lnTo>
+                <a:lnTo>
+                  <a:pt x="4599" y="3272"/>
+                </a:lnTo>
+                <a:lnTo>
+                  <a:pt x="4595" y="3270"/>
+                </a:lnTo>
+                <a:lnTo>
+                  <a:pt x="4415" y="3090"/>
+                </a:lnTo>
+                <a:lnTo>
+                  <a:pt x="0" y="3090"/>
+                </a:lnTo>
+                <a:lnTo>
+                  <a:pt x="0" y="0"/>
+                </a:lnTo>
+                <a:lnTo>
+                  <a:pt x="0" y="0"/>
+                </a:lnTo>
+                <a:close/>
+              </a:path>
+            </a:pathLst>
+          </a:custGeom>
+          <a:ln>
+            <a:headEnd/>
+            <a:tailEnd/>
+          </a:ln>
+        </p:spPr>
+        <p:style>
+          <a:lnRef idx="1">
+            <a:schemeClr val="accent1"/>
+          </a:lnRef>
+          <a:fillRef idx="3">
+            <a:schemeClr val="accent1"/>
+          </a:fillRef>
+          <a:effectRef idx="2">
+            <a:schemeClr val="accent1"/>
+          </a:effectRef>
+          <a:fontRef idx="minor">
+            <a:schemeClr val="lt1"/>
+          </a:fontRef>
+        </p:style>
+      </p:sp>
+      <p:sp>
+        <p:nvSpPr>
+          <p:cNvPr id="2" name="Title 1"/>
           <p:cNvSpPr>
             <a:spLocks noGrp="1"/>
           </p:cNvSpPr>
@@ -980,15 +2608,15 @@
         </p:nvSpPr>
         <p:spPr>
           <a:xfrm>
-            <a:off x="831850" y="1709738"/>
-            <a:ext cx="10515600" cy="2852737"/>
+            <a:off x="810000" y="2951396"/>
+            <a:ext cx="10561418" cy="1468800"/>
           </a:xfrm>
         </p:spPr>
         <p:txBody>
           <a:bodyPr anchor="b"/>
           <a:lstStyle>
-            <a:lvl1pPr>
-              <a:defRPr sz="6000"/>
+            <a:lvl1pPr algn="r">
+              <a:defRPr sz="4800" b="1" cap="none"/>
             </a:lvl1pPr>
           </a:lstStyle>
           <a:p>
@@ -996,18 +2624,13 @@
               <a:rPr lang="en-US"/>
               <a:t>Click to edit Master title style</a:t>
             </a:r>
-          </a:p>
-        </p:txBody>
-      </p:sp>
-      <p:sp>
-        <p:nvSpPr>
-          <p:cNvPr id="3" name="Text Placeholder 2">
-            <a:extLst>
-              <a:ext uri="{FF2B5EF4-FFF2-40B4-BE49-F238E27FC236}">
-                <a16:creationId xmlns:a16="http://schemas.microsoft.com/office/drawing/2014/main" id="{50E68F4E-94FD-6BC7-75BF-12DC75C40003}"/>
-              </a:ext>
-            </a:extLst>
-          </p:cNvPr>
+            <a:endParaRPr lang="en-US" dirty="0"/>
+          </a:p>
+        </p:txBody>
+      </p:sp>
+      <p:sp>
+        <p:nvSpPr>
+          <p:cNvPr id="3" name="Text Placeholder 2"/>
           <p:cNvSpPr>
             <a:spLocks noGrp="1"/>
           </p:cNvSpPr>
@@ -1017,26 +2640,26 @@
         </p:nvSpPr>
         <p:spPr>
           <a:xfrm>
-            <a:off x="831850" y="4589463"/>
-            <a:ext cx="10515600" cy="1500187"/>
+            <a:off x="810000" y="5281201"/>
+            <a:ext cx="10561418" cy="433955"/>
           </a:xfrm>
         </p:spPr>
         <p:txBody>
-          <a:bodyPr/>
+          <a:bodyPr anchor="t">
+            <a:noAutofit/>
+          </a:bodyPr>
           <a:lstStyle>
-            <a:lvl1pPr marL="0" indent="0">
-              <a:buNone/>
-              <a:defRPr sz="2400">
+            <a:lvl1pPr marL="0" indent="0" algn="r">
+              <a:buNone/>
+              <a:defRPr sz="1800">
                 <a:solidFill>
-                  <a:schemeClr val="tx1">
-                    <a:tint val="75000"/>
-                  </a:schemeClr>
+                  <a:schemeClr val="tx1"/>
                 </a:solidFill>
               </a:defRPr>
             </a:lvl1pPr>
             <a:lvl2pPr marL="457200" indent="0">
               <a:buNone/>
-              <a:defRPr sz="2000">
+              <a:defRPr sz="1800">
                 <a:solidFill>
                   <a:schemeClr val="tx1">
                     <a:tint val="75000"/>
@@ -1046,7 +2669,7 @@
             </a:lvl2pPr>
             <a:lvl3pPr marL="914400" indent="0">
               <a:buNone/>
-              <a:defRPr sz="1800">
+              <a:defRPr sz="1600">
                 <a:solidFill>
                   <a:schemeClr val="tx1">
                     <a:tint val="75000"/>
@@ -1056,7 +2679,7 @@
             </a:lvl3pPr>
             <a:lvl4pPr marL="1371600" indent="0">
               <a:buNone/>
-              <a:defRPr sz="1600">
+              <a:defRPr sz="1400">
                 <a:solidFill>
                   <a:schemeClr val="tx1">
                     <a:tint val="75000"/>
@@ -1066,7 +2689,7 @@
             </a:lvl4pPr>
             <a:lvl5pPr marL="1828800" indent="0">
               <a:buNone/>
-              <a:defRPr sz="1600">
+              <a:defRPr sz="1400">
                 <a:solidFill>
                   <a:schemeClr val="tx1">
                     <a:tint val="75000"/>
@@ -1076,7 +2699,7 @@
             </a:lvl5pPr>
             <a:lvl6pPr marL="2286000" indent="0">
               <a:buNone/>
-              <a:defRPr sz="1600">
+              <a:defRPr sz="1400">
                 <a:solidFill>
                   <a:schemeClr val="tx1">
                     <a:tint val="75000"/>
@@ -1086,7 +2709,7 @@
             </a:lvl6pPr>
             <a:lvl7pPr marL="2743200" indent="0">
               <a:buNone/>
-              <a:defRPr sz="1600">
+              <a:defRPr sz="1400">
                 <a:solidFill>
                   <a:schemeClr val="tx1">
                     <a:tint val="75000"/>
@@ -1096,7 +2719,7 @@
             </a:lvl7pPr>
             <a:lvl8pPr marL="3200400" indent="0">
               <a:buNone/>
-              <a:defRPr sz="1600">
+              <a:defRPr sz="1400">
                 <a:solidFill>
                   <a:schemeClr val="tx1">
                     <a:tint val="75000"/>
@@ -1106,7 +2729,7 @@
             </a:lvl8pPr>
             <a:lvl9pPr marL="3657600" indent="0">
               <a:buNone/>
-              <a:defRPr sz="1600">
+              <a:defRPr sz="1400">
                 <a:solidFill>
                   <a:schemeClr val="tx1">
                     <a:tint val="75000"/>
@@ -1126,13 +2749,7 @@
       </p:sp>
       <p:sp>
         <p:nvSpPr>
-          <p:cNvPr id="4" name="Date Placeholder 3">
-            <a:extLst>
-              <a:ext uri="{FF2B5EF4-FFF2-40B4-BE49-F238E27FC236}">
-                <a16:creationId xmlns:a16="http://schemas.microsoft.com/office/drawing/2014/main" id="{70DD4336-05FF-601C-9EAC-0F8146BE8758}"/>
-              </a:ext>
-            </a:extLst>
-          </p:cNvPr>
+          <p:cNvPr id="4" name="Date Placeholder 3"/>
           <p:cNvSpPr>
             <a:spLocks noGrp="1"/>
           </p:cNvSpPr>
@@ -1147,7 +2764,7 @@
           <a:p>
             <a:fld id="{64ADD9F5-E36E-419B-A5CC-2A9078F3523D}" type="datetimeFigureOut">
               <a:rPr lang="en-US" smtClean="0"/>
-              <a:t>4/12/2025</a:t>
+              <a:t>4/13/2025</a:t>
             </a:fld>
             <a:endParaRPr lang="en-US"/>
           </a:p>
@@ -1155,13 +2772,7 @@
       </p:sp>
       <p:sp>
         <p:nvSpPr>
-          <p:cNvPr id="5" name="Footer Placeholder 4">
-            <a:extLst>
-              <a:ext uri="{FF2B5EF4-FFF2-40B4-BE49-F238E27FC236}">
-                <a16:creationId xmlns:a16="http://schemas.microsoft.com/office/drawing/2014/main" id="{99633DF2-E9C6-7DBF-0CC1-647B64459811}"/>
-              </a:ext>
-            </a:extLst>
-          </p:cNvPr>
+          <p:cNvPr id="5" name="Footer Placeholder 4"/>
           <p:cNvSpPr>
             <a:spLocks noGrp="1"/>
           </p:cNvSpPr>
@@ -1180,13 +2791,7 @@
       </p:sp>
       <p:sp>
         <p:nvSpPr>
-          <p:cNvPr id="6" name="Slide Number Placeholder 5">
-            <a:extLst>
-              <a:ext uri="{FF2B5EF4-FFF2-40B4-BE49-F238E27FC236}">
-                <a16:creationId xmlns:a16="http://schemas.microsoft.com/office/drawing/2014/main" id="{641228BD-B688-64D8-A3D8-F4BFE53ABE0C}"/>
-              </a:ext>
-            </a:extLst>
-          </p:cNvPr>
+          <p:cNvPr id="6" name="Slide Number Placeholder 5"/>
           <p:cNvSpPr>
             <a:spLocks noGrp="1"/>
           </p:cNvSpPr>
@@ -1210,7 +2815,7 @@
     </p:spTree>
     <p:extLst>
       <p:ext uri="{BB962C8B-B14F-4D97-AF65-F5344CB8AC3E}">
-        <p14:creationId xmlns:p14="http://schemas.microsoft.com/office/powerpoint/2010/main" val="1750017716"/>
+        <p14:creationId xmlns:p14="http://schemas.microsoft.com/office/powerpoint/2010/main" val="1372322488"/>
       </p:ext>
     </p:extLst>
   </p:cSld>
@@ -1239,13 +2844,110 @@
       </p:grpSpPr>
       <p:sp>
         <p:nvSpPr>
-          <p:cNvPr id="2" name="Title 1">
-            <a:extLst>
-              <a:ext uri="{FF2B5EF4-FFF2-40B4-BE49-F238E27FC236}">
-                <a16:creationId xmlns:a16="http://schemas.microsoft.com/office/drawing/2014/main" id="{C9B88079-8C92-8BB6-7C7E-7A7D9F7BFDE1}"/>
-              </a:ext>
-            </a:extLst>
-          </p:cNvPr>
+          <p:cNvPr id="8" name="Freeform 6"/>
+          <p:cNvSpPr/>
+          <p:nvPr/>
+        </p:nvSpPr>
+        <p:spPr bwMode="auto">
+          <a:xfrm>
+            <a:off x="0" y="0"/>
+            <a:ext cx="12192000" cy="2185988"/>
+          </a:xfrm>
+          <a:custGeom>
+            <a:avLst/>
+            <a:gdLst/>
+            <a:ahLst/>
+            <a:cxnLst/>
+            <a:rect l="0" t="0" r="r" b="b"/>
+            <a:pathLst>
+              <a:path w="5760" h="1377">
+                <a:moveTo>
+                  <a:pt x="5760" y="0"/>
+                </a:moveTo>
+                <a:lnTo>
+                  <a:pt x="0" y="0"/>
+                </a:lnTo>
+                <a:lnTo>
+                  <a:pt x="0" y="1189"/>
+                </a:lnTo>
+                <a:lnTo>
+                  <a:pt x="943" y="1189"/>
+                </a:lnTo>
+                <a:lnTo>
+                  <a:pt x="1123" y="1369"/>
+                </a:lnTo>
+                <a:lnTo>
+                  <a:pt x="1123" y="1369"/>
+                </a:lnTo>
+                <a:lnTo>
+                  <a:pt x="1127" y="1371"/>
+                </a:lnTo>
+                <a:lnTo>
+                  <a:pt x="1133" y="1374"/>
+                </a:lnTo>
+                <a:lnTo>
+                  <a:pt x="1139" y="1377"/>
+                </a:lnTo>
+                <a:lnTo>
+                  <a:pt x="1144" y="1377"/>
+                </a:lnTo>
+                <a:lnTo>
+                  <a:pt x="1150" y="1377"/>
+                </a:lnTo>
+                <a:lnTo>
+                  <a:pt x="1155" y="1374"/>
+                </a:lnTo>
+                <a:lnTo>
+                  <a:pt x="1161" y="1371"/>
+                </a:lnTo>
+                <a:lnTo>
+                  <a:pt x="1165" y="1369"/>
+                </a:lnTo>
+                <a:lnTo>
+                  <a:pt x="1345" y="1189"/>
+                </a:lnTo>
+                <a:lnTo>
+                  <a:pt x="5760" y="1189"/>
+                </a:lnTo>
+                <a:lnTo>
+                  <a:pt x="5760" y="0"/>
+                </a:lnTo>
+                <a:close/>
+              </a:path>
+            </a:pathLst>
+          </a:custGeom>
+          <a:ln/>
+          <a:extLst>
+            <a:ext uri="{91240B29-F687-4f45-9708-019B960494DF}">
+              <a14:hiddenLine xmlns="" xmlns:a14="http://schemas.microsoft.com/office/drawing/2010/main" w="9525">
+                <a:solidFill>
+                  <a:srgbClr val="000000"/>
+                </a:solidFill>
+                <a:round/>
+                <a:headEnd/>
+                <a:tailEnd/>
+              </a14:hiddenLine>
+            </a:ext>
+          </a:extLst>
+        </p:spPr>
+        <p:style>
+          <a:lnRef idx="1">
+            <a:schemeClr val="accent1"/>
+          </a:lnRef>
+          <a:fillRef idx="3">
+            <a:schemeClr val="accent1"/>
+          </a:fillRef>
+          <a:effectRef idx="2">
+            <a:schemeClr val="accent1"/>
+          </a:effectRef>
+          <a:fontRef idx="minor">
+            <a:schemeClr val="lt1"/>
+          </a:fontRef>
+        </p:style>
+      </p:sp>
+      <p:sp>
+        <p:nvSpPr>
+          <p:cNvPr id="2" name="Title 1"/>
           <p:cNvSpPr>
             <a:spLocks noGrp="1"/>
           </p:cNvSpPr>
@@ -1262,18 +2964,13 @@
               <a:rPr lang="en-US"/>
               <a:t>Click to edit Master title style</a:t>
             </a:r>
-          </a:p>
-        </p:txBody>
-      </p:sp>
-      <p:sp>
-        <p:nvSpPr>
-          <p:cNvPr id="3" name="Content Placeholder 2">
-            <a:extLst>
-              <a:ext uri="{FF2B5EF4-FFF2-40B4-BE49-F238E27FC236}">
-                <a16:creationId xmlns:a16="http://schemas.microsoft.com/office/drawing/2014/main" id="{7EA0D000-EE42-9447-FAB8-BD9D518099BF}"/>
-              </a:ext>
-            </a:extLst>
-          </p:cNvPr>
+            <a:endParaRPr lang="en-US" dirty="0"/>
+          </a:p>
+        </p:txBody>
+      </p:sp>
+      <p:sp>
+        <p:nvSpPr>
+          <p:cNvPr id="3" name="Content Placeholder 2"/>
           <p:cNvSpPr>
             <a:spLocks noGrp="1"/>
           </p:cNvSpPr>
@@ -1283,12 +2980,14 @@
         </p:nvSpPr>
         <p:spPr>
           <a:xfrm>
-            <a:off x="838200" y="1825625"/>
-            <a:ext cx="5181600" cy="4351338"/>
+            <a:off x="818712" y="2222287"/>
+            <a:ext cx="5185873" cy="3638763"/>
           </a:xfrm>
         </p:spPr>
         <p:txBody>
-          <a:bodyPr/>
+          <a:bodyPr>
+            <a:normAutofit/>
+          </a:bodyPr>
           <a:lstStyle/>
           <a:p>
             <a:pPr lvl="0"/>
@@ -1324,18 +3023,13 @@
               <a:rPr lang="en-US"/>
               <a:t>Fifth level</a:t>
             </a:r>
-          </a:p>
-        </p:txBody>
-      </p:sp>
-      <p:sp>
-        <p:nvSpPr>
-          <p:cNvPr id="4" name="Content Placeholder 3">
-            <a:extLst>
-              <a:ext uri="{FF2B5EF4-FFF2-40B4-BE49-F238E27FC236}">
-                <a16:creationId xmlns:a16="http://schemas.microsoft.com/office/drawing/2014/main" id="{914E8C60-12C3-AC12-88C5-EBA3780870D4}"/>
-              </a:ext>
-            </a:extLst>
-          </p:cNvPr>
+            <a:endParaRPr lang="en-US" dirty="0"/>
+          </a:p>
+        </p:txBody>
+      </p:sp>
+      <p:sp>
+        <p:nvSpPr>
+          <p:cNvPr id="4" name="Content Placeholder 3"/>
           <p:cNvSpPr>
             <a:spLocks noGrp="1"/>
           </p:cNvSpPr>
@@ -1345,12 +3039,14 @@
         </p:nvSpPr>
         <p:spPr>
           <a:xfrm>
-            <a:off x="6172200" y="1825625"/>
-            <a:ext cx="5181600" cy="4351338"/>
+            <a:off x="6187415" y="2222287"/>
+            <a:ext cx="5194583" cy="3638764"/>
           </a:xfrm>
         </p:spPr>
         <p:txBody>
-          <a:bodyPr/>
+          <a:bodyPr>
+            <a:normAutofit/>
+          </a:bodyPr>
           <a:lstStyle/>
           <a:p>
             <a:pPr lvl="0"/>
@@ -1386,18 +3082,13 @@
               <a:rPr lang="en-US"/>
               <a:t>Fifth level</a:t>
             </a:r>
-          </a:p>
-        </p:txBody>
-      </p:sp>
-      <p:sp>
-        <p:nvSpPr>
-          <p:cNvPr id="5" name="Date Placeholder 4">
-            <a:extLst>
-              <a:ext uri="{FF2B5EF4-FFF2-40B4-BE49-F238E27FC236}">
-                <a16:creationId xmlns:a16="http://schemas.microsoft.com/office/drawing/2014/main" id="{F3D17B91-FA59-68D0-47CD-6D6603BD4715}"/>
-              </a:ext>
-            </a:extLst>
-          </p:cNvPr>
+            <a:endParaRPr lang="en-US" dirty="0"/>
+          </a:p>
+        </p:txBody>
+      </p:sp>
+      <p:sp>
+        <p:nvSpPr>
+          <p:cNvPr id="5" name="Date Placeholder 4"/>
           <p:cNvSpPr>
             <a:spLocks noGrp="1"/>
           </p:cNvSpPr>
@@ -1412,7 +3103,7 @@
           <a:p>
             <a:fld id="{64ADD9F5-E36E-419B-A5CC-2A9078F3523D}" type="datetimeFigureOut">
               <a:rPr lang="en-US" smtClean="0"/>
-              <a:t>4/12/2025</a:t>
+              <a:t>4/13/2025</a:t>
             </a:fld>
             <a:endParaRPr lang="en-US"/>
           </a:p>
@@ -1420,13 +3111,7 @@
       </p:sp>
       <p:sp>
         <p:nvSpPr>
-          <p:cNvPr id="6" name="Footer Placeholder 5">
-            <a:extLst>
-              <a:ext uri="{FF2B5EF4-FFF2-40B4-BE49-F238E27FC236}">
-                <a16:creationId xmlns:a16="http://schemas.microsoft.com/office/drawing/2014/main" id="{BC5EE468-F428-5708-7BF2-56545BC16831}"/>
-              </a:ext>
-            </a:extLst>
-          </p:cNvPr>
+          <p:cNvPr id="6" name="Footer Placeholder 5"/>
           <p:cNvSpPr>
             <a:spLocks noGrp="1"/>
           </p:cNvSpPr>
@@ -1445,13 +3130,7 @@
       </p:sp>
       <p:sp>
         <p:nvSpPr>
-          <p:cNvPr id="7" name="Slide Number Placeholder 6">
-            <a:extLst>
-              <a:ext uri="{FF2B5EF4-FFF2-40B4-BE49-F238E27FC236}">
-                <a16:creationId xmlns:a16="http://schemas.microsoft.com/office/drawing/2014/main" id="{6C76224F-5EB8-1353-1D1C-0ABB79EB764B}"/>
-              </a:ext>
-            </a:extLst>
-          </p:cNvPr>
+          <p:cNvPr id="7" name="Slide Number Placeholder 6"/>
           <p:cNvSpPr>
             <a:spLocks noGrp="1"/>
           </p:cNvSpPr>
@@ -1475,7 +3154,7 @@
     </p:spTree>
     <p:extLst>
       <p:ext uri="{BB962C8B-B14F-4D97-AF65-F5344CB8AC3E}">
-        <p14:creationId xmlns:p14="http://schemas.microsoft.com/office/powerpoint/2010/main" val="1548690858"/>
+        <p14:creationId xmlns:p14="http://schemas.microsoft.com/office/powerpoint/2010/main" val="3658952438"/>
       </p:ext>
     </p:extLst>
   </p:cSld>
@@ -1504,65 +3183,158 @@
       </p:grpSpPr>
       <p:sp>
         <p:nvSpPr>
-          <p:cNvPr id="2" name="Title 1">
-            <a:extLst>
-              <a:ext uri="{FF2B5EF4-FFF2-40B4-BE49-F238E27FC236}">
-                <a16:creationId xmlns:a16="http://schemas.microsoft.com/office/drawing/2014/main" id="{2D469417-A966-D3A1-4537-B92A49A3981E}"/>
-              </a:ext>
-            </a:extLst>
-          </p:cNvPr>
+          <p:cNvPr id="10" name="Freeform 6"/>
+          <p:cNvSpPr/>
+          <p:nvPr/>
+        </p:nvSpPr>
+        <p:spPr bwMode="auto">
+          <a:xfrm>
+            <a:off x="0" y="0"/>
+            <a:ext cx="12192000" cy="2185988"/>
+          </a:xfrm>
+          <a:custGeom>
+            <a:avLst/>
+            <a:gdLst/>
+            <a:ahLst/>
+            <a:cxnLst/>
+            <a:rect l="0" t="0" r="r" b="b"/>
+            <a:pathLst>
+              <a:path w="5760" h="1377">
+                <a:moveTo>
+                  <a:pt x="5760" y="0"/>
+                </a:moveTo>
+                <a:lnTo>
+                  <a:pt x="0" y="0"/>
+                </a:lnTo>
+                <a:lnTo>
+                  <a:pt x="0" y="1189"/>
+                </a:lnTo>
+                <a:lnTo>
+                  <a:pt x="943" y="1189"/>
+                </a:lnTo>
+                <a:lnTo>
+                  <a:pt x="1123" y="1369"/>
+                </a:lnTo>
+                <a:lnTo>
+                  <a:pt x="1123" y="1369"/>
+                </a:lnTo>
+                <a:lnTo>
+                  <a:pt x="1127" y="1371"/>
+                </a:lnTo>
+                <a:lnTo>
+                  <a:pt x="1133" y="1374"/>
+                </a:lnTo>
+                <a:lnTo>
+                  <a:pt x="1139" y="1377"/>
+                </a:lnTo>
+                <a:lnTo>
+                  <a:pt x="1144" y="1377"/>
+                </a:lnTo>
+                <a:lnTo>
+                  <a:pt x="1150" y="1377"/>
+                </a:lnTo>
+                <a:lnTo>
+                  <a:pt x="1155" y="1374"/>
+                </a:lnTo>
+                <a:lnTo>
+                  <a:pt x="1161" y="1371"/>
+                </a:lnTo>
+                <a:lnTo>
+                  <a:pt x="1165" y="1369"/>
+                </a:lnTo>
+                <a:lnTo>
+                  <a:pt x="1345" y="1189"/>
+                </a:lnTo>
+                <a:lnTo>
+                  <a:pt x="5760" y="1189"/>
+                </a:lnTo>
+                <a:lnTo>
+                  <a:pt x="5760" y="0"/>
+                </a:lnTo>
+                <a:close/>
+              </a:path>
+            </a:pathLst>
+          </a:custGeom>
+          <a:ln/>
+          <a:extLst>
+            <a:ext uri="{91240B29-F687-4f45-9708-019B960494DF}">
+              <a14:hiddenLine xmlns="" xmlns:a14="http://schemas.microsoft.com/office/drawing/2010/main" w="9525">
+                <a:solidFill>
+                  <a:srgbClr val="000000"/>
+                </a:solidFill>
+                <a:round/>
+                <a:headEnd/>
+                <a:tailEnd/>
+              </a14:hiddenLine>
+            </a:ext>
+          </a:extLst>
+        </p:spPr>
+        <p:style>
+          <a:lnRef idx="1">
+            <a:schemeClr val="accent1"/>
+          </a:lnRef>
+          <a:fillRef idx="3">
+            <a:schemeClr val="accent1"/>
+          </a:fillRef>
+          <a:effectRef idx="2">
+            <a:schemeClr val="accent1"/>
+          </a:effectRef>
+          <a:fontRef idx="minor">
+            <a:schemeClr val="lt1"/>
+          </a:fontRef>
+        </p:style>
+      </p:sp>
+      <p:sp>
+        <p:nvSpPr>
+          <p:cNvPr id="2" name="Title 1"/>
           <p:cNvSpPr>
             <a:spLocks noGrp="1"/>
           </p:cNvSpPr>
           <p:nvPr>
             <p:ph type="title"/>
+          </p:nvPr>
+        </p:nvSpPr>
+        <p:spPr/>
+        <p:txBody>
+          <a:bodyPr/>
+          <a:lstStyle>
+            <a:lvl1pPr>
+              <a:defRPr/>
+            </a:lvl1pPr>
+          </a:lstStyle>
+          <a:p>
+            <a:r>
+              <a:rPr lang="en-US"/>
+              <a:t>Click to edit Master title style</a:t>
+            </a:r>
+            <a:endParaRPr lang="en-US" dirty="0"/>
+          </a:p>
+        </p:txBody>
+      </p:sp>
+      <p:sp>
+        <p:nvSpPr>
+          <p:cNvPr id="3" name="Text Placeholder 2"/>
+          <p:cNvSpPr>
+            <a:spLocks noGrp="1"/>
+          </p:cNvSpPr>
+          <p:nvPr>
+            <p:ph type="body" idx="1"/>
           </p:nvPr>
         </p:nvSpPr>
         <p:spPr>
           <a:xfrm>
-            <a:off x="839788" y="365125"/>
-            <a:ext cx="10515600" cy="1325563"/>
+            <a:off x="814728" y="2174875"/>
+            <a:ext cx="5189857" cy="576262"/>
           </a:xfrm>
         </p:spPr>
         <p:txBody>
-          <a:bodyPr/>
-          <a:lstStyle/>
-          <a:p>
-            <a:r>
-              <a:rPr lang="en-US"/>
-              <a:t>Click to edit Master title style</a:t>
-            </a:r>
-          </a:p>
-        </p:txBody>
-      </p:sp>
-      <p:sp>
-        <p:nvSpPr>
-          <p:cNvPr id="3" name="Text Placeholder 2">
-            <a:extLst>
-              <a:ext uri="{FF2B5EF4-FFF2-40B4-BE49-F238E27FC236}">
-                <a16:creationId xmlns:a16="http://schemas.microsoft.com/office/drawing/2014/main" id="{F67CAC8F-F8B6-0AA2-7C60-4A897ADB55A6}"/>
-              </a:ext>
-            </a:extLst>
-          </p:cNvPr>
-          <p:cNvSpPr>
-            <a:spLocks noGrp="1"/>
-          </p:cNvSpPr>
-          <p:nvPr>
-            <p:ph type="body" idx="1"/>
-          </p:nvPr>
-        </p:nvSpPr>
-        <p:spPr>
-          <a:xfrm>
-            <a:off x="839788" y="1681163"/>
-            <a:ext cx="5157787" cy="823912"/>
-          </a:xfrm>
-        </p:spPr>
-        <p:txBody>
-          <a:bodyPr anchor="b"/>
+          <a:bodyPr anchor="b">
+            <a:noAutofit/>
+          </a:bodyPr>
           <a:lstStyle>
-            <a:lvl1pPr marL="0" indent="0">
-              <a:buNone/>
-              <a:defRPr sz="2400" b="1"/>
+            <a:lvl1pPr marL="0" indent="0" algn="ctr">
+              <a:buNone/>
+              <a:defRPr sz="2000" b="0"/>
             </a:lvl1pPr>
             <a:lvl2pPr marL="457200" indent="0">
               <a:buNone/>
@@ -1608,13 +3380,7 @@
       </p:sp>
       <p:sp>
         <p:nvSpPr>
-          <p:cNvPr id="4" name="Content Placeholder 3">
-            <a:extLst>
-              <a:ext uri="{FF2B5EF4-FFF2-40B4-BE49-F238E27FC236}">
-                <a16:creationId xmlns:a16="http://schemas.microsoft.com/office/drawing/2014/main" id="{2BFA0588-5F60-E0A2-6F0C-CD984B91C59D}"/>
-              </a:ext>
-            </a:extLst>
-          </p:cNvPr>
+          <p:cNvPr id="4" name="Content Placeholder 3"/>
           <p:cNvSpPr>
             <a:spLocks noGrp="1"/>
           </p:cNvSpPr>
@@ -1624,12 +3390,14 @@
         </p:nvSpPr>
         <p:spPr>
           <a:xfrm>
-            <a:off x="839788" y="2505075"/>
-            <a:ext cx="5157787" cy="3684588"/>
+            <a:off x="814729" y="2751138"/>
+            <a:ext cx="5189856" cy="3109913"/>
           </a:xfrm>
         </p:spPr>
         <p:txBody>
-          <a:bodyPr/>
+          <a:bodyPr anchor="t">
+            <a:normAutofit/>
+          </a:bodyPr>
           <a:lstStyle/>
           <a:p>
             <a:pPr lvl="0"/>
@@ -1665,18 +3433,13 @@
               <a:rPr lang="en-US"/>
               <a:t>Fifth level</a:t>
             </a:r>
-          </a:p>
-        </p:txBody>
-      </p:sp>
-      <p:sp>
-        <p:nvSpPr>
-          <p:cNvPr id="5" name="Text Placeholder 4">
-            <a:extLst>
-              <a:ext uri="{FF2B5EF4-FFF2-40B4-BE49-F238E27FC236}">
-                <a16:creationId xmlns:a16="http://schemas.microsoft.com/office/drawing/2014/main" id="{503B40E4-2989-762D-705C-1C75465E23B3}"/>
-              </a:ext>
-            </a:extLst>
-          </p:cNvPr>
+            <a:endParaRPr lang="en-US" dirty="0"/>
+          </a:p>
+        </p:txBody>
+      </p:sp>
+      <p:sp>
+        <p:nvSpPr>
+          <p:cNvPr id="5" name="Text Placeholder 4"/>
           <p:cNvSpPr>
             <a:spLocks noGrp="1"/>
           </p:cNvSpPr>
@@ -1686,16 +3449,18 @@
         </p:nvSpPr>
         <p:spPr>
           <a:xfrm>
-            <a:off x="6172200" y="1681163"/>
-            <a:ext cx="5183188" cy="823912"/>
+            <a:off x="6187415" y="2174875"/>
+            <a:ext cx="5194583" cy="576262"/>
           </a:xfrm>
         </p:spPr>
         <p:txBody>
-          <a:bodyPr anchor="b"/>
+          <a:bodyPr anchor="b">
+            <a:noAutofit/>
+          </a:bodyPr>
           <a:lstStyle>
-            <a:lvl1pPr marL="0" indent="0">
-              <a:buNone/>
-              <a:defRPr sz="2400" b="1"/>
+            <a:lvl1pPr marL="0" indent="0" algn="ctr">
+              <a:buNone/>
+              <a:defRPr sz="2000" b="0"/>
             </a:lvl1pPr>
             <a:lvl2pPr marL="457200" indent="0">
               <a:buNone/>
@@ -1741,13 +3506,7 @@
       </p:sp>
       <p:sp>
         <p:nvSpPr>
-          <p:cNvPr id="6" name="Content Placeholder 5">
-            <a:extLst>
-              <a:ext uri="{FF2B5EF4-FFF2-40B4-BE49-F238E27FC236}">
-                <a16:creationId xmlns:a16="http://schemas.microsoft.com/office/drawing/2014/main" id="{146DF92F-BE24-B93C-57CC-382235303113}"/>
-              </a:ext>
-            </a:extLst>
-          </p:cNvPr>
+          <p:cNvPr id="6" name="Content Placeholder 5"/>
           <p:cNvSpPr>
             <a:spLocks noGrp="1"/>
           </p:cNvSpPr>
@@ -1757,12 +3516,14 @@
         </p:nvSpPr>
         <p:spPr>
           <a:xfrm>
-            <a:off x="6172200" y="2505075"/>
-            <a:ext cx="5183188" cy="3684588"/>
+            <a:off x="6187415" y="2751138"/>
+            <a:ext cx="5194583" cy="3109913"/>
           </a:xfrm>
         </p:spPr>
         <p:txBody>
-          <a:bodyPr/>
+          <a:bodyPr anchor="t">
+            <a:normAutofit/>
+          </a:bodyPr>
           <a:lstStyle/>
           <a:p>
             <a:pPr lvl="0"/>
@@ -1798,18 +3559,13 @@
               <a:rPr lang="en-US"/>
               <a:t>Fifth level</a:t>
             </a:r>
-          </a:p>
-        </p:txBody>
-      </p:sp>
-      <p:sp>
-        <p:nvSpPr>
-          <p:cNvPr id="7" name="Date Placeholder 6">
-            <a:extLst>
-              <a:ext uri="{FF2B5EF4-FFF2-40B4-BE49-F238E27FC236}">
-                <a16:creationId xmlns:a16="http://schemas.microsoft.com/office/drawing/2014/main" id="{CAAEBCA0-EA46-7CAB-9E4C-E341E30FCD08}"/>
-              </a:ext>
-            </a:extLst>
-          </p:cNvPr>
+            <a:endParaRPr lang="en-US" dirty="0"/>
+          </a:p>
+        </p:txBody>
+      </p:sp>
+      <p:sp>
+        <p:nvSpPr>
+          <p:cNvPr id="7" name="Date Placeholder 6"/>
           <p:cNvSpPr>
             <a:spLocks noGrp="1"/>
           </p:cNvSpPr>
@@ -1824,7 +3580,7 @@
           <a:p>
             <a:fld id="{64ADD9F5-E36E-419B-A5CC-2A9078F3523D}" type="datetimeFigureOut">
               <a:rPr lang="en-US" smtClean="0"/>
-              <a:t>4/12/2025</a:t>
+              <a:t>4/13/2025</a:t>
             </a:fld>
             <a:endParaRPr lang="en-US"/>
           </a:p>
@@ -1832,13 +3588,7 @@
       </p:sp>
       <p:sp>
         <p:nvSpPr>
-          <p:cNvPr id="8" name="Footer Placeholder 7">
-            <a:extLst>
-              <a:ext uri="{FF2B5EF4-FFF2-40B4-BE49-F238E27FC236}">
-                <a16:creationId xmlns:a16="http://schemas.microsoft.com/office/drawing/2014/main" id="{62DADDF9-3DD3-790B-C053-DF01F7832894}"/>
-              </a:ext>
-            </a:extLst>
-          </p:cNvPr>
+          <p:cNvPr id="8" name="Footer Placeholder 7"/>
           <p:cNvSpPr>
             <a:spLocks noGrp="1"/>
           </p:cNvSpPr>
@@ -1857,13 +3607,7 @@
       </p:sp>
       <p:sp>
         <p:nvSpPr>
-          <p:cNvPr id="9" name="Slide Number Placeholder 8">
-            <a:extLst>
-              <a:ext uri="{FF2B5EF4-FFF2-40B4-BE49-F238E27FC236}">
-                <a16:creationId xmlns:a16="http://schemas.microsoft.com/office/drawing/2014/main" id="{B3C2A0A8-698B-ACFE-F164-2C2307F81BCC}"/>
-              </a:ext>
-            </a:extLst>
-          </p:cNvPr>
+          <p:cNvPr id="9" name="Slide Number Placeholder 8"/>
           <p:cNvSpPr>
             <a:spLocks noGrp="1"/>
           </p:cNvSpPr>
@@ -1887,7 +3631,7 @@
     </p:spTree>
     <p:extLst>
       <p:ext uri="{BB962C8B-B14F-4D97-AF65-F5344CB8AC3E}">
-        <p14:creationId xmlns:p14="http://schemas.microsoft.com/office/powerpoint/2010/main" val="3239444671"/>
+        <p14:creationId xmlns:p14="http://schemas.microsoft.com/office/powerpoint/2010/main" val="1613080183"/>
       </p:ext>
     </p:extLst>
   </p:cSld>
@@ -1916,13 +3660,110 @@
       </p:grpSpPr>
       <p:sp>
         <p:nvSpPr>
-          <p:cNvPr id="2" name="Title 1">
-            <a:extLst>
-              <a:ext uri="{FF2B5EF4-FFF2-40B4-BE49-F238E27FC236}">
-                <a16:creationId xmlns:a16="http://schemas.microsoft.com/office/drawing/2014/main" id="{49609D3B-2090-9C26-618E-680871089841}"/>
-              </a:ext>
-            </a:extLst>
-          </p:cNvPr>
+          <p:cNvPr id="6" name="Freeform 6"/>
+          <p:cNvSpPr/>
+          <p:nvPr/>
+        </p:nvSpPr>
+        <p:spPr bwMode="auto">
+          <a:xfrm>
+            <a:off x="0" y="0"/>
+            <a:ext cx="12192000" cy="2185988"/>
+          </a:xfrm>
+          <a:custGeom>
+            <a:avLst/>
+            <a:gdLst/>
+            <a:ahLst/>
+            <a:cxnLst/>
+            <a:rect l="0" t="0" r="r" b="b"/>
+            <a:pathLst>
+              <a:path w="5760" h="1377">
+                <a:moveTo>
+                  <a:pt x="5760" y="0"/>
+                </a:moveTo>
+                <a:lnTo>
+                  <a:pt x="0" y="0"/>
+                </a:lnTo>
+                <a:lnTo>
+                  <a:pt x="0" y="1189"/>
+                </a:lnTo>
+                <a:lnTo>
+                  <a:pt x="943" y="1189"/>
+                </a:lnTo>
+                <a:lnTo>
+                  <a:pt x="1123" y="1369"/>
+                </a:lnTo>
+                <a:lnTo>
+                  <a:pt x="1123" y="1369"/>
+                </a:lnTo>
+                <a:lnTo>
+                  <a:pt x="1127" y="1371"/>
+                </a:lnTo>
+                <a:lnTo>
+                  <a:pt x="1133" y="1374"/>
+                </a:lnTo>
+                <a:lnTo>
+                  <a:pt x="1139" y="1377"/>
+                </a:lnTo>
+                <a:lnTo>
+                  <a:pt x="1144" y="1377"/>
+                </a:lnTo>
+                <a:lnTo>
+                  <a:pt x="1150" y="1377"/>
+                </a:lnTo>
+                <a:lnTo>
+                  <a:pt x="1155" y="1374"/>
+                </a:lnTo>
+                <a:lnTo>
+                  <a:pt x="1161" y="1371"/>
+                </a:lnTo>
+                <a:lnTo>
+                  <a:pt x="1165" y="1369"/>
+                </a:lnTo>
+                <a:lnTo>
+                  <a:pt x="1345" y="1189"/>
+                </a:lnTo>
+                <a:lnTo>
+                  <a:pt x="5760" y="1189"/>
+                </a:lnTo>
+                <a:lnTo>
+                  <a:pt x="5760" y="0"/>
+                </a:lnTo>
+                <a:close/>
+              </a:path>
+            </a:pathLst>
+          </a:custGeom>
+          <a:ln/>
+          <a:extLst>
+            <a:ext uri="{91240B29-F687-4f45-9708-019B960494DF}">
+              <a14:hiddenLine xmlns="" xmlns:a14="http://schemas.microsoft.com/office/drawing/2010/main" w="9525">
+                <a:solidFill>
+                  <a:srgbClr val="000000"/>
+                </a:solidFill>
+                <a:round/>
+                <a:headEnd/>
+                <a:tailEnd/>
+              </a14:hiddenLine>
+            </a:ext>
+          </a:extLst>
+        </p:spPr>
+        <p:style>
+          <a:lnRef idx="1">
+            <a:schemeClr val="accent1"/>
+          </a:lnRef>
+          <a:fillRef idx="3">
+            <a:schemeClr val="accent1"/>
+          </a:fillRef>
+          <a:effectRef idx="2">
+            <a:schemeClr val="accent1"/>
+          </a:effectRef>
+          <a:fontRef idx="minor">
+            <a:schemeClr val="lt1"/>
+          </a:fontRef>
+        </p:style>
+      </p:sp>
+      <p:sp>
+        <p:nvSpPr>
+          <p:cNvPr id="2" name="Title 1"/>
           <p:cNvSpPr>
             <a:spLocks noGrp="1"/>
           </p:cNvSpPr>
@@ -1939,18 +3780,13 @@
               <a:rPr lang="en-US"/>
               <a:t>Click to edit Master title style</a:t>
             </a:r>
-          </a:p>
-        </p:txBody>
-      </p:sp>
-      <p:sp>
-        <p:nvSpPr>
-          <p:cNvPr id="3" name="Date Placeholder 2">
-            <a:extLst>
-              <a:ext uri="{FF2B5EF4-FFF2-40B4-BE49-F238E27FC236}">
-                <a16:creationId xmlns:a16="http://schemas.microsoft.com/office/drawing/2014/main" id="{481494C3-5457-9A53-2081-8C90CC2AFFC1}"/>
-              </a:ext>
-            </a:extLst>
-          </p:cNvPr>
+            <a:endParaRPr lang="en-US" dirty="0"/>
+          </a:p>
+        </p:txBody>
+      </p:sp>
+      <p:sp>
+        <p:nvSpPr>
+          <p:cNvPr id="3" name="Date Placeholder 2"/>
           <p:cNvSpPr>
             <a:spLocks noGrp="1"/>
           </p:cNvSpPr>
@@ -1965,7 +3801,7 @@
           <a:p>
             <a:fld id="{64ADD9F5-E36E-419B-A5CC-2A9078F3523D}" type="datetimeFigureOut">
               <a:rPr lang="en-US" smtClean="0"/>
-              <a:t>4/12/2025</a:t>
+              <a:t>4/13/2025</a:t>
             </a:fld>
             <a:endParaRPr lang="en-US"/>
           </a:p>
@@ -1973,13 +3809,7 @@
       </p:sp>
       <p:sp>
         <p:nvSpPr>
-          <p:cNvPr id="4" name="Footer Placeholder 3">
-            <a:extLst>
-              <a:ext uri="{FF2B5EF4-FFF2-40B4-BE49-F238E27FC236}">
-                <a16:creationId xmlns:a16="http://schemas.microsoft.com/office/drawing/2014/main" id="{5351F8D9-9B67-98BC-2FCF-98550949962B}"/>
-              </a:ext>
-            </a:extLst>
-          </p:cNvPr>
+          <p:cNvPr id="4" name="Footer Placeholder 3"/>
           <p:cNvSpPr>
             <a:spLocks noGrp="1"/>
           </p:cNvSpPr>
@@ -1998,13 +3828,7 @@
       </p:sp>
       <p:sp>
         <p:nvSpPr>
-          <p:cNvPr id="5" name="Slide Number Placeholder 4">
-            <a:extLst>
-              <a:ext uri="{FF2B5EF4-FFF2-40B4-BE49-F238E27FC236}">
-                <a16:creationId xmlns:a16="http://schemas.microsoft.com/office/drawing/2014/main" id="{D7D3A1AC-88E2-5C9A-D80E-413B8C5F35D8}"/>
-              </a:ext>
-            </a:extLst>
-          </p:cNvPr>
+          <p:cNvPr id="5" name="Slide Number Placeholder 4"/>
           <p:cNvSpPr>
             <a:spLocks noGrp="1"/>
           </p:cNvSpPr>
@@ -2028,7 +3852,7 @@
     </p:spTree>
     <p:extLst>
       <p:ext uri="{BB962C8B-B14F-4D97-AF65-F5344CB8AC3E}">
-        <p14:creationId xmlns:p14="http://schemas.microsoft.com/office/powerpoint/2010/main" val="3988672392"/>
+        <p14:creationId xmlns:p14="http://schemas.microsoft.com/office/powerpoint/2010/main" val="2954868694"/>
       </p:ext>
     </p:extLst>
   </p:cSld>
@@ -2057,13 +3881,7 @@
       </p:grpSpPr>
       <p:sp>
         <p:nvSpPr>
-          <p:cNvPr id="2" name="Date Placeholder 1">
-            <a:extLst>
-              <a:ext uri="{FF2B5EF4-FFF2-40B4-BE49-F238E27FC236}">
-                <a16:creationId xmlns:a16="http://schemas.microsoft.com/office/drawing/2014/main" id="{1422561B-0723-E48C-D2A1-164F4A099484}"/>
-              </a:ext>
-            </a:extLst>
-          </p:cNvPr>
+          <p:cNvPr id="2" name="Date Placeholder 1"/>
           <p:cNvSpPr>
             <a:spLocks noGrp="1"/>
           </p:cNvSpPr>
@@ -2078,7 +3896,7 @@
           <a:p>
             <a:fld id="{64ADD9F5-E36E-419B-A5CC-2A9078F3523D}" type="datetimeFigureOut">
               <a:rPr lang="en-US" smtClean="0"/>
-              <a:t>4/12/2025</a:t>
+              <a:t>4/13/2025</a:t>
             </a:fld>
             <a:endParaRPr lang="en-US"/>
           </a:p>
@@ -2086,13 +3904,7 @@
       </p:sp>
       <p:sp>
         <p:nvSpPr>
-          <p:cNvPr id="3" name="Footer Placeholder 2">
-            <a:extLst>
-              <a:ext uri="{FF2B5EF4-FFF2-40B4-BE49-F238E27FC236}">
-                <a16:creationId xmlns:a16="http://schemas.microsoft.com/office/drawing/2014/main" id="{F637E14E-B1CC-9DEA-7E6F-5005BDA58501}"/>
-              </a:ext>
-            </a:extLst>
-          </p:cNvPr>
+          <p:cNvPr id="3" name="Footer Placeholder 2"/>
           <p:cNvSpPr>
             <a:spLocks noGrp="1"/>
           </p:cNvSpPr>
@@ -2111,13 +3923,7 @@
       </p:sp>
       <p:sp>
         <p:nvSpPr>
-          <p:cNvPr id="4" name="Slide Number Placeholder 3">
-            <a:extLst>
-              <a:ext uri="{FF2B5EF4-FFF2-40B4-BE49-F238E27FC236}">
-                <a16:creationId xmlns:a16="http://schemas.microsoft.com/office/drawing/2014/main" id="{18ECA1AC-2A3B-6B2D-4D77-ED5971BCB4E3}"/>
-              </a:ext>
-            </a:extLst>
-          </p:cNvPr>
+          <p:cNvPr id="4" name="Slide Number Placeholder 3"/>
           <p:cNvSpPr>
             <a:spLocks noGrp="1"/>
           </p:cNvSpPr>
@@ -2141,7 +3947,7 @@
     </p:spTree>
     <p:extLst>
       <p:ext uri="{BB962C8B-B14F-4D97-AF65-F5344CB8AC3E}">
-        <p14:creationId xmlns:p14="http://schemas.microsoft.com/office/powerpoint/2010/main" val="1646388249"/>
+        <p14:creationId xmlns:p14="http://schemas.microsoft.com/office/powerpoint/2010/main" val="1606107362"/>
       </p:ext>
     </p:extLst>
   </p:cSld>
@@ -2170,13 +3976,223 @@
       </p:grpSpPr>
       <p:sp>
         <p:nvSpPr>
-          <p:cNvPr id="2" name="Title 1">
-            <a:extLst>
-              <a:ext uri="{FF2B5EF4-FFF2-40B4-BE49-F238E27FC236}">
-                <a16:creationId xmlns:a16="http://schemas.microsoft.com/office/drawing/2014/main" id="{0985B807-6916-39F7-944B-A74995152777}"/>
-              </a:ext>
-            </a:extLst>
-          </p:cNvPr>
+          <p:cNvPr id="12" name="Freeform 6"/>
+          <p:cNvSpPr>
+            <a:spLocks noChangeAspect="1"/>
+          </p:cNvSpPr>
+          <p:nvPr/>
+        </p:nvSpPr>
+        <p:spPr bwMode="auto">
+          <a:xfrm>
+            <a:off x="1073151" y="446087"/>
+            <a:ext cx="3547533" cy="1814651"/>
+          </a:xfrm>
+          <a:custGeom>
+            <a:avLst/>
+            <a:gdLst/>
+            <a:ahLst/>
+            <a:cxnLst/>
+            <a:rect l="0" t="0" r="r" b="b"/>
+            <a:pathLst>
+              <a:path w="3384" h="2308">
+                <a:moveTo>
+                  <a:pt x="3340" y="0"/>
+                </a:moveTo>
+                <a:lnTo>
+                  <a:pt x="44" y="0"/>
+                </a:lnTo>
+                <a:lnTo>
+                  <a:pt x="44" y="0"/>
+                </a:lnTo>
+                <a:lnTo>
+                  <a:pt x="34" y="0"/>
+                </a:lnTo>
+                <a:lnTo>
+                  <a:pt x="26" y="4"/>
+                </a:lnTo>
+                <a:lnTo>
+                  <a:pt x="20" y="8"/>
+                </a:lnTo>
+                <a:lnTo>
+                  <a:pt x="12" y="12"/>
+                </a:lnTo>
+                <a:lnTo>
+                  <a:pt x="8" y="20"/>
+                </a:lnTo>
+                <a:lnTo>
+                  <a:pt x="4" y="26"/>
+                </a:lnTo>
+                <a:lnTo>
+                  <a:pt x="0" y="34"/>
+                </a:lnTo>
+                <a:lnTo>
+                  <a:pt x="0" y="44"/>
+                </a:lnTo>
+                <a:lnTo>
+                  <a:pt x="0" y="2076"/>
+                </a:lnTo>
+                <a:lnTo>
+                  <a:pt x="0" y="2076"/>
+                </a:lnTo>
+                <a:lnTo>
+                  <a:pt x="0" y="2086"/>
+                </a:lnTo>
+                <a:lnTo>
+                  <a:pt x="4" y="2094"/>
+                </a:lnTo>
+                <a:lnTo>
+                  <a:pt x="8" y="2100"/>
+                </a:lnTo>
+                <a:lnTo>
+                  <a:pt x="12" y="2108"/>
+                </a:lnTo>
+                <a:lnTo>
+                  <a:pt x="20" y="2112"/>
+                </a:lnTo>
+                <a:lnTo>
+                  <a:pt x="26" y="2116"/>
+                </a:lnTo>
+                <a:lnTo>
+                  <a:pt x="34" y="2120"/>
+                </a:lnTo>
+                <a:lnTo>
+                  <a:pt x="44" y="2120"/>
+                </a:lnTo>
+                <a:lnTo>
+                  <a:pt x="474" y="2120"/>
+                </a:lnTo>
+                <a:lnTo>
+                  <a:pt x="650" y="2296"/>
+                </a:lnTo>
+                <a:lnTo>
+                  <a:pt x="650" y="2296"/>
+                </a:lnTo>
+                <a:lnTo>
+                  <a:pt x="656" y="2300"/>
+                </a:lnTo>
+                <a:lnTo>
+                  <a:pt x="664" y="2304"/>
+                </a:lnTo>
+                <a:lnTo>
+                  <a:pt x="672" y="2308"/>
+                </a:lnTo>
+                <a:lnTo>
+                  <a:pt x="680" y="2308"/>
+                </a:lnTo>
+                <a:lnTo>
+                  <a:pt x="688" y="2308"/>
+                </a:lnTo>
+                <a:lnTo>
+                  <a:pt x="696" y="2304"/>
+                </a:lnTo>
+                <a:lnTo>
+                  <a:pt x="704" y="2300"/>
+                </a:lnTo>
+                <a:lnTo>
+                  <a:pt x="710" y="2296"/>
+                </a:lnTo>
+                <a:lnTo>
+                  <a:pt x="886" y="2120"/>
+                </a:lnTo>
+                <a:lnTo>
+                  <a:pt x="3340" y="2120"/>
+                </a:lnTo>
+                <a:lnTo>
+                  <a:pt x="3340" y="2120"/>
+                </a:lnTo>
+                <a:lnTo>
+                  <a:pt x="3350" y="2120"/>
+                </a:lnTo>
+                <a:lnTo>
+                  <a:pt x="3358" y="2116"/>
+                </a:lnTo>
+                <a:lnTo>
+                  <a:pt x="3364" y="2112"/>
+                </a:lnTo>
+                <a:lnTo>
+                  <a:pt x="3372" y="2108"/>
+                </a:lnTo>
+                <a:lnTo>
+                  <a:pt x="3376" y="2100"/>
+                </a:lnTo>
+                <a:lnTo>
+                  <a:pt x="3380" y="2094"/>
+                </a:lnTo>
+                <a:lnTo>
+                  <a:pt x="3384" y="2086"/>
+                </a:lnTo>
+                <a:lnTo>
+                  <a:pt x="3384" y="2076"/>
+                </a:lnTo>
+                <a:lnTo>
+                  <a:pt x="3384" y="44"/>
+                </a:lnTo>
+                <a:lnTo>
+                  <a:pt x="3384" y="44"/>
+                </a:lnTo>
+                <a:lnTo>
+                  <a:pt x="3384" y="34"/>
+                </a:lnTo>
+                <a:lnTo>
+                  <a:pt x="3380" y="26"/>
+                </a:lnTo>
+                <a:lnTo>
+                  <a:pt x="3376" y="20"/>
+                </a:lnTo>
+                <a:lnTo>
+                  <a:pt x="3372" y="12"/>
+                </a:lnTo>
+                <a:lnTo>
+                  <a:pt x="3364" y="8"/>
+                </a:lnTo>
+                <a:lnTo>
+                  <a:pt x="3358" y="4"/>
+                </a:lnTo>
+                <a:lnTo>
+                  <a:pt x="3350" y="0"/>
+                </a:lnTo>
+                <a:lnTo>
+                  <a:pt x="3340" y="0"/>
+                </a:lnTo>
+                <a:lnTo>
+                  <a:pt x="3340" y="0"/>
+                </a:lnTo>
+                <a:close/>
+              </a:path>
+            </a:pathLst>
+          </a:custGeom>
+          <a:ln/>
+          <a:extLst>
+            <a:ext uri="{91240B29-F687-4f45-9708-019B960494DF}">
+              <a14:hiddenLine xmlns="" xmlns:a14="http://schemas.microsoft.com/office/drawing/2010/main" w="9525">
+                <a:solidFill>
+                  <a:srgbClr val="000000"/>
+                </a:solidFill>
+                <a:round/>
+                <a:headEnd/>
+                <a:tailEnd/>
+              </a14:hiddenLine>
+            </a:ext>
+          </a:extLst>
+        </p:spPr>
+        <p:style>
+          <a:lnRef idx="1">
+            <a:schemeClr val="accent1"/>
+          </a:lnRef>
+          <a:fillRef idx="3">
+            <a:schemeClr val="accent1"/>
+          </a:fillRef>
+          <a:effectRef idx="2">
+            <a:schemeClr val="accent1"/>
+          </a:effectRef>
+          <a:fontRef idx="minor">
+            <a:schemeClr val="lt1"/>
+          </a:fontRef>
+        </p:style>
+      </p:sp>
+      <p:sp>
+        <p:nvSpPr>
+          <p:cNvPr id="2" name="Title 1"/>
           <p:cNvSpPr>
             <a:spLocks noGrp="1"/>
           </p:cNvSpPr>
@@ -2186,15 +4202,15 @@
         </p:nvSpPr>
         <p:spPr>
           <a:xfrm>
-            <a:off x="839788" y="457200"/>
-            <a:ext cx="3932237" cy="1600200"/>
+            <a:off x="1073151" y="446088"/>
+            <a:ext cx="3547533" cy="1618396"/>
           </a:xfrm>
         </p:spPr>
         <p:txBody>
           <a:bodyPr anchor="b"/>
           <a:lstStyle>
-            <a:lvl1pPr>
-              <a:defRPr sz="3200"/>
+            <a:lvl1pPr algn="l">
+              <a:defRPr sz="2000" b="1"/>
             </a:lvl1pPr>
           </a:lstStyle>
           <a:p>
@@ -2202,18 +4218,13 @@
               <a:rPr lang="en-US"/>
               <a:t>Click to edit Master title style</a:t>
             </a:r>
-          </a:p>
-        </p:txBody>
-      </p:sp>
-      <p:sp>
-        <p:nvSpPr>
-          <p:cNvPr id="3" name="Content Placeholder 2">
-            <a:extLst>
-              <a:ext uri="{FF2B5EF4-FFF2-40B4-BE49-F238E27FC236}">
-                <a16:creationId xmlns:a16="http://schemas.microsoft.com/office/drawing/2014/main" id="{F6EF9EA2-4BF9-3F53-0187-9C8DEAAC1D22}"/>
-              </a:ext>
-            </a:extLst>
-          </p:cNvPr>
+            <a:endParaRPr lang="en-US" dirty="0"/>
+          </a:p>
+        </p:txBody>
+      </p:sp>
+      <p:sp>
+        <p:nvSpPr>
+          <p:cNvPr id="3" name="Content Placeholder 2"/>
           <p:cNvSpPr>
             <a:spLocks noGrp="1"/>
           </p:cNvSpPr>
@@ -2223,41 +4234,15 @@
         </p:nvSpPr>
         <p:spPr>
           <a:xfrm>
-            <a:off x="5183188" y="987425"/>
-            <a:ext cx="6172200" cy="4873625"/>
+            <a:off x="4855633" y="446088"/>
+            <a:ext cx="6252633" cy="5414963"/>
           </a:xfrm>
         </p:spPr>
         <p:txBody>
-          <a:bodyPr/>
-          <a:lstStyle>
-            <a:lvl1pPr>
-              <a:defRPr sz="3200"/>
-            </a:lvl1pPr>
-            <a:lvl2pPr>
-              <a:defRPr sz="2800"/>
-            </a:lvl2pPr>
-            <a:lvl3pPr>
-              <a:defRPr sz="2400"/>
-            </a:lvl3pPr>
-            <a:lvl4pPr>
-              <a:defRPr sz="2000"/>
-            </a:lvl4pPr>
-            <a:lvl5pPr>
-              <a:defRPr sz="2000"/>
-            </a:lvl5pPr>
-            <a:lvl6pPr>
-              <a:defRPr sz="2000"/>
-            </a:lvl6pPr>
-            <a:lvl7pPr>
-              <a:defRPr sz="2000"/>
-            </a:lvl7pPr>
-            <a:lvl8pPr>
-              <a:defRPr sz="2000"/>
-            </a:lvl8pPr>
-            <a:lvl9pPr>
-              <a:defRPr sz="2000"/>
-            </a:lvl9pPr>
-          </a:lstStyle>
+          <a:bodyPr>
+            <a:normAutofit/>
+          </a:bodyPr>
+          <a:lstStyle/>
           <a:p>
             <a:pPr lvl="0"/>
             <a:r>
@@ -2292,18 +4277,13 @@
               <a:rPr lang="en-US"/>
               <a:t>Fifth level</a:t>
             </a:r>
-          </a:p>
-        </p:txBody>
-      </p:sp>
-      <p:sp>
-        <p:nvSpPr>
-          <p:cNvPr id="4" name="Text Placeholder 3">
-            <a:extLst>
-              <a:ext uri="{FF2B5EF4-FFF2-40B4-BE49-F238E27FC236}">
-                <a16:creationId xmlns:a16="http://schemas.microsoft.com/office/drawing/2014/main" id="{2AE99D5F-BFA6-B66B-8574-D10A263050B6}"/>
-              </a:ext>
-            </a:extLst>
-          </p:cNvPr>
+            <a:endParaRPr lang="en-US" dirty="0"/>
+          </a:p>
+        </p:txBody>
+      </p:sp>
+      <p:sp>
+        <p:nvSpPr>
+          <p:cNvPr id="4" name="Text Placeholder 3"/>
           <p:cNvSpPr>
             <a:spLocks noGrp="1"/>
           </p:cNvSpPr>
@@ -2313,8 +4293,8 @@
         </p:nvSpPr>
         <p:spPr>
           <a:xfrm>
-            <a:off x="839788" y="2057400"/>
-            <a:ext cx="3932237" cy="3811588"/>
+            <a:off x="1073151" y="2260738"/>
+            <a:ext cx="3547533" cy="3600311"/>
           </a:xfrm>
         </p:spPr>
         <p:txBody>
@@ -2322,39 +4302,39 @@
           <a:lstStyle>
             <a:lvl1pPr marL="0" indent="0">
               <a:buNone/>
-              <a:defRPr sz="1600"/>
+              <a:defRPr sz="1400"/>
             </a:lvl1pPr>
             <a:lvl2pPr marL="457200" indent="0">
               <a:buNone/>
-              <a:defRPr sz="1400"/>
+              <a:defRPr sz="1200"/>
             </a:lvl2pPr>
             <a:lvl3pPr marL="914400" indent="0">
               <a:buNone/>
-              <a:defRPr sz="1200"/>
+              <a:defRPr sz="1000"/>
             </a:lvl3pPr>
             <a:lvl4pPr marL="1371600" indent="0">
               <a:buNone/>
-              <a:defRPr sz="1000"/>
+              <a:defRPr sz="900"/>
             </a:lvl4pPr>
             <a:lvl5pPr marL="1828800" indent="0">
               <a:buNone/>
-              <a:defRPr sz="1000"/>
+              <a:defRPr sz="900"/>
             </a:lvl5pPr>
             <a:lvl6pPr marL="2286000" indent="0">
               <a:buNone/>
-              <a:defRPr sz="1000"/>
+              <a:defRPr sz="900"/>
             </a:lvl6pPr>
             <a:lvl7pPr marL="2743200" indent="0">
               <a:buNone/>
-              <a:defRPr sz="1000"/>
+              <a:defRPr sz="900"/>
             </a:lvl7pPr>
             <a:lvl8pPr marL="3200400" indent="0">
               <a:buNone/>
-              <a:defRPr sz="1000"/>
+              <a:defRPr sz="900"/>
             </a:lvl8pPr>
             <a:lvl9pPr marL="3657600" indent="0">
               <a:buNone/>
-              <a:defRPr sz="1000"/>
+              <a:defRPr sz="900"/>
             </a:lvl9pPr>
           </a:lstStyle>
           <a:p>
@@ -2368,13 +4348,7 @@
       </p:sp>
       <p:sp>
         <p:nvSpPr>
-          <p:cNvPr id="5" name="Date Placeholder 4">
-            <a:extLst>
-              <a:ext uri="{FF2B5EF4-FFF2-40B4-BE49-F238E27FC236}">
-                <a16:creationId xmlns:a16="http://schemas.microsoft.com/office/drawing/2014/main" id="{086A0A77-66CA-E9A7-AF33-2B9B3389F1E8}"/>
-              </a:ext>
-            </a:extLst>
-          </p:cNvPr>
+          <p:cNvPr id="5" name="Date Placeholder 4"/>
           <p:cNvSpPr>
             <a:spLocks noGrp="1"/>
           </p:cNvSpPr>
@@ -2389,7 +4363,7 @@
           <a:p>
             <a:fld id="{64ADD9F5-E36E-419B-A5CC-2A9078F3523D}" type="datetimeFigureOut">
               <a:rPr lang="en-US" smtClean="0"/>
-              <a:t>4/12/2025</a:t>
+              <a:t>4/13/2025</a:t>
             </a:fld>
             <a:endParaRPr lang="en-US"/>
           </a:p>
@@ -2397,13 +4371,7 @@
       </p:sp>
       <p:sp>
         <p:nvSpPr>
-          <p:cNvPr id="6" name="Footer Placeholder 5">
-            <a:extLst>
-              <a:ext uri="{FF2B5EF4-FFF2-40B4-BE49-F238E27FC236}">
-                <a16:creationId xmlns:a16="http://schemas.microsoft.com/office/drawing/2014/main" id="{0C1F5C07-4CCD-7AA8-7D89-07D994C78B7A}"/>
-              </a:ext>
-            </a:extLst>
-          </p:cNvPr>
+          <p:cNvPr id="6" name="Footer Placeholder 5"/>
           <p:cNvSpPr>
             <a:spLocks noGrp="1"/>
           </p:cNvSpPr>
@@ -2422,13 +4390,7 @@
       </p:sp>
       <p:sp>
         <p:nvSpPr>
-          <p:cNvPr id="7" name="Slide Number Placeholder 6">
-            <a:extLst>
-              <a:ext uri="{FF2B5EF4-FFF2-40B4-BE49-F238E27FC236}">
-                <a16:creationId xmlns:a16="http://schemas.microsoft.com/office/drawing/2014/main" id="{75CCFC63-4720-A180-08FB-CA1786B75299}"/>
-              </a:ext>
-            </a:extLst>
-          </p:cNvPr>
+          <p:cNvPr id="7" name="Slide Number Placeholder 6"/>
           <p:cNvSpPr>
             <a:spLocks noGrp="1"/>
           </p:cNvSpPr>
@@ -2452,7 +4414,7 @@
     </p:spTree>
     <p:extLst>
       <p:ext uri="{BB962C8B-B14F-4D97-AF65-F5344CB8AC3E}">
-        <p14:creationId xmlns:p14="http://schemas.microsoft.com/office/powerpoint/2010/main" val="183891668"/>
+        <p14:creationId xmlns:p14="http://schemas.microsoft.com/office/powerpoint/2010/main" val="4150256319"/>
       </p:ext>
     </p:extLst>
   </p:cSld>
@@ -2481,13 +4443,7 @@
       </p:grpSpPr>
       <p:sp>
         <p:nvSpPr>
-          <p:cNvPr id="2" name="Title 1">
-            <a:extLst>
-              <a:ext uri="{FF2B5EF4-FFF2-40B4-BE49-F238E27FC236}">
-                <a16:creationId xmlns:a16="http://schemas.microsoft.com/office/drawing/2014/main" id="{C12E51DD-AFC3-1360-CD86-02525471F64B}"/>
-              </a:ext>
-            </a:extLst>
-          </p:cNvPr>
+          <p:cNvPr id="2" name="Title 1"/>
           <p:cNvSpPr>
             <a:spLocks noGrp="1"/>
           </p:cNvSpPr>
@@ -2497,15 +4453,17 @@
         </p:nvSpPr>
         <p:spPr>
           <a:xfrm>
-            <a:off x="839788" y="457200"/>
-            <a:ext cx="3932237" cy="1600200"/>
+            <a:off x="814728" y="727522"/>
+            <a:ext cx="4852988" cy="1617163"/>
           </a:xfrm>
         </p:spPr>
         <p:txBody>
-          <a:bodyPr anchor="b"/>
+          <a:bodyPr anchor="b">
+            <a:normAutofit/>
+          </a:bodyPr>
           <a:lstStyle>
-            <a:lvl1pPr>
-              <a:defRPr sz="3200"/>
+            <a:lvl1pPr algn="l">
+              <a:defRPr sz="2400" b="0"/>
             </a:lvl1pPr>
           </a:lstStyle>
           <a:p>
@@ -2513,171 +4471,212 @@
               <a:rPr lang="en-US"/>
               <a:t>Click to edit Master title style</a:t>
             </a:r>
-          </a:p>
-        </p:txBody>
-      </p:sp>
-      <p:sp>
-        <p:nvSpPr>
-          <p:cNvPr id="3" name="Picture Placeholder 2">
-            <a:extLst>
-              <a:ext uri="{FF2B5EF4-FFF2-40B4-BE49-F238E27FC236}">
-                <a16:creationId xmlns:a16="http://schemas.microsoft.com/office/drawing/2014/main" id="{8B33DF2A-D91A-C4FE-00D1-A2D88DD699DC}"/>
-              </a:ext>
-            </a:extLst>
-          </p:cNvPr>
-          <p:cNvSpPr>
-            <a:spLocks noGrp="1"/>
-          </p:cNvSpPr>
-          <p:nvPr>
-            <p:ph type="pic" idx="1"/>
+            <a:endParaRPr lang="en-US" dirty="0"/>
+          </a:p>
+        </p:txBody>
+      </p:sp>
+      <p:sp>
+        <p:nvSpPr>
+          <p:cNvPr id="9" name="Picture Placeholder 11"/>
+          <p:cNvSpPr>
+            <a:spLocks noGrp="1" noChangeAspect="1"/>
+          </p:cNvSpPr>
+          <p:nvPr>
+            <p:ph type="pic" sz="quarter" idx="13"/>
+          </p:nvPr>
+        </p:nvSpPr>
+        <p:spPr bwMode="auto">
+          <a:xfrm>
+            <a:off x="6098117" y="0"/>
+            <a:ext cx="6093883" cy="6858000"/>
+          </a:xfrm>
+          <a:custGeom>
+            <a:avLst/>
+            <a:gdLst/>
+            <a:ahLst/>
+            <a:cxnLst/>
+            <a:rect l="0" t="0" r="r" b="b"/>
+            <a:pathLst>
+              <a:path w="2879" h="4320">
+                <a:moveTo>
+                  <a:pt x="183" y="0"/>
+                </a:moveTo>
+                <a:lnTo>
+                  <a:pt x="183" y="1197"/>
+                </a:lnTo>
+                <a:lnTo>
+                  <a:pt x="8" y="1372"/>
+                </a:lnTo>
+                <a:lnTo>
+                  <a:pt x="8" y="1372"/>
+                </a:lnTo>
+                <a:lnTo>
+                  <a:pt x="6" y="1376"/>
+                </a:lnTo>
+                <a:lnTo>
+                  <a:pt x="3" y="1382"/>
+                </a:lnTo>
+                <a:lnTo>
+                  <a:pt x="0" y="1387"/>
+                </a:lnTo>
+                <a:lnTo>
+                  <a:pt x="0" y="1393"/>
+                </a:lnTo>
+                <a:lnTo>
+                  <a:pt x="0" y="1399"/>
+                </a:lnTo>
+                <a:lnTo>
+                  <a:pt x="3" y="1404"/>
+                </a:lnTo>
+                <a:lnTo>
+                  <a:pt x="6" y="1410"/>
+                </a:lnTo>
+                <a:lnTo>
+                  <a:pt x="8" y="1414"/>
+                </a:lnTo>
+                <a:lnTo>
+                  <a:pt x="183" y="1589"/>
+                </a:lnTo>
+                <a:lnTo>
+                  <a:pt x="183" y="4320"/>
+                </a:lnTo>
+                <a:lnTo>
+                  <a:pt x="2879" y="4320"/>
+                </a:lnTo>
+                <a:lnTo>
+                  <a:pt x="2879" y="0"/>
+                </a:lnTo>
+                <a:lnTo>
+                  <a:pt x="183" y="0"/>
+                </a:lnTo>
+                <a:close/>
+              </a:path>
+            </a:pathLst>
+          </a:custGeom>
+          <a:noFill/>
+          <a:ln w="9525">
+            <a:solidFill>
+              <a:schemeClr val="tx2"/>
+            </a:solidFill>
+            <a:round/>
+            <a:headEnd/>
+            <a:tailEnd/>
+          </a:ln>
+          <a:effectLst/>
+        </p:spPr>
+        <p:txBody>
+          <a:bodyPr wrap="square" numCol="1" anchor="t" anchorCtr="0" compatLnSpc="1">
+            <a:prstTxWarp prst="textNoShape">
+              <a:avLst/>
+            </a:prstTxWarp>
+            <a:normAutofit/>
+          </a:bodyPr>
+          <a:lstStyle>
+            <a:lvl1pPr algn="ctr">
+              <a:buFontTx/>
+              <a:buNone/>
+              <a:defRPr sz="1400"/>
+            </a:lvl1pPr>
+          </a:lstStyle>
+          <a:p>
+            <a:r>
+              <a:rPr lang="en-US"/>
+              <a:t>Click icon to add picture</a:t>
+            </a:r>
+            <a:endParaRPr lang="en-US" dirty="0"/>
+          </a:p>
+        </p:txBody>
+      </p:sp>
+      <p:sp>
+        <p:nvSpPr>
+          <p:cNvPr id="4" name="Text Placeholder 3"/>
+          <p:cNvSpPr>
+            <a:spLocks noGrp="1"/>
+          </p:cNvSpPr>
+          <p:nvPr>
+            <p:ph type="body" sz="half" idx="2"/>
           </p:nvPr>
         </p:nvSpPr>
         <p:spPr>
           <a:xfrm>
-            <a:off x="5183188" y="987425"/>
-            <a:ext cx="6172200" cy="4873625"/>
+            <a:off x="814728" y="2344684"/>
+            <a:ext cx="4852988" cy="3516365"/>
           </a:xfrm>
         </p:spPr>
         <p:txBody>
-          <a:bodyPr/>
+          <a:bodyPr anchor="t">
+            <a:normAutofit/>
+          </a:bodyPr>
           <a:lstStyle>
             <a:lvl1pPr marL="0" indent="0">
               <a:buNone/>
-              <a:defRPr sz="3200"/>
+              <a:defRPr sz="1200"/>
             </a:lvl1pPr>
             <a:lvl2pPr marL="457200" indent="0">
               <a:buNone/>
-              <a:defRPr sz="2800"/>
+              <a:defRPr sz="1200"/>
             </a:lvl2pPr>
             <a:lvl3pPr marL="914400" indent="0">
               <a:buNone/>
-              <a:defRPr sz="2400"/>
+              <a:defRPr sz="1000"/>
             </a:lvl3pPr>
             <a:lvl4pPr marL="1371600" indent="0">
               <a:buNone/>
-              <a:defRPr sz="2000"/>
+              <a:defRPr sz="900"/>
             </a:lvl4pPr>
             <a:lvl5pPr marL="1828800" indent="0">
               <a:buNone/>
-              <a:defRPr sz="2000"/>
+              <a:defRPr sz="900"/>
             </a:lvl5pPr>
             <a:lvl6pPr marL="2286000" indent="0">
               <a:buNone/>
-              <a:defRPr sz="2000"/>
+              <a:defRPr sz="900"/>
             </a:lvl6pPr>
             <a:lvl7pPr marL="2743200" indent="0">
               <a:buNone/>
-              <a:defRPr sz="2000"/>
+              <a:defRPr sz="900"/>
             </a:lvl7pPr>
             <a:lvl8pPr marL="3200400" indent="0">
               <a:buNone/>
-              <a:defRPr sz="2000"/>
+              <a:defRPr sz="900"/>
             </a:lvl8pPr>
             <a:lvl9pPr marL="3657600" indent="0">
               <a:buNone/>
-              <a:defRPr sz="2000"/>
+              <a:defRPr sz="900"/>
             </a:lvl9pPr>
           </a:lstStyle>
           <a:p>
-            <a:endParaRPr lang="en-US"/>
-          </a:p>
-        </p:txBody>
-      </p:sp>
-      <p:sp>
-        <p:nvSpPr>
-          <p:cNvPr id="4" name="Text Placeholder 3">
-            <a:extLst>
-              <a:ext uri="{FF2B5EF4-FFF2-40B4-BE49-F238E27FC236}">
-                <a16:creationId xmlns:a16="http://schemas.microsoft.com/office/drawing/2014/main" id="{9C82BD3D-797C-5115-2318-A447B8CC89BE}"/>
-              </a:ext>
-            </a:extLst>
-          </p:cNvPr>
-          <p:cNvSpPr>
-            <a:spLocks noGrp="1"/>
-          </p:cNvSpPr>
-          <p:nvPr>
-            <p:ph type="body" sz="half" idx="2"/>
+            <a:pPr lvl="0"/>
+            <a:r>
+              <a:rPr lang="en-US"/>
+              <a:t>Click to edit Master text styles</a:t>
+            </a:r>
+          </a:p>
+        </p:txBody>
+      </p:sp>
+      <p:sp>
+        <p:nvSpPr>
+          <p:cNvPr id="5" name="Date Placeholder 4"/>
+          <p:cNvSpPr>
+            <a:spLocks noGrp="1"/>
+          </p:cNvSpPr>
+          <p:nvPr>
+            <p:ph type="dt" sz="half" idx="10"/>
           </p:nvPr>
         </p:nvSpPr>
         <p:spPr>
           <a:xfrm>
-            <a:off x="839788" y="2057400"/>
-            <a:ext cx="3932237" cy="3811588"/>
+            <a:off x="3885810" y="6041362"/>
+            <a:ext cx="976879" cy="365125"/>
           </a:xfrm>
         </p:spPr>
         <p:txBody>
           <a:bodyPr/>
-          <a:lstStyle>
-            <a:lvl1pPr marL="0" indent="0">
-              <a:buNone/>
-              <a:defRPr sz="1600"/>
-            </a:lvl1pPr>
-            <a:lvl2pPr marL="457200" indent="0">
-              <a:buNone/>
-              <a:defRPr sz="1400"/>
-            </a:lvl2pPr>
-            <a:lvl3pPr marL="914400" indent="0">
-              <a:buNone/>
-              <a:defRPr sz="1200"/>
-            </a:lvl3pPr>
-            <a:lvl4pPr marL="1371600" indent="0">
-              <a:buNone/>
-              <a:defRPr sz="1000"/>
-            </a:lvl4pPr>
-            <a:lvl5pPr marL="1828800" indent="0">
-              <a:buNone/>
-              <a:defRPr sz="1000"/>
-            </a:lvl5pPr>
-            <a:lvl6pPr marL="2286000" indent="0">
-              <a:buNone/>
-              <a:defRPr sz="1000"/>
-            </a:lvl6pPr>
-            <a:lvl7pPr marL="2743200" indent="0">
-              <a:buNone/>
-              <a:defRPr sz="1000"/>
-            </a:lvl7pPr>
-            <a:lvl8pPr marL="3200400" indent="0">
-              <a:buNone/>
-              <a:defRPr sz="1000"/>
-            </a:lvl8pPr>
-            <a:lvl9pPr marL="3657600" indent="0">
-              <a:buNone/>
-              <a:defRPr sz="1000"/>
-            </a:lvl9pPr>
-          </a:lstStyle>
-          <a:p>
-            <a:pPr lvl="0"/>
-            <a:r>
-              <a:rPr lang="en-US"/>
-              <a:t>Click to edit Master text styles</a:t>
-            </a:r>
-          </a:p>
-        </p:txBody>
-      </p:sp>
-      <p:sp>
-        <p:nvSpPr>
-          <p:cNvPr id="5" name="Date Placeholder 4">
-            <a:extLst>
-              <a:ext uri="{FF2B5EF4-FFF2-40B4-BE49-F238E27FC236}">
-                <a16:creationId xmlns:a16="http://schemas.microsoft.com/office/drawing/2014/main" id="{1FC41746-D8D1-11B2-0D41-6120620A39BE}"/>
-              </a:ext>
-            </a:extLst>
-          </p:cNvPr>
-          <p:cNvSpPr>
-            <a:spLocks noGrp="1"/>
-          </p:cNvSpPr>
-          <p:nvPr>
-            <p:ph type="dt" sz="half" idx="10"/>
-          </p:nvPr>
-        </p:nvSpPr>
-        <p:spPr/>
-        <p:txBody>
-          <a:bodyPr/>
           <a:lstStyle/>
           <a:p>
             <a:fld id="{64ADD9F5-E36E-419B-A5CC-2A9078F3523D}" type="datetimeFigureOut">
               <a:rPr lang="en-US" smtClean="0"/>
-              <a:t>4/12/2025</a:t>
+              <a:t>4/13/2025</a:t>
             </a:fld>
             <a:endParaRPr lang="en-US"/>
           </a:p>
@@ -2685,13 +4684,7 @@
       </p:sp>
       <p:sp>
         <p:nvSpPr>
-          <p:cNvPr id="6" name="Footer Placeholder 5">
-            <a:extLst>
-              <a:ext uri="{FF2B5EF4-FFF2-40B4-BE49-F238E27FC236}">
-                <a16:creationId xmlns:a16="http://schemas.microsoft.com/office/drawing/2014/main" id="{A394A784-758E-6F17-EC5F-5906A48120D6}"/>
-              </a:ext>
-            </a:extLst>
-          </p:cNvPr>
+          <p:cNvPr id="6" name="Footer Placeholder 5"/>
           <p:cNvSpPr>
             <a:spLocks noGrp="1"/>
           </p:cNvSpPr>
@@ -2699,7 +4692,12 @@
             <p:ph type="ftr" sz="quarter" idx="11"/>
           </p:nvPr>
         </p:nvSpPr>
-        <p:spPr/>
+        <p:spPr>
+          <a:xfrm>
+            <a:off x="590396" y="6041362"/>
+            <a:ext cx="3295413" cy="365125"/>
+          </a:xfrm>
+        </p:spPr>
         <p:txBody>
           <a:bodyPr/>
           <a:lstStyle/>
@@ -2710,13 +4708,7 @@
       </p:sp>
       <p:sp>
         <p:nvSpPr>
-          <p:cNvPr id="7" name="Slide Number Placeholder 6">
-            <a:extLst>
-              <a:ext uri="{FF2B5EF4-FFF2-40B4-BE49-F238E27FC236}">
-                <a16:creationId xmlns:a16="http://schemas.microsoft.com/office/drawing/2014/main" id="{7DC61BF7-1A07-052A-1934-94CCD464FA07}"/>
-              </a:ext>
-            </a:extLst>
-          </p:cNvPr>
+          <p:cNvPr id="7" name="Slide Number Placeholder 6"/>
           <p:cNvSpPr>
             <a:spLocks noGrp="1"/>
           </p:cNvSpPr>
@@ -2724,7 +4716,12 @@
             <p:ph type="sldNum" sz="quarter" idx="12"/>
           </p:nvPr>
         </p:nvSpPr>
-        <p:spPr/>
+        <p:spPr>
+          <a:xfrm>
+            <a:off x="4862689" y="5915888"/>
+            <a:ext cx="1062155" cy="490599"/>
+          </a:xfrm>
+        </p:spPr>
         <p:txBody>
           <a:bodyPr/>
           <a:lstStyle/>
@@ -2740,7 +4737,7 @@
     </p:spTree>
     <p:extLst>
       <p:ext uri="{BB962C8B-B14F-4D97-AF65-F5344CB8AC3E}">
-        <p14:creationId xmlns:p14="http://schemas.microsoft.com/office/powerpoint/2010/main" val="3401750479"/>
+        <p14:creationId xmlns:p14="http://schemas.microsoft.com/office/powerpoint/2010/main" val="1544468074"/>
       </p:ext>
     </p:extLst>
   </p:cSld>
@@ -2755,7 +4752,7 @@
   <p:cSld>
     <p:bg>
       <p:bgRef idx="1001">
-        <a:schemeClr val="bg1"/>
+        <a:schemeClr val="bg2"/>
       </p:bgRef>
     </p:bg>
     <p:spTree>
@@ -2774,13 +4771,7 @@
       </p:grpSpPr>
       <p:sp>
         <p:nvSpPr>
-          <p:cNvPr id="2" name="Title Placeholder 1">
-            <a:extLst>
-              <a:ext uri="{FF2B5EF4-FFF2-40B4-BE49-F238E27FC236}">
-                <a16:creationId xmlns:a16="http://schemas.microsoft.com/office/drawing/2014/main" id="{3DBF5AFA-D2B1-BD53-0C6B-3F6583515FC5}"/>
-              </a:ext>
-            </a:extLst>
-          </p:cNvPr>
+          <p:cNvPr id="2" name="Title Placeholder 1"/>
           <p:cNvSpPr>
             <a:spLocks noGrp="1"/>
           </p:cNvSpPr>
@@ -2790,217 +4781,203 @@
         </p:nvSpPr>
         <p:spPr>
           <a:xfrm>
-            <a:off x="838200" y="365125"/>
-            <a:ext cx="10515600" cy="1325563"/>
+            <a:off x="810000" y="447188"/>
+            <a:ext cx="10571998" cy="970450"/>
+          </a:xfrm>
+          <a:prstGeom prst="rect">
+            <a:avLst/>
+          </a:prstGeom>
+          <a:effectLst>
+            <a:outerShdw blurRad="50800" dir="14400000">
+              <a:srgbClr val="000000">
+                <a:alpha val="60000"/>
+              </a:srgbClr>
+            </a:outerShdw>
+          </a:effectLst>
+        </p:spPr>
+        <p:txBody>
+          <a:bodyPr vert="horz" lIns="91440" tIns="45720" rIns="91440" bIns="45720" rtlCol="0" anchor="b">
+            <a:noAutofit/>
+          </a:bodyPr>
+          <a:lstStyle/>
+          <a:p>
+            <a:r>
+              <a:rPr lang="en-US"/>
+              <a:t>Click to edit Master title style</a:t>
+            </a:r>
+            <a:endParaRPr lang="en-US" dirty="0"/>
+          </a:p>
+        </p:txBody>
+      </p:sp>
+      <p:sp>
+        <p:nvSpPr>
+          <p:cNvPr id="3" name="Text Placeholder 2"/>
+          <p:cNvSpPr>
+            <a:spLocks noGrp="1"/>
+          </p:cNvSpPr>
+          <p:nvPr>
+            <p:ph type="body" idx="1"/>
+          </p:nvPr>
+        </p:nvSpPr>
+        <p:spPr>
+          <a:xfrm>
+            <a:off x="810000" y="2184401"/>
+            <a:ext cx="10563285" cy="3674397"/>
+          </a:xfrm>
+          <a:prstGeom prst="rect">
+            <a:avLst/>
+          </a:prstGeom>
+          <a:effectLst>
+            <a:outerShdw blurRad="50800" dir="14400000">
+              <a:srgbClr val="000000">
+                <a:alpha val="40000"/>
+              </a:srgbClr>
+            </a:outerShdw>
+          </a:effectLst>
+        </p:spPr>
+        <p:txBody>
+          <a:bodyPr vert="horz" lIns="91440" tIns="45720" rIns="91440" bIns="45720" rtlCol="0" anchor="ctr">
+            <a:normAutofit/>
+          </a:bodyPr>
+          <a:lstStyle/>
+          <a:p>
+            <a:pPr lvl="0"/>
+            <a:r>
+              <a:rPr lang="en-US"/>
+              <a:t>Click to edit Master text styles</a:t>
+            </a:r>
+          </a:p>
+          <a:p>
+            <a:pPr lvl="1"/>
+            <a:r>
+              <a:rPr lang="en-US"/>
+              <a:t>Second level</a:t>
+            </a:r>
+          </a:p>
+          <a:p>
+            <a:pPr lvl="2"/>
+            <a:r>
+              <a:rPr lang="en-US"/>
+              <a:t>Third level</a:t>
+            </a:r>
+          </a:p>
+          <a:p>
+            <a:pPr lvl="3"/>
+            <a:r>
+              <a:rPr lang="en-US"/>
+              <a:t>Fourth level</a:t>
+            </a:r>
+          </a:p>
+          <a:p>
+            <a:pPr lvl="4"/>
+            <a:r>
+              <a:rPr lang="en-US"/>
+              <a:t>Fifth level</a:t>
+            </a:r>
+            <a:endParaRPr lang="en-US" dirty="0"/>
+          </a:p>
+        </p:txBody>
+      </p:sp>
+      <p:sp>
+        <p:nvSpPr>
+          <p:cNvPr id="5" name="Footer Placeholder 4"/>
+          <p:cNvSpPr>
+            <a:spLocks noGrp="1"/>
+          </p:cNvSpPr>
+          <p:nvPr>
+            <p:ph type="ftr" sz="quarter" idx="3"/>
+          </p:nvPr>
+        </p:nvSpPr>
+        <p:spPr>
+          <a:xfrm>
+            <a:off x="451514" y="6041362"/>
+            <a:ext cx="8644320" cy="365125"/>
           </a:xfrm>
           <a:prstGeom prst="rect">
             <a:avLst/>
           </a:prstGeom>
         </p:spPr>
         <p:txBody>
-          <a:bodyPr vert="horz" lIns="91440" tIns="45720" rIns="91440" bIns="45720" rtlCol="0" anchor="ctr">
-            <a:normAutofit/>
-          </a:bodyPr>
-          <a:lstStyle/>
-          <a:p>
-            <a:r>
-              <a:rPr lang="en-US"/>
-              <a:t>Click to edit Master title style</a:t>
-            </a:r>
-          </a:p>
-        </p:txBody>
-      </p:sp>
-      <p:sp>
-        <p:nvSpPr>
-          <p:cNvPr id="3" name="Text Placeholder 2">
-            <a:extLst>
-              <a:ext uri="{FF2B5EF4-FFF2-40B4-BE49-F238E27FC236}">
-                <a16:creationId xmlns:a16="http://schemas.microsoft.com/office/drawing/2014/main" id="{2A248828-419B-E6E2-68F4-CBD4B7654297}"/>
-              </a:ext>
-            </a:extLst>
-          </p:cNvPr>
-          <p:cNvSpPr>
-            <a:spLocks noGrp="1"/>
-          </p:cNvSpPr>
-          <p:nvPr>
-            <p:ph type="body" idx="1"/>
+          <a:bodyPr vert="horz" lIns="91440" tIns="45720" rIns="91440" bIns="45720" rtlCol="0" anchor="b"/>
+          <a:lstStyle>
+            <a:lvl1pPr algn="l">
+              <a:defRPr sz="900">
+                <a:solidFill>
+                  <a:schemeClr val="tx1"/>
+                </a:solidFill>
+              </a:defRPr>
+            </a:lvl1pPr>
+          </a:lstStyle>
+          <a:p>
+            <a:endParaRPr lang="en-US"/>
+          </a:p>
+        </p:txBody>
+      </p:sp>
+      <p:sp>
+        <p:nvSpPr>
+          <p:cNvPr id="4" name="Date Placeholder 3"/>
+          <p:cNvSpPr>
+            <a:spLocks noGrp="1"/>
+          </p:cNvSpPr>
+          <p:nvPr>
+            <p:ph type="dt" sz="half" idx="2"/>
           </p:nvPr>
         </p:nvSpPr>
         <p:spPr>
           <a:xfrm>
-            <a:off x="838200" y="1825625"/>
-            <a:ext cx="10515600" cy="4351338"/>
+            <a:off x="9334626" y="6041362"/>
+            <a:ext cx="1343706" cy="365125"/>
           </a:xfrm>
           <a:prstGeom prst="rect">
             <a:avLst/>
           </a:prstGeom>
         </p:spPr>
         <p:txBody>
-          <a:bodyPr vert="horz" lIns="91440" tIns="45720" rIns="91440" bIns="45720" rtlCol="0">
-            <a:normAutofit/>
-          </a:bodyPr>
-          <a:lstStyle/>
-          <a:p>
-            <a:pPr lvl="0"/>
-            <a:r>
-              <a:rPr lang="en-US"/>
-              <a:t>Click to edit Master text styles</a:t>
-            </a:r>
-          </a:p>
-          <a:p>
-            <a:pPr lvl="1"/>
-            <a:r>
-              <a:rPr lang="en-US"/>
-              <a:t>Second level</a:t>
-            </a:r>
-          </a:p>
-          <a:p>
-            <a:pPr lvl="2"/>
-            <a:r>
-              <a:rPr lang="en-US"/>
-              <a:t>Third level</a:t>
-            </a:r>
-          </a:p>
-          <a:p>
-            <a:pPr lvl="3"/>
-            <a:r>
-              <a:rPr lang="en-US"/>
-              <a:t>Fourth level</a:t>
-            </a:r>
-          </a:p>
-          <a:p>
-            <a:pPr lvl="4"/>
-            <a:r>
-              <a:rPr lang="en-US"/>
-              <a:t>Fifth level</a:t>
-            </a:r>
-          </a:p>
-        </p:txBody>
-      </p:sp>
-      <p:sp>
-        <p:nvSpPr>
-          <p:cNvPr id="4" name="Date Placeholder 3">
-            <a:extLst>
-              <a:ext uri="{FF2B5EF4-FFF2-40B4-BE49-F238E27FC236}">
-                <a16:creationId xmlns:a16="http://schemas.microsoft.com/office/drawing/2014/main" id="{C3314AA8-7C81-95C0-97FD-541F9F5CB90A}"/>
-              </a:ext>
-            </a:extLst>
-          </p:cNvPr>
-          <p:cNvSpPr>
-            <a:spLocks noGrp="1"/>
-          </p:cNvSpPr>
-          <p:nvPr>
-            <p:ph type="dt" sz="half" idx="2"/>
+          <a:bodyPr vert="horz" lIns="91440" tIns="45720" rIns="91440" bIns="45720" rtlCol="0" anchor="b"/>
+          <a:lstStyle>
+            <a:lvl1pPr algn="r">
+              <a:defRPr sz="900">
+                <a:solidFill>
+                  <a:schemeClr val="tx1"/>
+                </a:solidFill>
+              </a:defRPr>
+            </a:lvl1pPr>
+          </a:lstStyle>
+          <a:p>
+            <a:fld id="{64ADD9F5-E36E-419B-A5CC-2A9078F3523D}" type="datetimeFigureOut">
+              <a:rPr lang="en-US" smtClean="0"/>
+              <a:t>4/13/2025</a:t>
+            </a:fld>
+            <a:endParaRPr lang="en-US"/>
+          </a:p>
+        </p:txBody>
+      </p:sp>
+      <p:sp>
+        <p:nvSpPr>
+          <p:cNvPr id="6" name="Slide Number Placeholder 5"/>
+          <p:cNvSpPr>
+            <a:spLocks noGrp="1"/>
+          </p:cNvSpPr>
+          <p:nvPr>
+            <p:ph type="sldNum" sz="quarter" idx="4"/>
           </p:nvPr>
         </p:nvSpPr>
         <p:spPr>
           <a:xfrm>
-            <a:off x="838200" y="6356350"/>
-            <a:ext cx="2743200" cy="365125"/>
+            <a:off x="10678331" y="5915888"/>
+            <a:ext cx="1062155" cy="490599"/>
           </a:xfrm>
           <a:prstGeom prst="rect">
             <a:avLst/>
           </a:prstGeom>
         </p:spPr>
         <p:txBody>
-          <a:bodyPr vert="horz" lIns="91440" tIns="45720" rIns="91440" bIns="45720" rtlCol="0" anchor="ctr"/>
-          <a:lstStyle>
-            <a:lvl1pPr algn="l">
-              <a:defRPr sz="1200">
-                <a:solidFill>
-                  <a:schemeClr val="tx1">
-                    <a:tint val="75000"/>
-                  </a:schemeClr>
-                </a:solidFill>
-              </a:defRPr>
-            </a:lvl1pPr>
-          </a:lstStyle>
-          <a:p>
-            <a:fld id="{64ADD9F5-E36E-419B-A5CC-2A9078F3523D}" type="datetimeFigureOut">
-              <a:rPr lang="en-US" smtClean="0"/>
-              <a:t>4/12/2025</a:t>
-            </a:fld>
-            <a:endParaRPr lang="en-US"/>
-          </a:p>
-        </p:txBody>
-      </p:sp>
-      <p:sp>
-        <p:nvSpPr>
-          <p:cNvPr id="5" name="Footer Placeholder 4">
-            <a:extLst>
-              <a:ext uri="{FF2B5EF4-FFF2-40B4-BE49-F238E27FC236}">
-                <a16:creationId xmlns:a16="http://schemas.microsoft.com/office/drawing/2014/main" id="{FE05C17D-7BDE-6F5D-7821-E9601DA524A7}"/>
-              </a:ext>
-            </a:extLst>
-          </p:cNvPr>
-          <p:cNvSpPr>
-            <a:spLocks noGrp="1"/>
-          </p:cNvSpPr>
-          <p:nvPr>
-            <p:ph type="ftr" sz="quarter" idx="3"/>
-          </p:nvPr>
-        </p:nvSpPr>
-        <p:spPr>
-          <a:xfrm>
-            <a:off x="4038600" y="6356350"/>
-            <a:ext cx="4114800" cy="365125"/>
-          </a:xfrm>
-          <a:prstGeom prst="rect">
-            <a:avLst/>
-          </a:prstGeom>
-        </p:spPr>
-        <p:txBody>
-          <a:bodyPr vert="horz" lIns="91440" tIns="45720" rIns="91440" bIns="45720" rtlCol="0" anchor="ctr"/>
-          <a:lstStyle>
-            <a:lvl1pPr algn="ctr">
-              <a:defRPr sz="1200">
-                <a:solidFill>
-                  <a:schemeClr val="tx1">
-                    <a:tint val="75000"/>
-                  </a:schemeClr>
-                </a:solidFill>
-              </a:defRPr>
-            </a:lvl1pPr>
-          </a:lstStyle>
-          <a:p>
-            <a:endParaRPr lang="en-US"/>
-          </a:p>
-        </p:txBody>
-      </p:sp>
-      <p:sp>
-        <p:nvSpPr>
-          <p:cNvPr id="6" name="Slide Number Placeholder 5">
-            <a:extLst>
-              <a:ext uri="{FF2B5EF4-FFF2-40B4-BE49-F238E27FC236}">
-                <a16:creationId xmlns:a16="http://schemas.microsoft.com/office/drawing/2014/main" id="{EA0F9895-5B69-4015-DD00-0715A0183232}"/>
-              </a:ext>
-            </a:extLst>
-          </p:cNvPr>
-          <p:cNvSpPr>
-            <a:spLocks noGrp="1"/>
-          </p:cNvSpPr>
-          <p:nvPr>
-            <p:ph type="sldNum" sz="quarter" idx="4"/>
-          </p:nvPr>
-        </p:nvSpPr>
-        <p:spPr>
-          <a:xfrm>
-            <a:off x="8610600" y="6356350"/>
-            <a:ext cx="2743200" cy="365125"/>
-          </a:xfrm>
-          <a:prstGeom prst="rect">
-            <a:avLst/>
-          </a:prstGeom>
-        </p:spPr>
-        <p:txBody>
-          <a:bodyPr vert="horz" lIns="91440" tIns="45720" rIns="91440" bIns="45720" rtlCol="0" anchor="ctr"/>
+          <a:bodyPr vert="horz" lIns="91440" tIns="45720" rIns="91440" bIns="10800" rtlCol="0" anchor="b"/>
           <a:lstStyle>
             <a:lvl1pPr algn="r">
-              <a:defRPr sz="1200">
+              <a:defRPr sz="2000">
                 <a:solidFill>
-                  <a:schemeClr val="tx1">
-                    <a:tint val="75000"/>
-                  </a:schemeClr>
+                  <a:schemeClr val="accent1"/>
                 </a:solidFill>
               </a:defRPr>
             </a:lvl1pPr>
@@ -3017,55 +4994,114 @@
     </p:spTree>
     <p:extLst>
       <p:ext uri="{BB962C8B-B14F-4D97-AF65-F5344CB8AC3E}">
-        <p14:creationId xmlns:p14="http://schemas.microsoft.com/office/powerpoint/2010/main" val="1213034992"/>
+        <p14:creationId xmlns:p14="http://schemas.microsoft.com/office/powerpoint/2010/main" val="3494180943"/>
       </p:ext>
     </p:extLst>
   </p:cSld>
-  <p:clrMap bg1="lt1" tx1="dk1" bg2="lt2" tx2="dk2" accent1="accent1" accent2="accent2" accent3="accent3" accent4="accent4" accent5="accent5" accent6="accent6" hlink="hlink" folHlink="folHlink"/>
+  <p:clrMap bg1="dk1" tx1="lt1" bg2="dk2" tx2="lt2" accent1="accent1" accent2="accent2" accent3="accent3" accent4="accent4" accent5="accent5" accent6="accent6" hlink="hlink" folHlink="folHlink"/>
   <p:sldLayoutIdLst>
-    <p:sldLayoutId id="2147483649" r:id="rId1"/>
-    <p:sldLayoutId id="2147483650" r:id="rId2"/>
-    <p:sldLayoutId id="2147483651" r:id="rId3"/>
-    <p:sldLayoutId id="2147483652" r:id="rId4"/>
-    <p:sldLayoutId id="2147483653" r:id="rId5"/>
-    <p:sldLayoutId id="2147483654" r:id="rId6"/>
-    <p:sldLayoutId id="2147483655" r:id="rId7"/>
-    <p:sldLayoutId id="2147483656" r:id="rId8"/>
-    <p:sldLayoutId id="2147483657" r:id="rId9"/>
-    <p:sldLayoutId id="2147483658" r:id="rId10"/>
-    <p:sldLayoutId id="2147483659" r:id="rId11"/>
+    <p:sldLayoutId id="2147483769" r:id="rId1"/>
+    <p:sldLayoutId id="2147483770" r:id="rId2"/>
+    <p:sldLayoutId id="2147483771" r:id="rId3"/>
+    <p:sldLayoutId id="2147483772" r:id="rId4"/>
+    <p:sldLayoutId id="2147483773" r:id="rId5"/>
+    <p:sldLayoutId id="2147483774" r:id="rId6"/>
+    <p:sldLayoutId id="2147483775" r:id="rId7"/>
+    <p:sldLayoutId id="2147483776" r:id="rId8"/>
+    <p:sldLayoutId id="2147483777" r:id="rId9"/>
+    <p:sldLayoutId id="2147483778" r:id="rId10"/>
+    <p:sldLayoutId id="2147483779" r:id="rId11"/>
+    <p:sldLayoutId id="2147483780" r:id="rId12"/>
+    <p:sldLayoutId id="2147483781" r:id="rId13"/>
+    <p:sldLayoutId id="2147483782" r:id="rId14"/>
   </p:sldLayoutIdLst>
   <p:txStyles>
     <p:titleStyle>
-      <a:lvl1pPr algn="l" defTabSz="914400" rtl="0" eaLnBrk="1" latinLnBrk="0" hangingPunct="1">
-        <a:lnSpc>
-          <a:spcPct val="90000"/>
-        </a:lnSpc>
+      <a:lvl1pPr algn="l" defTabSz="457200" rtl="0" eaLnBrk="1" latinLnBrk="0" hangingPunct="1">
         <a:spcBef>
           <a:spcPct val="0"/>
         </a:spcBef>
         <a:buNone/>
-        <a:defRPr sz="4400" kern="1200">
+        <a:defRPr sz="4000" b="1" kern="1200">
           <a:solidFill>
-            <a:schemeClr val="tx1"/>
+            <a:srgbClr val="FEFEFE"/>
           </a:solidFill>
           <a:latin typeface="+mj-lt"/>
           <a:ea typeface="+mj-ea"/>
           <a:cs typeface="+mj-cs"/>
         </a:defRPr>
       </a:lvl1pPr>
+      <a:lvl2pPr eaLnBrk="1" hangingPunct="1">
+        <a:defRPr>
+          <a:solidFill>
+            <a:schemeClr val="tx2"/>
+          </a:solidFill>
+        </a:defRPr>
+      </a:lvl2pPr>
+      <a:lvl3pPr eaLnBrk="1" hangingPunct="1">
+        <a:defRPr>
+          <a:solidFill>
+            <a:schemeClr val="tx2"/>
+          </a:solidFill>
+        </a:defRPr>
+      </a:lvl3pPr>
+      <a:lvl4pPr eaLnBrk="1" hangingPunct="1">
+        <a:defRPr>
+          <a:solidFill>
+            <a:schemeClr val="tx2"/>
+          </a:solidFill>
+        </a:defRPr>
+      </a:lvl4pPr>
+      <a:lvl5pPr eaLnBrk="1" hangingPunct="1">
+        <a:defRPr>
+          <a:solidFill>
+            <a:schemeClr val="tx2"/>
+          </a:solidFill>
+        </a:defRPr>
+      </a:lvl5pPr>
+      <a:lvl6pPr eaLnBrk="1" hangingPunct="1">
+        <a:defRPr>
+          <a:solidFill>
+            <a:schemeClr val="tx2"/>
+          </a:solidFill>
+        </a:defRPr>
+      </a:lvl6pPr>
+      <a:lvl7pPr eaLnBrk="1" hangingPunct="1">
+        <a:defRPr>
+          <a:solidFill>
+            <a:schemeClr val="tx2"/>
+          </a:solidFill>
+        </a:defRPr>
+      </a:lvl7pPr>
+      <a:lvl8pPr eaLnBrk="1" hangingPunct="1">
+        <a:defRPr>
+          <a:solidFill>
+            <a:schemeClr val="tx2"/>
+          </a:solidFill>
+        </a:defRPr>
+      </a:lvl8pPr>
+      <a:lvl9pPr eaLnBrk="1" hangingPunct="1">
+        <a:defRPr>
+          <a:solidFill>
+            <a:schemeClr val="tx2"/>
+          </a:solidFill>
+        </a:defRPr>
+      </a:lvl9pPr>
     </p:titleStyle>
     <p:bodyStyle>
-      <a:lvl1pPr marL="228600" indent="-228600" algn="l" defTabSz="914400" rtl="0" eaLnBrk="1" latinLnBrk="0" hangingPunct="1">
-        <a:lnSpc>
-          <a:spcPct val="90000"/>
-        </a:lnSpc>
+      <a:lvl1pPr marL="342900" indent="-342900" algn="l" defTabSz="457200" rtl="0" eaLnBrk="1" latinLnBrk="0" hangingPunct="1">
         <a:spcBef>
-          <a:spcPts val="1000"/>
+          <a:spcPct val="20000"/>
         </a:spcBef>
-        <a:buFont typeface="Arial" panose="020B0604020202020204" pitchFamily="34" charset="0"/>
-        <a:buChar char="•"/>
-        <a:defRPr sz="2800" kern="1200">
+        <a:spcAft>
+          <a:spcPts val="600"/>
+        </a:spcAft>
+        <a:buClr>
+          <a:schemeClr val="accent1"/>
+        </a:buClr>
+        <a:buFont typeface="Wingdings 2" charset="2"/>
+        <a:buChar char=""/>
+        <a:defRPr sz="1800" kern="1200">
           <a:solidFill>
             <a:schemeClr val="tx1"/>
           </a:solidFill>
@@ -3074,16 +5110,19 @@
           <a:cs typeface="+mn-cs"/>
         </a:defRPr>
       </a:lvl1pPr>
-      <a:lvl2pPr marL="685800" indent="-228600" algn="l" defTabSz="914400" rtl="0" eaLnBrk="1" latinLnBrk="0" hangingPunct="1">
-        <a:lnSpc>
-          <a:spcPct val="90000"/>
-        </a:lnSpc>
+      <a:lvl2pPr marL="742950" indent="-285750" algn="l" defTabSz="457200" rtl="0" eaLnBrk="1" latinLnBrk="0" hangingPunct="1">
         <a:spcBef>
-          <a:spcPts val="500"/>
+          <a:spcPct val="20000"/>
         </a:spcBef>
-        <a:buFont typeface="Arial" panose="020B0604020202020204" pitchFamily="34" charset="0"/>
-        <a:buChar char="•"/>
-        <a:defRPr sz="2400" kern="1200">
+        <a:spcAft>
+          <a:spcPts val="600"/>
+        </a:spcAft>
+        <a:buClr>
+          <a:schemeClr val="accent1"/>
+        </a:buClr>
+        <a:buFont typeface="Wingdings 2" charset="2"/>
+        <a:buChar char=""/>
+        <a:defRPr sz="1600" kern="1200">
           <a:solidFill>
             <a:schemeClr val="tx1"/>
           </a:solidFill>
@@ -3092,16 +5131,19 @@
           <a:cs typeface="+mn-cs"/>
         </a:defRPr>
       </a:lvl2pPr>
-      <a:lvl3pPr marL="1143000" indent="-228600" algn="l" defTabSz="914400" rtl="0" eaLnBrk="1" latinLnBrk="0" hangingPunct="1">
-        <a:lnSpc>
-          <a:spcPct val="90000"/>
-        </a:lnSpc>
+      <a:lvl3pPr marL="1143000" indent="-228600" algn="l" defTabSz="457200" rtl="0" eaLnBrk="1" latinLnBrk="0" hangingPunct="1">
         <a:spcBef>
-          <a:spcPts val="500"/>
+          <a:spcPct val="20000"/>
         </a:spcBef>
-        <a:buFont typeface="Arial" panose="020B0604020202020204" pitchFamily="34" charset="0"/>
-        <a:buChar char="•"/>
-        <a:defRPr sz="2000" kern="1200">
+        <a:spcAft>
+          <a:spcPts val="600"/>
+        </a:spcAft>
+        <a:buClr>
+          <a:schemeClr val="accent1"/>
+        </a:buClr>
+        <a:buFont typeface="Wingdings 2" charset="2"/>
+        <a:buChar char=""/>
+        <a:defRPr sz="1400" kern="1200">
           <a:solidFill>
             <a:schemeClr val="tx1"/>
           </a:solidFill>
@@ -3110,16 +5152,19 @@
           <a:cs typeface="+mn-cs"/>
         </a:defRPr>
       </a:lvl3pPr>
-      <a:lvl4pPr marL="1600200" indent="-228600" algn="l" defTabSz="914400" rtl="0" eaLnBrk="1" latinLnBrk="0" hangingPunct="1">
-        <a:lnSpc>
-          <a:spcPct val="90000"/>
-        </a:lnSpc>
+      <a:lvl4pPr marL="1600200" indent="-228600" algn="l" defTabSz="457200" rtl="0" eaLnBrk="1" latinLnBrk="0" hangingPunct="1">
         <a:spcBef>
-          <a:spcPts val="500"/>
+          <a:spcPct val="20000"/>
         </a:spcBef>
-        <a:buFont typeface="Arial" panose="020B0604020202020204" pitchFamily="34" charset="0"/>
-        <a:buChar char="•"/>
-        <a:defRPr sz="1800" kern="1200">
+        <a:spcAft>
+          <a:spcPts val="600"/>
+        </a:spcAft>
+        <a:buClr>
+          <a:schemeClr val="accent1"/>
+        </a:buClr>
+        <a:buFont typeface="Wingdings 2" charset="2"/>
+        <a:buChar char=""/>
+        <a:defRPr sz="1200" kern="1200">
           <a:solidFill>
             <a:schemeClr val="tx1"/>
           </a:solidFill>
@@ -3128,16 +5173,19 @@
           <a:cs typeface="+mn-cs"/>
         </a:defRPr>
       </a:lvl4pPr>
-      <a:lvl5pPr marL="2057400" indent="-228600" algn="l" defTabSz="914400" rtl="0" eaLnBrk="1" latinLnBrk="0" hangingPunct="1">
-        <a:lnSpc>
-          <a:spcPct val="90000"/>
-        </a:lnSpc>
+      <a:lvl5pPr marL="2057400" indent="-228600" algn="l" defTabSz="457200" rtl="0" eaLnBrk="1" latinLnBrk="0" hangingPunct="1">
         <a:spcBef>
-          <a:spcPts val="500"/>
+          <a:spcPct val="20000"/>
         </a:spcBef>
-        <a:buFont typeface="Arial" panose="020B0604020202020204" pitchFamily="34" charset="0"/>
-        <a:buChar char="•"/>
-        <a:defRPr sz="1800" kern="1200">
+        <a:spcAft>
+          <a:spcPts val="600"/>
+        </a:spcAft>
+        <a:buClr>
+          <a:schemeClr val="accent1"/>
+        </a:buClr>
+        <a:buFont typeface="Wingdings 2" charset="2"/>
+        <a:buChar char=""/>
+        <a:defRPr sz="1200" kern="1200">
           <a:solidFill>
             <a:schemeClr val="tx1"/>
           </a:solidFill>
@@ -3146,16 +5194,19 @@
           <a:cs typeface="+mn-cs"/>
         </a:defRPr>
       </a:lvl5pPr>
-      <a:lvl6pPr marL="2514600" indent="-228600" algn="l" defTabSz="914400" rtl="0" eaLnBrk="1" latinLnBrk="0" hangingPunct="1">
-        <a:lnSpc>
-          <a:spcPct val="90000"/>
-        </a:lnSpc>
+      <a:lvl6pPr marL="2400000" indent="-228600" algn="l" defTabSz="457200" rtl="0" eaLnBrk="1" latinLnBrk="0" hangingPunct="1">
         <a:spcBef>
-          <a:spcPts val="500"/>
+          <a:spcPct val="20000"/>
         </a:spcBef>
-        <a:buFont typeface="Arial" panose="020B0604020202020204" pitchFamily="34" charset="0"/>
-        <a:buChar char="•"/>
-        <a:defRPr sz="1800" kern="1200">
+        <a:spcAft>
+          <a:spcPts val="600"/>
+        </a:spcAft>
+        <a:buClr>
+          <a:schemeClr val="accent1"/>
+        </a:buClr>
+        <a:buFont typeface="Wingdings 2" charset="2"/>
+        <a:buChar char=""/>
+        <a:defRPr sz="1200" kern="1200">
           <a:solidFill>
             <a:schemeClr val="tx1"/>
           </a:solidFill>
@@ -3164,16 +5215,19 @@
           <a:cs typeface="+mn-cs"/>
         </a:defRPr>
       </a:lvl6pPr>
-      <a:lvl7pPr marL="2971800" indent="-228600" algn="l" defTabSz="914400" rtl="0" eaLnBrk="1" latinLnBrk="0" hangingPunct="1">
-        <a:lnSpc>
-          <a:spcPct val="90000"/>
-        </a:lnSpc>
+      <a:lvl7pPr marL="2800000" indent="-228600" algn="l" defTabSz="457200" rtl="0" eaLnBrk="1" latinLnBrk="0" hangingPunct="1">
         <a:spcBef>
-          <a:spcPts val="500"/>
+          <a:spcPct val="20000"/>
         </a:spcBef>
-        <a:buFont typeface="Arial" panose="020B0604020202020204" pitchFamily="34" charset="0"/>
-        <a:buChar char="•"/>
-        <a:defRPr sz="1800" kern="1200">
+        <a:spcAft>
+          <a:spcPts val="600"/>
+        </a:spcAft>
+        <a:buClr>
+          <a:schemeClr val="accent1"/>
+        </a:buClr>
+        <a:buFont typeface="Wingdings 2" charset="2"/>
+        <a:buChar char=""/>
+        <a:defRPr sz="1200" kern="1200">
           <a:solidFill>
             <a:schemeClr val="tx1"/>
           </a:solidFill>
@@ -3182,16 +5236,19 @@
           <a:cs typeface="+mn-cs"/>
         </a:defRPr>
       </a:lvl7pPr>
-      <a:lvl8pPr marL="3429000" indent="-228600" algn="l" defTabSz="914400" rtl="0" eaLnBrk="1" latinLnBrk="0" hangingPunct="1">
-        <a:lnSpc>
-          <a:spcPct val="90000"/>
-        </a:lnSpc>
+      <a:lvl8pPr marL="3200000" indent="-228600" algn="l" defTabSz="457200" rtl="0" eaLnBrk="1" latinLnBrk="0" hangingPunct="1">
         <a:spcBef>
-          <a:spcPts val="500"/>
+          <a:spcPct val="20000"/>
         </a:spcBef>
-        <a:buFont typeface="Arial" panose="020B0604020202020204" pitchFamily="34" charset="0"/>
-        <a:buChar char="•"/>
-        <a:defRPr sz="1800" kern="1200">
+        <a:spcAft>
+          <a:spcPts val="600"/>
+        </a:spcAft>
+        <a:buClr>
+          <a:schemeClr val="accent1"/>
+        </a:buClr>
+        <a:buFont typeface="Wingdings 2" charset="2"/>
+        <a:buChar char=""/>
+        <a:defRPr sz="1200" kern="1200">
           <a:solidFill>
             <a:schemeClr val="tx1"/>
           </a:solidFill>
@@ -3200,16 +5257,19 @@
           <a:cs typeface="+mn-cs"/>
         </a:defRPr>
       </a:lvl8pPr>
-      <a:lvl9pPr marL="3886200" indent="-228600" algn="l" defTabSz="914400" rtl="0" eaLnBrk="1" latinLnBrk="0" hangingPunct="1">
-        <a:lnSpc>
-          <a:spcPct val="90000"/>
-        </a:lnSpc>
+      <a:lvl9pPr marL="3600000" indent="-228600" algn="l" defTabSz="457200" rtl="0" eaLnBrk="1" latinLnBrk="0" hangingPunct="1">
         <a:spcBef>
-          <a:spcPts val="500"/>
+          <a:spcPct val="20000"/>
         </a:spcBef>
-        <a:buFont typeface="Arial" panose="020B0604020202020204" pitchFamily="34" charset="0"/>
-        <a:buChar char="•"/>
-        <a:defRPr sz="1800" kern="1200">
+        <a:spcAft>
+          <a:spcPts val="600"/>
+        </a:spcAft>
+        <a:buClr>
+          <a:schemeClr val="accent1"/>
+        </a:buClr>
+        <a:buFont typeface="Wingdings 2" charset="2"/>
+        <a:buChar char=""/>
+        <a:defRPr sz="1200" kern="1200">
           <a:solidFill>
             <a:schemeClr val="tx1"/>
           </a:solidFill>
@@ -3223,7 +5283,7 @@
       <a:defPPr>
         <a:defRPr lang="en-US"/>
       </a:defPPr>
-      <a:lvl1pPr marL="0" algn="l" defTabSz="914400" rtl="0" eaLnBrk="1" latinLnBrk="0" hangingPunct="1">
+      <a:lvl1pPr marL="0" algn="l" defTabSz="457200" rtl="0" eaLnBrk="1" latinLnBrk="0" hangingPunct="1">
         <a:defRPr sz="1800" kern="1200">
           <a:solidFill>
             <a:schemeClr val="tx1"/>
@@ -3233,7 +5293,7 @@
           <a:cs typeface="+mn-cs"/>
         </a:defRPr>
       </a:lvl1pPr>
-      <a:lvl2pPr marL="457200" algn="l" defTabSz="914400" rtl="0" eaLnBrk="1" latinLnBrk="0" hangingPunct="1">
+      <a:lvl2pPr marL="457200" algn="l" defTabSz="457200" rtl="0" eaLnBrk="1" latinLnBrk="0" hangingPunct="1">
         <a:defRPr sz="1800" kern="1200">
           <a:solidFill>
             <a:schemeClr val="tx1"/>
@@ -3243,7 +5303,7 @@
           <a:cs typeface="+mn-cs"/>
         </a:defRPr>
       </a:lvl2pPr>
-      <a:lvl3pPr marL="914400" algn="l" defTabSz="914400" rtl="0" eaLnBrk="1" latinLnBrk="0" hangingPunct="1">
+      <a:lvl3pPr marL="914400" algn="l" defTabSz="457200" rtl="0" eaLnBrk="1" latinLnBrk="0" hangingPunct="1">
         <a:defRPr sz="1800" kern="1200">
           <a:solidFill>
             <a:schemeClr val="tx1"/>
@@ -3253,7 +5313,7 @@
           <a:cs typeface="+mn-cs"/>
         </a:defRPr>
       </a:lvl3pPr>
-      <a:lvl4pPr marL="1371600" algn="l" defTabSz="914400" rtl="0" eaLnBrk="1" latinLnBrk="0" hangingPunct="1">
+      <a:lvl4pPr marL="1371600" algn="l" defTabSz="457200" rtl="0" eaLnBrk="1" latinLnBrk="0" hangingPunct="1">
         <a:defRPr sz="1800" kern="1200">
           <a:solidFill>
             <a:schemeClr val="tx1"/>
@@ -3263,7 +5323,7 @@
           <a:cs typeface="+mn-cs"/>
         </a:defRPr>
       </a:lvl4pPr>
-      <a:lvl5pPr marL="1828800" algn="l" defTabSz="914400" rtl="0" eaLnBrk="1" latinLnBrk="0" hangingPunct="1">
+      <a:lvl5pPr marL="1828800" algn="l" defTabSz="457200" rtl="0" eaLnBrk="1" latinLnBrk="0" hangingPunct="1">
         <a:defRPr sz="1800" kern="1200">
           <a:solidFill>
             <a:schemeClr val="tx1"/>
@@ -3273,7 +5333,7 @@
           <a:cs typeface="+mn-cs"/>
         </a:defRPr>
       </a:lvl5pPr>
-      <a:lvl6pPr marL="2286000" algn="l" defTabSz="914400" rtl="0" eaLnBrk="1" latinLnBrk="0" hangingPunct="1">
+      <a:lvl6pPr marL="2286000" algn="l" defTabSz="457200" rtl="0" eaLnBrk="1" latinLnBrk="0" hangingPunct="1">
         <a:defRPr sz="1800" kern="1200">
           <a:solidFill>
             <a:schemeClr val="tx1"/>
@@ -3283,7 +5343,7 @@
           <a:cs typeface="+mn-cs"/>
         </a:defRPr>
       </a:lvl6pPr>
-      <a:lvl7pPr marL="2743200" algn="l" defTabSz="914400" rtl="0" eaLnBrk="1" latinLnBrk="0" hangingPunct="1">
+      <a:lvl7pPr marL="2743200" algn="l" defTabSz="457200" rtl="0" eaLnBrk="1" latinLnBrk="0" hangingPunct="1">
         <a:defRPr sz="1800" kern="1200">
           <a:solidFill>
             <a:schemeClr val="tx1"/>
@@ -3293,7 +5353,7 @@
           <a:cs typeface="+mn-cs"/>
         </a:defRPr>
       </a:lvl7pPr>
-      <a:lvl8pPr marL="3200400" algn="l" defTabSz="914400" rtl="0" eaLnBrk="1" latinLnBrk="0" hangingPunct="1">
+      <a:lvl8pPr marL="3200400" algn="l" defTabSz="457200" rtl="0" eaLnBrk="1" latinLnBrk="0" hangingPunct="1">
         <a:defRPr sz="1800" kern="1200">
           <a:solidFill>
             <a:schemeClr val="tx1"/>
@@ -3303,7 +5363,7 @@
           <a:cs typeface="+mn-cs"/>
         </a:defRPr>
       </a:lvl8pPr>
-      <a:lvl9pPr marL="3657600" algn="l" defTabSz="914400" rtl="0" eaLnBrk="1" latinLnBrk="0" hangingPunct="1">
+      <a:lvl9pPr marL="3657600" algn="l" defTabSz="457200" rtl="0" eaLnBrk="1" latinLnBrk="0" hangingPunct="1">
         <a:defRPr sz="1800" kern="1200">
           <a:solidFill>
             <a:schemeClr val="tx1"/>
@@ -3343,66 +5403,6 @@
           <a:chExt cx="0" cy="0"/>
         </a:xfrm>
       </p:grpSpPr>
-      <p:sp useBgFill="1">
-        <p:nvSpPr>
-          <p:cNvPr id="27" name="Rectangle 26">
-            <a:extLst>
-              <a:ext uri="{FF2B5EF4-FFF2-40B4-BE49-F238E27FC236}">
-                <a16:creationId xmlns:a16="http://schemas.microsoft.com/office/drawing/2014/main" id="{6C9ECD1F-1B32-4E48-9736-A1BC9A3237E0}"/>
-              </a:ext>
-              <a:ext uri="{C183D7F6-B498-43B3-948B-1728B52AA6E4}">
-                <adec:decorative xmlns:adec="http://schemas.microsoft.com/office/drawing/2017/decorative" val="1"/>
-              </a:ext>
-            </a:extLst>
-          </p:cNvPr>
-          <p:cNvSpPr>
-            <a:spLocks noGrp="1" noRot="1" noChangeAspect="1" noMove="1" noResize="1" noEditPoints="1" noAdjustHandles="1" noChangeArrowheads="1" noChangeShapeType="1" noTextEdit="1"/>
-          </p:cNvSpPr>
-          <p:nvPr>
-            <p:extLst>
-              <p:ext uri="{386F3935-93C4-4BCD-93E2-E3B085C9AB24}">
-                <p16:designElem xmlns:p16="http://schemas.microsoft.com/office/powerpoint/2015/main" val="1"/>
-              </p:ext>
-            </p:extLst>
-          </p:nvPr>
-        </p:nvSpPr>
-        <p:spPr>
-          <a:xfrm>
-            <a:off x="0" y="0"/>
-            <a:ext cx="12191999" cy="6857365"/>
-          </a:xfrm>
-          <a:prstGeom prst="rect">
-            <a:avLst/>
-          </a:prstGeom>
-          <a:ln>
-            <a:noFill/>
-          </a:ln>
-        </p:spPr>
-        <p:style>
-          <a:lnRef idx="2">
-            <a:schemeClr val="accent1">
-              <a:shade val="50000"/>
-            </a:schemeClr>
-          </a:lnRef>
-          <a:fillRef idx="1">
-            <a:schemeClr val="accent1"/>
-          </a:fillRef>
-          <a:effectRef idx="0">
-            <a:schemeClr val="accent1"/>
-          </a:effectRef>
-          <a:fontRef idx="minor">
-            <a:schemeClr val="lt1"/>
-          </a:fontRef>
-        </p:style>
-        <p:txBody>
-          <a:bodyPr rtlCol="0" anchor="ctr"/>
-          <a:lstStyle/>
-          <a:p>
-            <a:pPr algn="ctr"/>
-            <a:endParaRPr lang="en-US"/>
-          </a:p>
-        </p:txBody>
-      </p:sp>
       <p:sp>
         <p:nvSpPr>
           <p:cNvPr id="2" name="Title 1">
@@ -3421,8 +5421,8 @@
         </p:nvSpPr>
         <p:spPr>
           <a:xfrm>
-            <a:off x="454467" y="2023110"/>
-            <a:ext cx="2469624" cy="2846070"/>
+            <a:off x="6248777" y="5019869"/>
+            <a:ext cx="5806374" cy="1743424"/>
           </a:xfrm>
         </p:spPr>
         <p:txBody>
@@ -3431,9 +5431,9 @@
           </a:bodyPr>
           <a:lstStyle/>
           <a:p>
-            <a:pPr algn="l"/>
-            <a:r>
-              <a:rPr lang="en-US" sz="3100"/>
+            <a:pPr algn="r"/>
+            <a:r>
+              <a:rPr lang="en-US" sz="4800" dirty="0"/>
               <a:t>EncryptNotes</a:t>
             </a:r>
           </a:p>
@@ -3463,225 +5463,30 @@
         </p:spPr>
         <p:txBody>
           <a:bodyPr>
-            <a:normAutofit/>
+            <a:normAutofit fontScale="92500" lnSpcReduction="10000"/>
           </a:bodyPr>
           <a:lstStyle/>
           <a:p>
             <a:pPr algn="l"/>
             <a:r>
-              <a:rPr lang="en-US" sz="1500"/>
+              <a:rPr lang="en-US" sz="1800" b="1"/>
               <a:t>Phase 3</a:t>
             </a:r>
           </a:p>
           <a:p>
             <a:pPr algn="l"/>
             <a:r>
-              <a:rPr lang="en-US" sz="1500"/>
+              <a:rPr lang="en-US" sz="1500" i="1"/>
               <a:t>Team 2</a:t>
             </a:r>
           </a:p>
           <a:p>
             <a:pPr algn="l"/>
             <a:r>
-              <a:rPr lang="en-US" sz="1500"/>
+              <a:rPr lang="en-US" sz="1500" i="1"/>
               <a:t>Duncan, Kurejake, Jacob, Grant, Kaden</a:t>
             </a:r>
-          </a:p>
-        </p:txBody>
-      </p:sp>
-      <p:sp>
-        <p:nvSpPr>
-          <p:cNvPr id="29" name="Rectangle 28">
-            <a:extLst>
-              <a:ext uri="{FF2B5EF4-FFF2-40B4-BE49-F238E27FC236}">
-                <a16:creationId xmlns:a16="http://schemas.microsoft.com/office/drawing/2014/main" id="{90F533E9-6690-41A8-A372-4C6C622D028D}"/>
-              </a:ext>
-              <a:ext uri="{C183D7F6-B498-43B3-948B-1728B52AA6E4}">
-                <adec:decorative xmlns:adec="http://schemas.microsoft.com/office/drawing/2017/decorative" val="1"/>
-              </a:ext>
-            </a:extLst>
-          </p:cNvPr>
-          <p:cNvSpPr>
-            <a:spLocks noGrp="1" noRot="1" noChangeAspect="1" noMove="1" noResize="1" noEditPoints="1" noAdjustHandles="1" noChangeArrowheads="1" noChangeShapeType="1" noTextEdit="1"/>
-          </p:cNvSpPr>
-          <p:nvPr>
-            <p:extLst>
-              <p:ext uri="{386F3935-93C4-4BCD-93E2-E3B085C9AB24}">
-                <p16:designElem xmlns:p16="http://schemas.microsoft.com/office/powerpoint/2015/main" val="1"/>
-              </p:ext>
-            </p:extLst>
-          </p:nvPr>
-        </p:nvSpPr>
-        <p:spPr>
-          <a:xfrm rot="5400000">
-            <a:off x="2522480" y="3392097"/>
-            <a:ext cx="1719072" cy="152382"/>
-          </a:xfrm>
-          <a:prstGeom prst="rect">
-            <a:avLst/>
-          </a:prstGeom>
-          <a:solidFill>
-            <a:schemeClr val="accent4"/>
-          </a:solidFill>
-          <a:ln>
-            <a:noFill/>
-          </a:ln>
-        </p:spPr>
-        <p:style>
-          <a:lnRef idx="2">
-            <a:schemeClr val="accent1">
-              <a:shade val="50000"/>
-            </a:schemeClr>
-          </a:lnRef>
-          <a:fillRef idx="1">
-            <a:schemeClr val="accent1"/>
-          </a:fillRef>
-          <a:effectRef idx="0">
-            <a:schemeClr val="accent1"/>
-          </a:effectRef>
-          <a:fontRef idx="minor">
-            <a:schemeClr val="lt1"/>
-          </a:fontRef>
-        </p:style>
-        <p:txBody>
-          <a:bodyPr rtlCol="0" anchor="ctr"/>
-          <a:lstStyle/>
-          <a:p>
-            <a:pPr algn="ctr"/>
-            <a:endParaRPr lang="en-US"/>
-          </a:p>
-        </p:txBody>
-      </p:sp>
-      <p:sp>
-        <p:nvSpPr>
-          <p:cNvPr id="31" name="Rectangle 30">
-            <a:extLst>
-              <a:ext uri="{FF2B5EF4-FFF2-40B4-BE49-F238E27FC236}">
-                <a16:creationId xmlns:a16="http://schemas.microsoft.com/office/drawing/2014/main" id="{99413ED5-9ED4-4772-BCE4-2BCAE6B12E35}"/>
-              </a:ext>
-              <a:ext uri="{C183D7F6-B498-43B3-948B-1728B52AA6E4}">
-                <adec:decorative xmlns:adec="http://schemas.microsoft.com/office/drawing/2017/decorative" val="1"/>
-              </a:ext>
-            </a:extLst>
-          </p:cNvPr>
-          <p:cNvSpPr>
-            <a:spLocks noGrp="1" noRot="1" noChangeAspect="1" noMove="1" noResize="1" noEditPoints="1" noAdjustHandles="1" noChangeArrowheads="1" noChangeShapeType="1" noTextEdit="1"/>
-          </p:cNvSpPr>
-          <p:nvPr>
-            <p:extLst>
-              <p:ext uri="{386F3935-93C4-4BCD-93E2-E3B085C9AB24}">
-                <p16:designElem xmlns:p16="http://schemas.microsoft.com/office/powerpoint/2015/main" val="1"/>
-              </p:ext>
-            </p:extLst>
-          </p:nvPr>
-        </p:nvSpPr>
-        <p:spPr>
-          <a:xfrm rot="16200000">
-            <a:off x="7042549" y="-827233"/>
-            <a:ext cx="1715478" cy="8583421"/>
-          </a:xfrm>
-          <a:prstGeom prst="rect">
-            <a:avLst/>
-          </a:prstGeom>
-          <a:solidFill>
-            <a:schemeClr val="accent4"/>
-          </a:solidFill>
-          <a:ln>
-            <a:noFill/>
-          </a:ln>
-        </p:spPr>
-        <p:style>
-          <a:lnRef idx="2">
-            <a:schemeClr val="accent1">
-              <a:shade val="50000"/>
-            </a:schemeClr>
-          </a:lnRef>
-          <a:fillRef idx="1">
-            <a:schemeClr val="accent1"/>
-          </a:fillRef>
-          <a:effectRef idx="0">
-            <a:schemeClr val="accent1"/>
-          </a:effectRef>
-          <a:fontRef idx="minor">
-            <a:schemeClr val="lt1"/>
-          </a:fontRef>
-        </p:style>
-        <p:txBody>
-          <a:bodyPr rtlCol="0" anchor="ctr"/>
-          <a:lstStyle/>
-          <a:p>
-            <a:pPr algn="ctr"/>
-            <a:endParaRPr lang="en-US" dirty="0"/>
-          </a:p>
-        </p:txBody>
-      </p:sp>
-      <p:sp>
-        <p:nvSpPr>
-          <p:cNvPr id="33" name="Rectangle 32">
-            <a:extLst>
-              <a:ext uri="{FF2B5EF4-FFF2-40B4-BE49-F238E27FC236}">
-                <a16:creationId xmlns:a16="http://schemas.microsoft.com/office/drawing/2014/main" id="{04357C93-F0CB-4A1C-8F77-4E9063789819}"/>
-              </a:ext>
-              <a:ext uri="{C183D7F6-B498-43B3-948B-1728B52AA6E4}">
-                <adec:decorative xmlns:adec="http://schemas.microsoft.com/office/drawing/2017/decorative" val="1"/>
-              </a:ext>
-            </a:extLst>
-          </p:cNvPr>
-          <p:cNvSpPr>
-            <a:spLocks noGrp="1" noRot="1" noChangeAspect="1" noMove="1" noResize="1" noEditPoints="1" noAdjustHandles="1" noChangeArrowheads="1" noChangeShapeType="1" noTextEdit="1"/>
-          </p:cNvSpPr>
-          <p:nvPr>
-            <p:extLst>
-              <p:ext uri="{386F3935-93C4-4BCD-93E2-E3B085C9AB24}">
-                <p16:designElem xmlns:p16="http://schemas.microsoft.com/office/powerpoint/2015/main" val="1"/>
-              </p:ext>
-            </p:extLst>
-          </p:nvPr>
-        </p:nvSpPr>
-        <p:spPr>
-          <a:xfrm>
-            <a:off x="3807283" y="664308"/>
-            <a:ext cx="8082632" cy="5600340"/>
-          </a:xfrm>
-          <a:prstGeom prst="rect">
-            <a:avLst/>
-          </a:prstGeom>
-          <a:solidFill>
-            <a:schemeClr val="bg1"/>
-          </a:solidFill>
-          <a:ln>
-            <a:noFill/>
-          </a:ln>
-          <a:effectLst>
-            <a:outerShdw blurRad="139700" dist="127000" dir="5400000" algn="t" rotWithShape="0">
-              <a:prstClr val="black">
-                <a:alpha val="15000"/>
-              </a:prstClr>
-            </a:outerShdw>
-          </a:effectLst>
-        </p:spPr>
-        <p:style>
-          <a:lnRef idx="2">
-            <a:schemeClr val="accent1">
-              <a:shade val="50000"/>
-            </a:schemeClr>
-          </a:lnRef>
-          <a:fillRef idx="1">
-            <a:schemeClr val="accent1"/>
-          </a:fillRef>
-          <a:effectRef idx="0">
-            <a:schemeClr val="accent1"/>
-          </a:effectRef>
-          <a:fontRef idx="minor">
-            <a:schemeClr val="lt1"/>
-          </a:fontRef>
-        </p:style>
-        <p:txBody>
-          <a:bodyPr rtlCol="0" anchor="ctr"/>
-          <a:lstStyle/>
-          <a:p>
-            <a:pPr algn="ctr"/>
-            <a:endParaRPr lang="en-US"/>
+            <a:endParaRPr lang="en-US" sz="1500" i="1" dirty="0"/>
           </a:p>
         </p:txBody>
       </p:sp>
@@ -3712,7 +5517,7 @@
         </p:blipFill>
         <p:spPr>
           <a:xfrm>
-            <a:off x="3929561" y="883463"/>
+            <a:off x="508306" y="226679"/>
             <a:ext cx="3721608" cy="2542032"/>
           </a:xfrm>
           <a:prstGeom prst="rect">
@@ -3747,7 +5552,7 @@
         </p:blipFill>
         <p:spPr>
           <a:xfrm>
-            <a:off x="7910946" y="883463"/>
+            <a:off x="6278155" y="227790"/>
             <a:ext cx="3719192" cy="2542032"/>
           </a:xfrm>
           <a:prstGeom prst="rect">
@@ -3782,7 +5587,7 @@
         </p:blipFill>
         <p:spPr>
           <a:xfrm>
-            <a:off x="4054251" y="3548348"/>
+            <a:off x="1860402" y="1846569"/>
             <a:ext cx="3721608" cy="2542032"/>
           </a:xfrm>
           <a:prstGeom prst="rect">
@@ -3817,7 +5622,7 @@
         </p:blipFill>
         <p:spPr>
           <a:xfrm>
-            <a:off x="7916372" y="3548347"/>
+            <a:off x="7729760" y="1921214"/>
             <a:ext cx="3719192" cy="2542032"/>
           </a:xfrm>
           <a:prstGeom prst="rect">
@@ -4105,86 +5910,6 @@
 </p:sld>
 </file>
 
-<file path=ppt/slides/slide10.xml><?xml version="1.0" encoding="utf-8"?>
-<p:sld xmlns:a="http://schemas.openxmlformats.org/drawingml/2006/main" xmlns:r="http://schemas.openxmlformats.org/officeDocument/2006/relationships" xmlns:p="http://schemas.openxmlformats.org/presentationml/2006/main">
-  <p:cSld>
-    <p:spTree>
-      <p:nvGrpSpPr>
-        <p:cNvPr id="1" name=""/>
-        <p:cNvGrpSpPr/>
-        <p:nvPr/>
-      </p:nvGrpSpPr>
-      <p:grpSpPr>
-        <a:xfrm>
-          <a:off x="0" y="0"/>
-          <a:ext cx="0" cy="0"/>
-          <a:chOff x="0" y="0"/>
-          <a:chExt cx="0" cy="0"/>
-        </a:xfrm>
-      </p:grpSpPr>
-      <p:sp>
-        <p:nvSpPr>
-          <p:cNvPr id="2" name="Title 1">
-            <a:extLst>
-              <a:ext uri="{FF2B5EF4-FFF2-40B4-BE49-F238E27FC236}">
-                <a16:creationId xmlns:a16="http://schemas.microsoft.com/office/drawing/2014/main" id="{90F3D1FD-D180-4A52-1355-EE849FD62CA3}"/>
-              </a:ext>
-            </a:extLst>
-          </p:cNvPr>
-          <p:cNvSpPr>
-            <a:spLocks noGrp="1"/>
-          </p:cNvSpPr>
-          <p:nvPr>
-            <p:ph type="title"/>
-          </p:nvPr>
-        </p:nvSpPr>
-        <p:spPr/>
-        <p:txBody>
-          <a:bodyPr/>
-          <a:lstStyle/>
-          <a:p>
-            <a:endParaRPr lang="en-US"/>
-          </a:p>
-        </p:txBody>
-      </p:sp>
-      <p:sp>
-        <p:nvSpPr>
-          <p:cNvPr id="3" name="Content Placeholder 2">
-            <a:extLst>
-              <a:ext uri="{FF2B5EF4-FFF2-40B4-BE49-F238E27FC236}">
-                <a16:creationId xmlns:a16="http://schemas.microsoft.com/office/drawing/2014/main" id="{60E2E708-0711-8A92-C3BC-A1D5A62FCC16}"/>
-              </a:ext>
-            </a:extLst>
-          </p:cNvPr>
-          <p:cNvSpPr>
-            <a:spLocks noGrp="1"/>
-          </p:cNvSpPr>
-          <p:nvPr>
-            <p:ph idx="1"/>
-          </p:nvPr>
-        </p:nvSpPr>
-        <p:spPr/>
-        <p:txBody>
-          <a:bodyPr/>
-          <a:lstStyle/>
-          <a:p>
-            <a:endParaRPr lang="en-US"/>
-          </a:p>
-        </p:txBody>
-      </p:sp>
-    </p:spTree>
-    <p:extLst>
-      <p:ext uri="{BB962C8B-B14F-4D97-AF65-F5344CB8AC3E}">
-        <p14:creationId xmlns:p14="http://schemas.microsoft.com/office/powerpoint/2010/main" val="882423100"/>
-      </p:ext>
-    </p:extLst>
-  </p:cSld>
-  <p:clrMapOvr>
-    <a:masterClrMapping/>
-  </p:clrMapOvr>
-</p:sld>
-</file>
-
 <file path=ppt/slides/slide2.xml><?xml version="1.0" encoding="utf-8"?>
 <p:sld xmlns:a="http://schemas.openxmlformats.org/drawingml/2006/main" xmlns:r="http://schemas.openxmlformats.org/officeDocument/2006/relationships" xmlns:p="http://schemas.openxmlformats.org/presentationml/2006/main">
   <p:cSld>
@@ -4418,6 +6143,14 @@
 <file path=ppt/slides/slide4.xml><?xml version="1.0" encoding="utf-8"?>
 <p:sld xmlns:a="http://schemas.openxmlformats.org/drawingml/2006/main" xmlns:r="http://schemas.openxmlformats.org/officeDocument/2006/relationships" xmlns:p="http://schemas.openxmlformats.org/presentationml/2006/main">
   <p:cSld>
+    <p:bg>
+      <p:bgPr>
+        <a:solidFill>
+          <a:schemeClr val="bg2"/>
+        </a:solidFill>
+        <a:effectLst/>
+      </p:bgPr>
+    </p:bg>
     <p:spTree>
       <p:nvGrpSpPr>
         <p:cNvPr id="1" name=""/>
@@ -4448,21 +6181,31 @@
             <p:ph type="title"/>
           </p:nvPr>
         </p:nvSpPr>
-        <p:spPr/>
-        <p:txBody>
-          <a:bodyPr/>
-          <a:lstStyle/>
-          <a:p>
-            <a:endParaRPr lang="en-US"/>
-          </a:p>
-        </p:txBody>
-      </p:sp>
-      <p:sp>
-        <p:nvSpPr>
-          <p:cNvPr id="3" name="Content Placeholder 2">
+        <p:spPr>
+          <a:xfrm>
+            <a:off x="810000" y="447188"/>
+            <a:ext cx="10571998" cy="970450"/>
+          </a:xfrm>
+        </p:spPr>
+        <p:txBody>
+          <a:bodyPr>
+            <a:normAutofit/>
+          </a:bodyPr>
+          <a:lstStyle/>
+          <a:p>
+            <a:r>
+              <a:rPr lang="en-US" dirty="0"/>
+              <a:t>Data Flow</a:t>
+            </a:r>
+          </a:p>
+        </p:txBody>
+      </p:sp>
+      <p:sp>
+        <p:nvSpPr>
+          <p:cNvPr id="9" name="Content Placeholder 8">
             <a:extLst>
               <a:ext uri="{FF2B5EF4-FFF2-40B4-BE49-F238E27FC236}">
-                <a16:creationId xmlns:a16="http://schemas.microsoft.com/office/drawing/2014/main" id="{AE708FF4-25A6-2577-6C0F-CF95826B2AB4}"/>
+                <a16:creationId xmlns:a16="http://schemas.microsoft.com/office/drawing/2014/main" id="{EDFDE4E0-69EC-C805-0896-96BC2ACB8044}"/>
               </a:ext>
             </a:extLst>
           </p:cNvPr>
@@ -4473,15 +6216,87 @@
             <p:ph idx="1"/>
           </p:nvPr>
         </p:nvSpPr>
-        <p:spPr/>
-        <p:txBody>
-          <a:bodyPr/>
-          <a:lstStyle/>
-          <a:p>
-            <a:endParaRPr lang="en-US"/>
-          </a:p>
-        </p:txBody>
-      </p:sp>
+        <p:spPr>
+          <a:xfrm>
+            <a:off x="818713" y="2413000"/>
+            <a:ext cx="3835583" cy="3632200"/>
+          </a:xfrm>
+        </p:spPr>
+        <p:txBody>
+          <a:bodyPr>
+            <a:normAutofit/>
+          </a:bodyPr>
+          <a:lstStyle/>
+          <a:p>
+            <a:r>
+              <a:rPr lang="en-US" sz="1600" dirty="0"/>
+              <a:t>This show two levels of the data flow or structure in the EncryptNotes</a:t>
+            </a:r>
+          </a:p>
+          <a:p>
+            <a:r>
+              <a:rPr lang="en-US" sz="1600" dirty="0"/>
+              <a:t>The first layer is the main one, where the core components share and send information</a:t>
+            </a:r>
+          </a:p>
+          <a:p>
+            <a:r>
+              <a:rPr lang="en-US" sz="1600" dirty="0"/>
+              <a:t>Sending commands or updates to each other</a:t>
+            </a:r>
+          </a:p>
+          <a:p>
+            <a:r>
+              <a:rPr lang="en-US" sz="1600" dirty="0"/>
+              <a:t>Then the second layer is a further look a how the data flows, from server to database and website to notes </a:t>
+            </a:r>
+          </a:p>
+        </p:txBody>
+      </p:sp>
+      <p:pic>
+        <p:nvPicPr>
+          <p:cNvPr id="5" name="Content Placeholder 4" descr="A diagram of a diagram of a red cube&#10;&#10;AI-generated content may be incorrect.">
+            <a:extLst>
+              <a:ext uri="{FF2B5EF4-FFF2-40B4-BE49-F238E27FC236}">
+                <a16:creationId xmlns:a16="http://schemas.microsoft.com/office/drawing/2014/main" id="{F098D95E-4B6F-EAA1-58BE-152E60E34153}"/>
+              </a:ext>
+            </a:extLst>
+          </p:cNvPr>
+          <p:cNvPicPr>
+            <a:picLocks noChangeAspect="1"/>
+          </p:cNvPicPr>
+          <p:nvPr/>
+        </p:nvPicPr>
+        <p:blipFill>
+          <a:blip r:embed="rId2">
+            <a:extLst>
+              <a:ext uri="{28A0092B-C50C-407E-A947-70E740481C1C}">
+                <a14:useLocalDpi xmlns:a14="http://schemas.microsoft.com/office/drawing/2010/main" val="0"/>
+              </a:ext>
+            </a:extLst>
+          </a:blip>
+          <a:stretch>
+            <a:fillRect/>
+          </a:stretch>
+        </p:blipFill>
+        <p:spPr>
+          <a:xfrm>
+            <a:off x="4889091" y="2413000"/>
+            <a:ext cx="7052817" cy="3632200"/>
+          </a:xfrm>
+          <a:prstGeom prst="roundRect">
+            <a:avLst>
+              <a:gd name="adj" fmla="val 3876"/>
+            </a:avLst>
+          </a:prstGeom>
+          <a:ln>
+            <a:solidFill>
+              <a:schemeClr val="accent1"/>
+            </a:solidFill>
+          </a:ln>
+          <a:effectLst/>
+        </p:spPr>
+      </p:pic>
     </p:spTree>
     <p:extLst>
       <p:ext uri="{BB962C8B-B14F-4D97-AF65-F5344CB8AC3E}">
@@ -4498,6 +6313,14 @@
 <file path=ppt/slides/slide5.xml><?xml version="1.0" encoding="utf-8"?>
 <p:sld xmlns:a="http://schemas.openxmlformats.org/drawingml/2006/main" xmlns:r="http://schemas.openxmlformats.org/officeDocument/2006/relationships" xmlns:p="http://schemas.openxmlformats.org/presentationml/2006/main">
   <p:cSld>
+    <p:bg>
+      <p:bgPr>
+        <a:solidFill>
+          <a:schemeClr val="bg2"/>
+        </a:solidFill>
+        <a:effectLst/>
+      </p:bgPr>
+    </p:bg>
     <p:spTree>
       <p:nvGrpSpPr>
         <p:cNvPr id="1" name=""/>
@@ -4528,21 +6351,31 @@
             <p:ph type="title"/>
           </p:nvPr>
         </p:nvSpPr>
-        <p:spPr/>
-        <p:txBody>
-          <a:bodyPr/>
-          <a:lstStyle/>
-          <a:p>
-            <a:endParaRPr lang="en-US"/>
-          </a:p>
-        </p:txBody>
-      </p:sp>
-      <p:sp>
-        <p:nvSpPr>
-          <p:cNvPr id="3" name="Content Placeholder 2">
+        <p:spPr>
+          <a:xfrm>
+            <a:off x="810000" y="447188"/>
+            <a:ext cx="10571998" cy="970450"/>
+          </a:xfrm>
+        </p:spPr>
+        <p:txBody>
+          <a:bodyPr>
+            <a:normAutofit/>
+          </a:bodyPr>
+          <a:lstStyle/>
+          <a:p>
+            <a:r>
+              <a:rPr lang="en-US" dirty="0"/>
+              <a:t>Entity Relationships</a:t>
+            </a:r>
+          </a:p>
+        </p:txBody>
+      </p:sp>
+      <p:sp>
+        <p:nvSpPr>
+          <p:cNvPr id="9" name="Content Placeholder 8">
             <a:extLst>
               <a:ext uri="{FF2B5EF4-FFF2-40B4-BE49-F238E27FC236}">
-                <a16:creationId xmlns:a16="http://schemas.microsoft.com/office/drawing/2014/main" id="{556BD9ED-FAAB-A918-1AB4-CFE072CFE441}"/>
+                <a16:creationId xmlns:a16="http://schemas.microsoft.com/office/drawing/2014/main" id="{0D773CB1-E947-0489-B0C4-0C984D726D59}"/>
               </a:ext>
             </a:extLst>
           </p:cNvPr>
@@ -4553,12 +6386,119 @@
             <p:ph idx="1"/>
           </p:nvPr>
         </p:nvSpPr>
-        <p:spPr/>
-        <p:txBody>
-          <a:bodyPr/>
-          <a:lstStyle/>
-          <a:p>
-            <a:endParaRPr lang="en-US"/>
+        <p:spPr>
+          <a:xfrm>
+            <a:off x="818713" y="2413000"/>
+            <a:ext cx="3835583" cy="3632200"/>
+          </a:xfrm>
+        </p:spPr>
+        <p:txBody>
+          <a:bodyPr>
+            <a:normAutofit/>
+          </a:bodyPr>
+          <a:lstStyle/>
+          <a:p>
+            <a:r>
+              <a:rPr lang="en-US" sz="1600" dirty="0"/>
+              <a:t>Our Database contains information of Users and Notes</a:t>
+            </a:r>
+          </a:p>
+          <a:p>
+            <a:r>
+              <a:rPr lang="en-US" sz="1600" dirty="0"/>
+              <a:t>In the Database sections or tables are divide up into two</a:t>
+            </a:r>
+          </a:p>
+          <a:p>
+            <a:r>
+              <a:rPr lang="en-US" sz="1600" dirty="0"/>
+              <a:t>Firstly One for User information like Username, Password, Email, Etc.</a:t>
+            </a:r>
+          </a:p>
+          <a:p>
+            <a:r>
+              <a:rPr lang="en-US" sz="1600" dirty="0"/>
+              <a:t>Secondly, one for Notes information like Note # (first, second and so forth), Note Content, Note Title, Etc.</a:t>
+            </a:r>
+          </a:p>
+        </p:txBody>
+      </p:sp>
+      <p:pic>
+        <p:nvPicPr>
+          <p:cNvPr id="5" name="Content Placeholder 4" descr="A diagram of a computer&#10;&#10;AI-generated content may be incorrect.">
+            <a:extLst>
+              <a:ext uri="{FF2B5EF4-FFF2-40B4-BE49-F238E27FC236}">
+                <a16:creationId xmlns:a16="http://schemas.microsoft.com/office/drawing/2014/main" id="{278E0FF6-A803-7CA6-228D-1F7C0613268E}"/>
+              </a:ext>
+            </a:extLst>
+          </p:cNvPr>
+          <p:cNvPicPr>
+            <a:picLocks noChangeAspect="1"/>
+          </p:cNvPicPr>
+          <p:nvPr/>
+        </p:nvPicPr>
+        <p:blipFill>
+          <a:blip r:embed="rId2">
+            <a:extLst>
+              <a:ext uri="{28A0092B-C50C-407E-A947-70E740481C1C}">
+                <a14:useLocalDpi xmlns:a14="http://schemas.microsoft.com/office/drawing/2010/main" val="0"/>
+              </a:ext>
+            </a:extLst>
+          </a:blip>
+          <a:stretch>
+            <a:fillRect/>
+          </a:stretch>
+        </p:blipFill>
+        <p:spPr>
+          <a:xfrm>
+            <a:off x="5496448" y="2413000"/>
+            <a:ext cx="6089301" cy="3716338"/>
+          </a:xfrm>
+          <a:prstGeom prst="roundRect">
+            <a:avLst>
+              <a:gd name="adj" fmla="val 3876"/>
+            </a:avLst>
+          </a:prstGeom>
+          <a:ln>
+            <a:solidFill>
+              <a:schemeClr val="accent1"/>
+            </a:solidFill>
+          </a:ln>
+          <a:effectLst/>
+        </p:spPr>
+      </p:pic>
+      <p:sp>
+        <p:nvSpPr>
+          <p:cNvPr id="6" name="TextBox 5">
+            <a:extLst>
+              <a:ext uri="{FF2B5EF4-FFF2-40B4-BE49-F238E27FC236}">
+                <a16:creationId xmlns:a16="http://schemas.microsoft.com/office/drawing/2014/main" id="{5DD81AD3-563A-CFDB-AD53-940EDC79DB8B}"/>
+              </a:ext>
+            </a:extLst>
+          </p:cNvPr>
+          <p:cNvSpPr txBox="1"/>
+          <p:nvPr/>
+        </p:nvSpPr>
+        <p:spPr>
+          <a:xfrm>
+            <a:off x="7013748" y="1958955"/>
+            <a:ext cx="3054699" cy="369332"/>
+          </a:xfrm>
+          <a:prstGeom prst="rect">
+            <a:avLst/>
+          </a:prstGeom>
+          <a:noFill/>
+        </p:spPr>
+        <p:txBody>
+          <a:bodyPr wrap="square" rtlCol="0">
+            <a:spAutoFit/>
+          </a:bodyPr>
+          <a:lstStyle/>
+          <a:p>
+            <a:r>
+              <a:rPr lang="en-US" dirty="0"/>
+              <a:t>Place Holder (Hopefully)</a:t>
+            </a:r>
           </a:p>
         </p:txBody>
       </p:sp>
@@ -4613,7 +6553,10 @@
           <a:bodyPr/>
           <a:lstStyle/>
           <a:p>
-            <a:endParaRPr lang="en-US"/>
+            <a:r>
+              <a:rPr lang="en-US" dirty="0"/>
+              <a:t>Demonstration</a:t>
+            </a:r>
           </a:p>
         </p:txBody>
       </p:sp>
@@ -4633,12 +6576,26 @@
             <p:ph idx="1"/>
           </p:nvPr>
         </p:nvSpPr>
-        <p:spPr/>
+        <p:spPr>
+          <a:xfrm>
+            <a:off x="818712" y="2222288"/>
+            <a:ext cx="10554574" cy="1395120"/>
+          </a:xfrm>
+        </p:spPr>
         <p:txBody>
           <a:bodyPr/>
           <a:lstStyle/>
           <a:p>
-            <a:endParaRPr lang="en-US"/>
+            <a:r>
+              <a:rPr lang="en-US" dirty="0"/>
+              <a:t>Meant to show what been done and is available in our web-application</a:t>
+            </a:r>
+          </a:p>
+          <a:p>
+            <a:r>
+              <a:rPr lang="en-US" dirty="0"/>
+              <a:t>Now onto a Demonstration.</a:t>
+            </a:r>
           </a:p>
         </p:txBody>
       </p:sp>
@@ -4677,7 +6634,7 @@
           <p:cNvPr id="2" name="Title 1">
             <a:extLst>
               <a:ext uri="{FF2B5EF4-FFF2-40B4-BE49-F238E27FC236}">
-                <a16:creationId xmlns:a16="http://schemas.microsoft.com/office/drawing/2014/main" id="{5FAA3037-792D-9D6D-76A9-D6E1DC78F1A7}"/>
+                <a16:creationId xmlns:a16="http://schemas.microsoft.com/office/drawing/2014/main" id="{90F3D1FD-D180-4A52-1355-EE849FD62CA3}"/>
               </a:ext>
             </a:extLst>
           </p:cNvPr>
@@ -4693,199 +6650,17 @@
           <a:bodyPr/>
           <a:lstStyle/>
           <a:p>
-            <a:endParaRPr lang="en-US"/>
-          </a:p>
-        </p:txBody>
-      </p:sp>
-      <p:sp>
-        <p:nvSpPr>
-          <p:cNvPr id="3" name="Content Placeholder 2">
-            <a:extLst>
-              <a:ext uri="{FF2B5EF4-FFF2-40B4-BE49-F238E27FC236}">
-                <a16:creationId xmlns:a16="http://schemas.microsoft.com/office/drawing/2014/main" id="{CE8D1B3D-6DC1-0008-542F-26BBF2BE1AAA}"/>
-              </a:ext>
-            </a:extLst>
-          </p:cNvPr>
-          <p:cNvSpPr>
-            <a:spLocks noGrp="1"/>
-          </p:cNvSpPr>
-          <p:nvPr>
-            <p:ph idx="1"/>
-          </p:nvPr>
-        </p:nvSpPr>
-        <p:spPr/>
-        <p:txBody>
-          <a:bodyPr/>
-          <a:lstStyle/>
-          <a:p>
-            <a:endParaRPr lang="en-US"/>
+            <a:r>
+              <a:rPr lang="en-US" dirty="0"/>
+              <a:t>Questions?</a:t>
+            </a:r>
           </a:p>
         </p:txBody>
       </p:sp>
     </p:spTree>
     <p:extLst>
       <p:ext uri="{BB962C8B-B14F-4D97-AF65-F5344CB8AC3E}">
-        <p14:creationId xmlns:p14="http://schemas.microsoft.com/office/powerpoint/2010/main" val="2852367712"/>
-      </p:ext>
-    </p:extLst>
-  </p:cSld>
-  <p:clrMapOvr>
-    <a:masterClrMapping/>
-  </p:clrMapOvr>
-</p:sld>
-</file>
-
-<file path=ppt/slides/slide8.xml><?xml version="1.0" encoding="utf-8"?>
-<p:sld xmlns:a="http://schemas.openxmlformats.org/drawingml/2006/main" xmlns:r="http://schemas.openxmlformats.org/officeDocument/2006/relationships" xmlns:p="http://schemas.openxmlformats.org/presentationml/2006/main">
-  <p:cSld>
-    <p:spTree>
-      <p:nvGrpSpPr>
-        <p:cNvPr id="1" name=""/>
-        <p:cNvGrpSpPr/>
-        <p:nvPr/>
-      </p:nvGrpSpPr>
-      <p:grpSpPr>
-        <a:xfrm>
-          <a:off x="0" y="0"/>
-          <a:ext cx="0" cy="0"/>
-          <a:chOff x="0" y="0"/>
-          <a:chExt cx="0" cy="0"/>
-        </a:xfrm>
-      </p:grpSpPr>
-      <p:sp>
-        <p:nvSpPr>
-          <p:cNvPr id="2" name="Title 1">
-            <a:extLst>
-              <a:ext uri="{FF2B5EF4-FFF2-40B4-BE49-F238E27FC236}">
-                <a16:creationId xmlns:a16="http://schemas.microsoft.com/office/drawing/2014/main" id="{DBA2A839-9FF3-7114-F274-D8E39475C8FE}"/>
-              </a:ext>
-            </a:extLst>
-          </p:cNvPr>
-          <p:cNvSpPr>
-            <a:spLocks noGrp="1"/>
-          </p:cNvSpPr>
-          <p:nvPr>
-            <p:ph type="title"/>
-          </p:nvPr>
-        </p:nvSpPr>
-        <p:spPr/>
-        <p:txBody>
-          <a:bodyPr/>
-          <a:lstStyle/>
-          <a:p>
-            <a:endParaRPr lang="en-US"/>
-          </a:p>
-        </p:txBody>
-      </p:sp>
-      <p:sp>
-        <p:nvSpPr>
-          <p:cNvPr id="3" name="Content Placeholder 2">
-            <a:extLst>
-              <a:ext uri="{FF2B5EF4-FFF2-40B4-BE49-F238E27FC236}">
-                <a16:creationId xmlns:a16="http://schemas.microsoft.com/office/drawing/2014/main" id="{10A72458-3287-28B5-7951-B6B658C3260C}"/>
-              </a:ext>
-            </a:extLst>
-          </p:cNvPr>
-          <p:cNvSpPr>
-            <a:spLocks noGrp="1"/>
-          </p:cNvSpPr>
-          <p:nvPr>
-            <p:ph idx="1"/>
-          </p:nvPr>
-        </p:nvSpPr>
-        <p:spPr/>
-        <p:txBody>
-          <a:bodyPr/>
-          <a:lstStyle/>
-          <a:p>
-            <a:endParaRPr lang="en-US"/>
-          </a:p>
-        </p:txBody>
-      </p:sp>
-    </p:spTree>
-    <p:extLst>
-      <p:ext uri="{BB962C8B-B14F-4D97-AF65-F5344CB8AC3E}">
-        <p14:creationId xmlns:p14="http://schemas.microsoft.com/office/powerpoint/2010/main" val="1883058184"/>
-      </p:ext>
-    </p:extLst>
-  </p:cSld>
-  <p:clrMapOvr>
-    <a:masterClrMapping/>
-  </p:clrMapOvr>
-</p:sld>
-</file>
-
-<file path=ppt/slides/slide9.xml><?xml version="1.0" encoding="utf-8"?>
-<p:sld xmlns:a="http://schemas.openxmlformats.org/drawingml/2006/main" xmlns:r="http://schemas.openxmlformats.org/officeDocument/2006/relationships" xmlns:p="http://schemas.openxmlformats.org/presentationml/2006/main">
-  <p:cSld>
-    <p:spTree>
-      <p:nvGrpSpPr>
-        <p:cNvPr id="1" name=""/>
-        <p:cNvGrpSpPr/>
-        <p:nvPr/>
-      </p:nvGrpSpPr>
-      <p:grpSpPr>
-        <a:xfrm>
-          <a:off x="0" y="0"/>
-          <a:ext cx="0" cy="0"/>
-          <a:chOff x="0" y="0"/>
-          <a:chExt cx="0" cy="0"/>
-        </a:xfrm>
-      </p:grpSpPr>
-      <p:sp>
-        <p:nvSpPr>
-          <p:cNvPr id="2" name="Title 1">
-            <a:extLst>
-              <a:ext uri="{FF2B5EF4-FFF2-40B4-BE49-F238E27FC236}">
-                <a16:creationId xmlns:a16="http://schemas.microsoft.com/office/drawing/2014/main" id="{14B783A1-6E60-B84B-9B30-A7F571AA678F}"/>
-              </a:ext>
-            </a:extLst>
-          </p:cNvPr>
-          <p:cNvSpPr>
-            <a:spLocks noGrp="1"/>
-          </p:cNvSpPr>
-          <p:nvPr>
-            <p:ph type="title"/>
-          </p:nvPr>
-        </p:nvSpPr>
-        <p:spPr/>
-        <p:txBody>
-          <a:bodyPr/>
-          <a:lstStyle/>
-          <a:p>
-            <a:endParaRPr lang="en-US"/>
-          </a:p>
-        </p:txBody>
-      </p:sp>
-      <p:sp>
-        <p:nvSpPr>
-          <p:cNvPr id="3" name="Content Placeholder 2">
-            <a:extLst>
-              <a:ext uri="{FF2B5EF4-FFF2-40B4-BE49-F238E27FC236}">
-                <a16:creationId xmlns:a16="http://schemas.microsoft.com/office/drawing/2014/main" id="{9B1F1813-CE31-37E0-4FF2-5A2B51F3E319}"/>
-              </a:ext>
-            </a:extLst>
-          </p:cNvPr>
-          <p:cNvSpPr>
-            <a:spLocks noGrp="1"/>
-          </p:cNvSpPr>
-          <p:nvPr>
-            <p:ph idx="1"/>
-          </p:nvPr>
-        </p:nvSpPr>
-        <p:spPr/>
-        <p:txBody>
-          <a:bodyPr/>
-          <a:lstStyle/>
-          <a:p>
-            <a:endParaRPr lang="en-US"/>
-          </a:p>
-        </p:txBody>
-      </p:sp>
-    </p:spTree>
-    <p:extLst>
-      <p:ext uri="{BB962C8B-B14F-4D97-AF65-F5344CB8AC3E}">
-        <p14:creationId xmlns:p14="http://schemas.microsoft.com/office/powerpoint/2010/main" val="1349360357"/>
+        <p14:creationId xmlns:p14="http://schemas.microsoft.com/office/powerpoint/2010/main" val="882423100"/>
       </p:ext>
     </p:extLst>
   </p:cSld>
@@ -4896,9 +6671,9 @@
 </file>
 
 <file path=ppt/theme/theme1.xml><?xml version="1.0" encoding="utf-8"?>
-<a:theme xmlns:a="http://schemas.openxmlformats.org/drawingml/2006/main" name="Office Theme">
+<a:theme xmlns:a="http://schemas.openxmlformats.org/drawingml/2006/main" name="Quotable">
   <a:themeElements>
-    <a:clrScheme name="Office">
+    <a:clrScheme name="Paper">
       <a:dk1>
         <a:sysClr val="windowText" lastClr="000000"/>
       </a:dk1>
@@ -4906,100 +6681,48 @@
         <a:sysClr val="window" lastClr="FFFFFF"/>
       </a:lt1>
       <a:dk2>
-        <a:srgbClr val="44546A"/>
+        <a:srgbClr val="444D26"/>
       </a:dk2>
       <a:lt2>
-        <a:srgbClr val="E7E6E6"/>
+        <a:srgbClr val="FEFAC9"/>
       </a:lt2>
       <a:accent1>
-        <a:srgbClr val="4472C4"/>
+        <a:srgbClr val="A5B592"/>
       </a:accent1>
       <a:accent2>
-        <a:srgbClr val="ED7D31"/>
+        <a:srgbClr val="F3A447"/>
       </a:accent2>
       <a:accent3>
-        <a:srgbClr val="A5A5A5"/>
+        <a:srgbClr val="E7BC29"/>
       </a:accent3>
       <a:accent4>
-        <a:srgbClr val="FFC000"/>
+        <a:srgbClr val="D092A7"/>
       </a:accent4>
       <a:accent5>
-        <a:srgbClr val="5B9BD5"/>
+        <a:srgbClr val="9C85C0"/>
       </a:accent5>
       <a:accent6>
-        <a:srgbClr val="70AD47"/>
+        <a:srgbClr val="809EC2"/>
       </a:accent6>
       <a:hlink>
-        <a:srgbClr val="0563C1"/>
+        <a:srgbClr val="8E58B6"/>
       </a:hlink>
       <a:folHlink>
-        <a:srgbClr val="954F72"/>
+        <a:srgbClr val="7F6F6F"/>
       </a:folHlink>
     </a:clrScheme>
-    <a:fontScheme name="Office">
+    <a:fontScheme name="Quotable">
       <a:majorFont>
-        <a:latin typeface="Calibri Light" panose="020F0302020204030204"/>
+        <a:latin typeface="Century Gothic" panose="020B0502020202020204"/>
         <a:ea typeface=""/>
         <a:cs typeface=""/>
-        <a:font script="Jpan" typeface="游ゴシック Light"/>
+        <a:font script="Jpan" typeface="ＭＳ ゴシック"/>
         <a:font script="Hang" typeface="맑은 고딕"/>
-        <a:font script="Hans" typeface="等线 Light"/>
+        <a:font script="Hans" typeface="宋体"/>
         <a:font script="Hant" typeface="新細明體"/>
-        <a:font script="Arab" typeface="Times New Roman"/>
-        <a:font script="Hebr" typeface="Times New Roman"/>
-        <a:font script="Thai" typeface="Angsana New"/>
-        <a:font script="Ethi" typeface="Nyala"/>
-        <a:font script="Beng" typeface="Vrinda"/>
-        <a:font script="Gujr" typeface="Shruti"/>
-        <a:font script="Khmr" typeface="MoolBoran"/>
-        <a:font script="Knda" typeface="Tunga"/>
-        <a:font script="Guru" typeface="Raavi"/>
-        <a:font script="Cans" typeface="Euphemia"/>
-        <a:font script="Cher" typeface="Plantagenet Cherokee"/>
-        <a:font script="Yiii" typeface="Microsoft Yi Baiti"/>
-        <a:font script="Tibt" typeface="Microsoft Himalaya"/>
-        <a:font script="Thaa" typeface="MV Boli"/>
-        <a:font script="Deva" typeface="Mangal"/>
-        <a:font script="Telu" typeface="Gautami"/>
-        <a:font script="Taml" typeface="Latha"/>
-        <a:font script="Syrc" typeface="Estrangelo Edessa"/>
-        <a:font script="Orya" typeface="Kalinga"/>
-        <a:font script="Mlym" typeface="Kartika"/>
-        <a:font script="Laoo" typeface="DokChampa"/>
-        <a:font script="Sinh" typeface="Iskoola Pota"/>
-        <a:font script="Mong" typeface="Mongolian Baiti"/>
-        <a:font script="Viet" typeface="Times New Roman"/>
-        <a:font script="Uigh" typeface="Microsoft Uighur"/>
-        <a:font script="Geor" typeface="Sylfaen"/>
-        <a:font script="Armn" typeface="Arial"/>
-        <a:font script="Bugi" typeface="Leelawadee UI"/>
-        <a:font script="Bopo" typeface="Microsoft JhengHei"/>
-        <a:font script="Java" typeface="Javanese Text"/>
-        <a:font script="Lisu" typeface="Segoe UI"/>
-        <a:font script="Mymr" typeface="Myanmar Text"/>
-        <a:font script="Nkoo" typeface="Ebrima"/>
-        <a:font script="Olck" typeface="Nirmala UI"/>
-        <a:font script="Osma" typeface="Ebrima"/>
-        <a:font script="Phag" typeface="Phagspa"/>
-        <a:font script="Syrn" typeface="Estrangelo Edessa"/>
-        <a:font script="Syrj" typeface="Estrangelo Edessa"/>
-        <a:font script="Syre" typeface="Estrangelo Edessa"/>
-        <a:font script="Sora" typeface="Nirmala UI"/>
-        <a:font script="Tale" typeface="Microsoft Tai Le"/>
-        <a:font script="Talu" typeface="Microsoft New Tai Lue"/>
-        <a:font script="Tfng" typeface="Ebrima"/>
-      </a:majorFont>
-      <a:minorFont>
-        <a:latin typeface="Calibri" panose="020F0502020204030204"/>
-        <a:ea typeface=""/>
-        <a:cs typeface=""/>
-        <a:font script="Jpan" typeface="游ゴシック"/>
-        <a:font script="Hang" typeface="맑은 고딕"/>
-        <a:font script="Hans" typeface="等线"/>
-        <a:font script="Hant" typeface="新細明體"/>
-        <a:font script="Arab" typeface="Arial"/>
-        <a:font script="Hebr" typeface="Arial"/>
-        <a:font script="Thai" typeface="Cordia New"/>
+        <a:font script="Arab" typeface="Tahoma"/>
+        <a:font script="Hebr" typeface="Gisha"/>
+        <a:font script="Thai" typeface="DilleniaUPC"/>
         <a:font script="Ethi" typeface="Nyala"/>
         <a:font script="Beng" typeface="Vrinda"/>
         <a:font script="Gujr" typeface="Shruti"/>
@@ -5020,29 +6743,47 @@
         <a:font script="Laoo" typeface="DokChampa"/>
         <a:font script="Sinh" typeface="Iskoola Pota"/>
         <a:font script="Mong" typeface="Mongolian Baiti"/>
-        <a:font script="Viet" typeface="Arial"/>
+        <a:font script="Viet" typeface="Tahoma"/>
         <a:font script="Uigh" typeface="Microsoft Uighur"/>
         <a:font script="Geor" typeface="Sylfaen"/>
-        <a:font script="Armn" typeface="Arial"/>
-        <a:font script="Bugi" typeface="Leelawadee UI"/>
-        <a:font script="Bopo" typeface="Microsoft JhengHei"/>
-        <a:font script="Java" typeface="Javanese Text"/>
-        <a:font script="Lisu" typeface="Segoe UI"/>
-        <a:font script="Mymr" typeface="Myanmar Text"/>
-        <a:font script="Nkoo" typeface="Ebrima"/>
-        <a:font script="Olck" typeface="Nirmala UI"/>
-        <a:font script="Osma" typeface="Ebrima"/>
-        <a:font script="Phag" typeface="Phagspa"/>
-        <a:font script="Syrn" typeface="Estrangelo Edessa"/>
-        <a:font script="Syrj" typeface="Estrangelo Edessa"/>
-        <a:font script="Syre" typeface="Estrangelo Edessa"/>
-        <a:font script="Sora" typeface="Nirmala UI"/>
-        <a:font script="Tale" typeface="Microsoft Tai Le"/>
-        <a:font script="Talu" typeface="Microsoft New Tai Lue"/>
-        <a:font script="Tfng" typeface="Ebrima"/>
+      </a:majorFont>
+      <a:minorFont>
+        <a:latin typeface="Century Gothic" panose="020B0502020202020204"/>
+        <a:ea typeface=""/>
+        <a:cs typeface=""/>
+        <a:font script="Jpan" typeface="ＭＳ ゴシック"/>
+        <a:font script="Hang" typeface="맑은 고딕"/>
+        <a:font script="Hans" typeface="宋体"/>
+        <a:font script="Hant" typeface="新細明體"/>
+        <a:font script="Arab" typeface="Tahoma"/>
+        <a:font script="Hebr" typeface="Gisha"/>
+        <a:font script="Thai" typeface="DilleniaUPC"/>
+        <a:font script="Ethi" typeface="Nyala"/>
+        <a:font script="Beng" typeface="Vrinda"/>
+        <a:font script="Gujr" typeface="Shruti"/>
+        <a:font script="Khmr" typeface="DaunPenh"/>
+        <a:font script="Knda" typeface="Tunga"/>
+        <a:font script="Guru" typeface="Raavi"/>
+        <a:font script="Cans" typeface="Euphemia"/>
+        <a:font script="Cher" typeface="Plantagenet Cherokee"/>
+        <a:font script="Yiii" typeface="Microsoft Yi Baiti"/>
+        <a:font script="Tibt" typeface="Microsoft Himalaya"/>
+        <a:font script="Thaa" typeface="MV Boli"/>
+        <a:font script="Deva" typeface="Mangal"/>
+        <a:font script="Telu" typeface="Gautami"/>
+        <a:font script="Taml" typeface="Latha"/>
+        <a:font script="Syrc" typeface="Estrangelo Edessa"/>
+        <a:font script="Orya" typeface="Kalinga"/>
+        <a:font script="Mlym" typeface="Kartika"/>
+        <a:font script="Laoo" typeface="DokChampa"/>
+        <a:font script="Sinh" typeface="Iskoola Pota"/>
+        <a:font script="Mong" typeface="Mongolian Baiti"/>
+        <a:font script="Viet" typeface="Verdana"/>
+        <a:font script="Uigh" typeface="Microsoft Uighur"/>
+        <a:font script="Geor" typeface="Sylfaen"/>
       </a:minorFont>
     </a:fontScheme>
-    <a:fmtScheme name="Office">
+    <a:fmtScheme name="Quotable">
       <a:fillStyleLst>
         <a:solidFill>
           <a:schemeClr val="phClr"/>
@@ -5051,76 +6792,52 @@
           <a:gsLst>
             <a:gs pos="0">
               <a:schemeClr val="phClr">
-                <a:lumMod val="110000"/>
-                <a:satMod val="105000"/>
-                <a:tint val="67000"/>
-              </a:schemeClr>
-            </a:gs>
-            <a:gs pos="50000">
-              <a:schemeClr val="phClr">
+                <a:tint val="80000"/>
                 <a:lumMod val="105000"/>
-                <a:satMod val="103000"/>
-                <a:tint val="73000"/>
               </a:schemeClr>
             </a:gs>
             <a:gs pos="100000">
               <a:schemeClr val="phClr">
-                <a:lumMod val="105000"/>
-                <a:satMod val="109000"/>
-                <a:tint val="81000"/>
+                <a:tint val="90000"/>
               </a:schemeClr>
             </a:gs>
           </a:gsLst>
           <a:lin ang="5400000" scaled="0"/>
         </a:gradFill>
-        <a:gradFill rotWithShape="1">
-          <a:gsLst>
-            <a:gs pos="0">
+        <a:blipFill rotWithShape="1">
+          <a:blip xmlns:r="http://schemas.openxmlformats.org/officeDocument/2006/relationships" r:embed="rId1">
+            <a:duotone>
               <a:schemeClr val="phClr">
-                <a:satMod val="103000"/>
+                <a:tint val="98000"/>
                 <a:lumMod val="102000"/>
-                <a:tint val="94000"/>
               </a:schemeClr>
-            </a:gs>
-            <a:gs pos="50000">
               <a:schemeClr val="phClr">
-                <a:satMod val="110000"/>
-                <a:lumMod val="100000"/>
-                <a:shade val="100000"/>
+                <a:shade val="98000"/>
+                <a:lumMod val="98000"/>
               </a:schemeClr>
-            </a:gs>
-            <a:gs pos="100000">
-              <a:schemeClr val="phClr">
-                <a:lumMod val="99000"/>
-                <a:satMod val="120000"/>
-                <a:shade val="78000"/>
-              </a:schemeClr>
-            </a:gs>
-          </a:gsLst>
-          <a:lin ang="5400000" scaled="0"/>
-        </a:gradFill>
+            </a:duotone>
+          </a:blip>
+          <a:tile tx="0" ty="0" sx="100000" sy="100000" flip="none" algn="tl"/>
+        </a:blipFill>
       </a:fillStyleLst>
       <a:lnStyleLst>
-        <a:ln w="6350" cap="flat" cmpd="sng" algn="ctr">
+        <a:ln w="9525" cap="rnd" cmpd="sng" algn="ctr">
           <a:solidFill>
             <a:schemeClr val="phClr"/>
           </a:solidFill>
           <a:prstDash val="solid"/>
-          <a:miter lim="800000"/>
         </a:ln>
-        <a:ln w="12700" cap="flat" cmpd="sng" algn="ctr">
+        <a:ln w="15875" cap="rnd" cmpd="sng" algn="ctr">
           <a:solidFill>
             <a:schemeClr val="phClr"/>
           </a:solidFill>
           <a:prstDash val="solid"/>
-          <a:miter lim="800000"/>
         </a:ln>
-        <a:ln w="19050" cap="flat" cmpd="sng" algn="ctr">
+        <a:ln w="25400" cap="rnd" cmpd="sng" algn="ctr">
           <a:solidFill>
             <a:schemeClr val="phClr"/>
           </a:solidFill>
           <a:prstDash val="solid"/>
-          <a:miter lim="800000"/>
         </a:ln>
       </a:lnStyleLst>
       <a:effectStyleLst>
@@ -5132,11 +6849,11 @@
         </a:effectStyle>
         <a:effectStyle>
           <a:effectLst>
-            <a:outerShdw blurRad="57150" dist="19050" dir="5400000" algn="ctr" rotWithShape="0">
+            <a:innerShdw blurRad="63500" dist="25400" dir="13500000">
               <a:srgbClr val="000000">
-                <a:alpha val="63000"/>
+                <a:alpha val="75000"/>
               </a:srgbClr>
-            </a:outerShdw>
+            </a:innerShdw>
           </a:effectLst>
         </a:effectStyle>
       </a:effectStyleLst>
@@ -5144,35 +6861,35 @@
         <a:solidFill>
           <a:schemeClr val="phClr"/>
         </a:solidFill>
-        <a:solidFill>
-          <a:schemeClr val="phClr">
-            <a:tint val="95000"/>
-            <a:satMod val="170000"/>
-          </a:schemeClr>
-        </a:solidFill>
         <a:gradFill rotWithShape="1">
           <a:gsLst>
             <a:gs pos="0">
               <a:schemeClr val="phClr">
-                <a:tint val="93000"/>
-                <a:satMod val="150000"/>
-                <a:shade val="98000"/>
-                <a:lumMod val="102000"/>
-              </a:schemeClr>
-            </a:gs>
-            <a:gs pos="50000">
-              <a:schemeClr val="phClr">
-                <a:tint val="98000"/>
-                <a:satMod val="130000"/>
-                <a:shade val="90000"/>
-                <a:lumMod val="103000"/>
+                <a:tint val="100000"/>
               </a:schemeClr>
             </a:gs>
             <a:gs pos="100000">
               <a:schemeClr val="phClr">
-                <a:shade val="63000"/>
+                <a:tint val="84000"/>
+                <a:shade val="84000"/>
+                <a:lumMod val="90000"/>
+              </a:schemeClr>
+            </a:gs>
+          </a:gsLst>
+          <a:lin ang="5400000" scaled="0"/>
+        </a:gradFill>
+        <a:gradFill rotWithShape="1">
+          <a:gsLst>
+            <a:gs pos="0">
+              <a:schemeClr val="phClr">
+                <a:tint val="84000"/>
+                <a:shade val="90000"/>
                 <a:satMod val="120000"/>
+                <a:lumMod val="90000"/>
               </a:schemeClr>
+            </a:gs>
+            <a:gs pos="100000">
+              <a:schemeClr val="phClr"/>
             </a:gs>
           </a:gsLst>
           <a:lin ang="5400000" scaled="0"/>
@@ -5184,7 +6901,7 @@
   <a:extraClrSchemeLst/>
   <a:extLst>
     <a:ext uri="{05A4C25C-085E-4340-85A3-A5531E510DB2}">
-      <thm15:themeFamily xmlns:thm15="http://schemas.microsoft.com/office/thememl/2012/main" name="Office Theme" id="{62F939B6-93AF-4DB8-9C6B-D6C7DFDC589F}" vid="{4A3C46E8-61CC-4603-A589-7422A47A8E4A}"/>
+      <thm15:themeFamily xmlns:thm15="http://schemas.microsoft.com/office/thememl/2012/main" name="Quotable" id="{39EC5628-30ED-4578-ACD8-9820EDB8E15A}" vid="{6F3559E9-1A4C-49D8-94D4-F41003531C49}"/>
     </a:ext>
   </a:extLst>
 </a:theme>

--- a/Phase 3 Documentation/Team_2_Presentation_3.pptx
+++ b/Phase 3 Documentation/Team_2_Presentation_3.pptx
@@ -11,7 +11,10 @@
     <p:sldId id="259" r:id="rId5"/>
     <p:sldId id="260" r:id="rId6"/>
     <p:sldId id="261" r:id="rId7"/>
-    <p:sldId id="265" r:id="rId8"/>
+    <p:sldId id="266" r:id="rId8"/>
+    <p:sldId id="267" r:id="rId9"/>
+    <p:sldId id="268" r:id="rId10"/>
+    <p:sldId id="265" r:id="rId11"/>
   </p:sldIdLst>
   <p:sldSz cx="12192000" cy="6858000"/>
   <p:notesSz cx="6858000" cy="9144000"/>
@@ -213,7 +216,7 @@
           <a:effectLst/>
           <a:extLst>
             <a:ext uri="{91240B29-F687-4f45-9708-019B960494DF}">
-              <a14:hiddenLine xmlns="" xmlns:a14="http://schemas.microsoft.com/office/drawing/2010/main" w="9525">
+              <a14:hiddenLine xmlns:a14="http://schemas.microsoft.com/office/drawing/2010/main" xmlns="" w="9525">
                 <a:solidFill>
                   <a:srgbClr val="000000"/>
                 </a:solidFill>
@@ -1735,7 +1738,7 @@
           <a:ln/>
           <a:extLst>
             <a:ext uri="{91240B29-F687-4f45-9708-019B960494DF}">
-              <a14:hiddenLine xmlns="" xmlns:a14="http://schemas.microsoft.com/office/drawing/2010/main" w="9525">
+              <a14:hiddenLine xmlns:a14="http://schemas.microsoft.com/office/drawing/2010/main" xmlns="" w="9525">
                 <a:solidFill>
                   <a:srgbClr val="000000"/>
                 </a:solidFill>
@@ -2010,7 +2013,7 @@
           <a:ln/>
           <a:extLst>
             <a:ext uri="{91240B29-F687-4f45-9708-019B960494DF}">
-              <a14:hiddenLine xmlns="" xmlns:a14="http://schemas.microsoft.com/office/drawing/2010/main" w="9525">
+              <a14:hiddenLine xmlns:a14="http://schemas.microsoft.com/office/drawing/2010/main" xmlns="" w="9525">
                 <a:solidFill>
                   <a:srgbClr val="000000"/>
                 </a:solidFill>
@@ -2293,7 +2296,7 @@
           <a:ln/>
           <a:extLst>
             <a:ext uri="{91240B29-F687-4f45-9708-019B960494DF}">
-              <a14:hiddenLine xmlns="" xmlns:a14="http://schemas.microsoft.com/office/drawing/2010/main" w="9525">
+              <a14:hiddenLine xmlns:a14="http://schemas.microsoft.com/office/drawing/2010/main" xmlns="" w="9525">
                 <a:solidFill>
                   <a:srgbClr val="000000"/>
                 </a:solidFill>
@@ -2919,7 +2922,7 @@
           <a:ln/>
           <a:extLst>
             <a:ext uri="{91240B29-F687-4f45-9708-019B960494DF}">
-              <a14:hiddenLine xmlns="" xmlns:a14="http://schemas.microsoft.com/office/drawing/2010/main" w="9525">
+              <a14:hiddenLine xmlns:a14="http://schemas.microsoft.com/office/drawing/2010/main" xmlns="" w="9525">
                 <a:solidFill>
                   <a:srgbClr val="000000"/>
                 </a:solidFill>
@@ -3258,7 +3261,7 @@
           <a:ln/>
           <a:extLst>
             <a:ext uri="{91240B29-F687-4f45-9708-019B960494DF}">
-              <a14:hiddenLine xmlns="" xmlns:a14="http://schemas.microsoft.com/office/drawing/2010/main" w="9525">
+              <a14:hiddenLine xmlns:a14="http://schemas.microsoft.com/office/drawing/2010/main" xmlns="" w="9525">
                 <a:solidFill>
                   <a:srgbClr val="000000"/>
                 </a:solidFill>
@@ -3735,7 +3738,7 @@
           <a:ln/>
           <a:extLst>
             <a:ext uri="{91240B29-F687-4f45-9708-019B960494DF}">
-              <a14:hiddenLine xmlns="" xmlns:a14="http://schemas.microsoft.com/office/drawing/2010/main" w="9525">
+              <a14:hiddenLine xmlns:a14="http://schemas.microsoft.com/office/drawing/2010/main" xmlns="" w="9525">
                 <a:solidFill>
                   <a:srgbClr val="000000"/>
                 </a:solidFill>
@@ -4164,7 +4167,7 @@
           <a:ln/>
           <a:extLst>
             <a:ext uri="{91240B29-F687-4f45-9708-019B960494DF}">
-              <a14:hiddenLine xmlns="" xmlns:a14="http://schemas.microsoft.com/office/drawing/2010/main" w="9525">
+              <a14:hiddenLine xmlns:a14="http://schemas.microsoft.com/office/drawing/2010/main" xmlns="" w="9525">
                 <a:solidFill>
                   <a:srgbClr val="000000"/>
                 </a:solidFill>
@@ -5910,6 +5913,64 @@
 </p:sld>
 </file>
 
+<file path=ppt/slides/slide10.xml><?xml version="1.0" encoding="utf-8"?>
+<p:sld xmlns:a="http://schemas.openxmlformats.org/drawingml/2006/main" xmlns:r="http://schemas.openxmlformats.org/officeDocument/2006/relationships" xmlns:p="http://schemas.openxmlformats.org/presentationml/2006/main">
+  <p:cSld>
+    <p:spTree>
+      <p:nvGrpSpPr>
+        <p:cNvPr id="1" name=""/>
+        <p:cNvGrpSpPr/>
+        <p:nvPr/>
+      </p:nvGrpSpPr>
+      <p:grpSpPr>
+        <a:xfrm>
+          <a:off x="0" y="0"/>
+          <a:ext cx="0" cy="0"/>
+          <a:chOff x="0" y="0"/>
+          <a:chExt cx="0" cy="0"/>
+        </a:xfrm>
+      </p:grpSpPr>
+      <p:sp>
+        <p:nvSpPr>
+          <p:cNvPr id="2" name="Title 1">
+            <a:extLst>
+              <a:ext uri="{FF2B5EF4-FFF2-40B4-BE49-F238E27FC236}">
+                <a16:creationId xmlns:a16="http://schemas.microsoft.com/office/drawing/2014/main" id="{90F3D1FD-D180-4A52-1355-EE849FD62CA3}"/>
+              </a:ext>
+            </a:extLst>
+          </p:cNvPr>
+          <p:cNvSpPr>
+            <a:spLocks noGrp="1"/>
+          </p:cNvSpPr>
+          <p:nvPr>
+            <p:ph type="title"/>
+          </p:nvPr>
+        </p:nvSpPr>
+        <p:spPr/>
+        <p:txBody>
+          <a:bodyPr/>
+          <a:lstStyle/>
+          <a:p>
+            <a:r>
+              <a:rPr lang="en-US" dirty="0"/>
+              <a:t>Questions?</a:t>
+            </a:r>
+          </a:p>
+        </p:txBody>
+      </p:sp>
+    </p:spTree>
+    <p:extLst>
+      <p:ext uri="{BB962C8B-B14F-4D97-AF65-F5344CB8AC3E}">
+        <p14:creationId xmlns:p14="http://schemas.microsoft.com/office/powerpoint/2010/main" val="882423100"/>
+      </p:ext>
+    </p:extLst>
+  </p:cSld>
+  <p:clrMapOvr>
+    <a:masterClrMapping/>
+  </p:clrMapOvr>
+</p:sld>
+</file>
+
 <file path=ppt/slides/slide2.xml><?xml version="1.0" encoding="utf-8"?>
 <p:sld xmlns:a="http://schemas.openxmlformats.org/drawingml/2006/main" xmlns:r="http://schemas.openxmlformats.org/officeDocument/2006/relationships" xmlns:p="http://schemas.openxmlformats.org/presentationml/2006/main">
   <p:cSld>
@@ -6412,7 +6473,7 @@
           <a:p>
             <a:r>
               <a:rPr lang="en-US" sz="1600" dirty="0"/>
-              <a:t>Firstly One for User information like Username, Password, Email, Etc.</a:t>
+              <a:t>Firstly, One for User information like Username, Password, Email, Etc.</a:t>
             </a:r>
           </a:p>
           <a:p>
@@ -6445,14 +6506,13 @@
               </a:ext>
             </a:extLst>
           </a:blip>
-          <a:stretch>
-            <a:fillRect/>
-          </a:stretch>
+          <a:srcRect t="31230" r="45462"/>
+          <a:stretch/>
         </p:blipFill>
         <p:spPr>
           <a:xfrm>
-            <a:off x="5496448" y="2413000"/>
-            <a:ext cx="6089301" cy="3716338"/>
+            <a:off x="5990970" y="2351669"/>
+            <a:ext cx="4879193" cy="3754861"/>
           </a:xfrm>
           <a:prstGeom prst="roundRect">
             <a:avLst>
@@ -6579,7 +6639,7 @@
         <p:spPr>
           <a:xfrm>
             <a:off x="818712" y="2222288"/>
-            <a:ext cx="10554574" cy="1395120"/>
+            <a:ext cx="10554574" cy="3963908"/>
           </a:xfrm>
         </p:spPr>
         <p:txBody>
@@ -6588,14 +6648,41 @@
           <a:p>
             <a:r>
               <a:rPr lang="en-US" dirty="0"/>
-              <a:t>Meant to show what been done and is available in our web-application</a:t>
+              <a:t>Now onto a Demonstration…</a:t>
             </a:r>
           </a:p>
           <a:p>
             <a:r>
               <a:rPr lang="en-US" dirty="0"/>
-              <a:t>Now onto a Demonstration.</a:t>
-            </a:r>
+              <a:t>That’s if we could easily but not so.</a:t>
+            </a:r>
+          </a:p>
+          <a:p>
+            <a:r>
+              <a:rPr lang="en-US" dirty="0"/>
+              <a:t>So, we’ll describe what “would” happen.</a:t>
+            </a:r>
+          </a:p>
+          <a:p>
+            <a:r>
+              <a:rPr lang="en-US" dirty="0"/>
+              <a:t>We would start by starting up / going to the site and login in or signing up</a:t>
+            </a:r>
+          </a:p>
+          <a:p>
+            <a:r>
+              <a:rPr lang="en-US" dirty="0"/>
+              <a:t>Then from there showing the multiple pages and then final go to the NOTE page</a:t>
+            </a:r>
+          </a:p>
+          <a:p>
+            <a:r>
+              <a:rPr lang="en-US" dirty="0"/>
+              <a:t>Where we show how the note would work, like creating a new note, editing, saving, and deletion.</a:t>
+            </a:r>
+          </a:p>
+          <a:p>
+            <a:endParaRPr lang="en-US" dirty="0"/>
           </a:p>
         </p:txBody>
       </p:sp>
@@ -6634,7 +6721,7 @@
           <p:cNvPr id="2" name="Title 1">
             <a:extLst>
               <a:ext uri="{FF2B5EF4-FFF2-40B4-BE49-F238E27FC236}">
-                <a16:creationId xmlns:a16="http://schemas.microsoft.com/office/drawing/2014/main" id="{90F3D1FD-D180-4A52-1355-EE849FD62CA3}"/>
+                <a16:creationId xmlns:a16="http://schemas.microsoft.com/office/drawing/2014/main" id="{D00D73B8-632E-EE7E-8833-09307061AB89}"/>
               </a:ext>
             </a:extLst>
           </p:cNvPr>
@@ -6650,17 +6737,199 @@
           <a:bodyPr/>
           <a:lstStyle/>
           <a:p>
-            <a:r>
-              <a:rPr lang="en-US" dirty="0"/>
-              <a:t>Questions?</a:t>
-            </a:r>
+            <a:endParaRPr lang="en-US"/>
+          </a:p>
+        </p:txBody>
+      </p:sp>
+      <p:sp>
+        <p:nvSpPr>
+          <p:cNvPr id="3" name="Content Placeholder 2">
+            <a:extLst>
+              <a:ext uri="{FF2B5EF4-FFF2-40B4-BE49-F238E27FC236}">
+                <a16:creationId xmlns:a16="http://schemas.microsoft.com/office/drawing/2014/main" id="{2DC27570-748C-1627-9DF9-5FAB1EA520D4}"/>
+              </a:ext>
+            </a:extLst>
+          </p:cNvPr>
+          <p:cNvSpPr>
+            <a:spLocks noGrp="1"/>
+          </p:cNvSpPr>
+          <p:nvPr>
+            <p:ph idx="1"/>
+          </p:nvPr>
+        </p:nvSpPr>
+        <p:spPr/>
+        <p:txBody>
+          <a:bodyPr/>
+          <a:lstStyle/>
+          <a:p>
+            <a:endParaRPr lang="en-US"/>
           </a:p>
         </p:txBody>
       </p:sp>
     </p:spTree>
     <p:extLst>
       <p:ext uri="{BB962C8B-B14F-4D97-AF65-F5344CB8AC3E}">
-        <p14:creationId xmlns:p14="http://schemas.microsoft.com/office/powerpoint/2010/main" val="882423100"/>
+        <p14:creationId xmlns:p14="http://schemas.microsoft.com/office/powerpoint/2010/main" val="2516479117"/>
+      </p:ext>
+    </p:extLst>
+  </p:cSld>
+  <p:clrMapOvr>
+    <a:masterClrMapping/>
+  </p:clrMapOvr>
+</p:sld>
+</file>
+
+<file path=ppt/slides/slide8.xml><?xml version="1.0" encoding="utf-8"?>
+<p:sld xmlns:a="http://schemas.openxmlformats.org/drawingml/2006/main" xmlns:r="http://schemas.openxmlformats.org/officeDocument/2006/relationships" xmlns:p="http://schemas.openxmlformats.org/presentationml/2006/main">
+  <p:cSld>
+    <p:spTree>
+      <p:nvGrpSpPr>
+        <p:cNvPr id="1" name=""/>
+        <p:cNvGrpSpPr/>
+        <p:nvPr/>
+      </p:nvGrpSpPr>
+      <p:grpSpPr>
+        <a:xfrm>
+          <a:off x="0" y="0"/>
+          <a:ext cx="0" cy="0"/>
+          <a:chOff x="0" y="0"/>
+          <a:chExt cx="0" cy="0"/>
+        </a:xfrm>
+      </p:grpSpPr>
+      <p:sp>
+        <p:nvSpPr>
+          <p:cNvPr id="2" name="Title 1">
+            <a:extLst>
+              <a:ext uri="{FF2B5EF4-FFF2-40B4-BE49-F238E27FC236}">
+                <a16:creationId xmlns:a16="http://schemas.microsoft.com/office/drawing/2014/main" id="{DD555649-75D4-8F58-46A2-2EA56C612C95}"/>
+              </a:ext>
+            </a:extLst>
+          </p:cNvPr>
+          <p:cNvSpPr>
+            <a:spLocks noGrp="1"/>
+          </p:cNvSpPr>
+          <p:nvPr>
+            <p:ph type="title"/>
+          </p:nvPr>
+        </p:nvSpPr>
+        <p:spPr/>
+        <p:txBody>
+          <a:bodyPr/>
+          <a:lstStyle/>
+          <a:p>
+            <a:endParaRPr lang="en-US"/>
+          </a:p>
+        </p:txBody>
+      </p:sp>
+      <p:sp>
+        <p:nvSpPr>
+          <p:cNvPr id="3" name="Content Placeholder 2">
+            <a:extLst>
+              <a:ext uri="{FF2B5EF4-FFF2-40B4-BE49-F238E27FC236}">
+                <a16:creationId xmlns:a16="http://schemas.microsoft.com/office/drawing/2014/main" id="{ED89BD78-F640-2D29-E0ED-893B641DC8E6}"/>
+              </a:ext>
+            </a:extLst>
+          </p:cNvPr>
+          <p:cNvSpPr>
+            <a:spLocks noGrp="1"/>
+          </p:cNvSpPr>
+          <p:nvPr>
+            <p:ph idx="1"/>
+          </p:nvPr>
+        </p:nvSpPr>
+        <p:spPr/>
+        <p:txBody>
+          <a:bodyPr/>
+          <a:lstStyle/>
+          <a:p>
+            <a:endParaRPr lang="en-US"/>
+          </a:p>
+        </p:txBody>
+      </p:sp>
+    </p:spTree>
+    <p:extLst>
+      <p:ext uri="{BB962C8B-B14F-4D97-AF65-F5344CB8AC3E}">
+        <p14:creationId xmlns:p14="http://schemas.microsoft.com/office/powerpoint/2010/main" val="1329917461"/>
+      </p:ext>
+    </p:extLst>
+  </p:cSld>
+  <p:clrMapOvr>
+    <a:masterClrMapping/>
+  </p:clrMapOvr>
+</p:sld>
+</file>
+
+<file path=ppt/slides/slide9.xml><?xml version="1.0" encoding="utf-8"?>
+<p:sld xmlns:a="http://schemas.openxmlformats.org/drawingml/2006/main" xmlns:r="http://schemas.openxmlformats.org/officeDocument/2006/relationships" xmlns:p="http://schemas.openxmlformats.org/presentationml/2006/main">
+  <p:cSld>
+    <p:spTree>
+      <p:nvGrpSpPr>
+        <p:cNvPr id="1" name=""/>
+        <p:cNvGrpSpPr/>
+        <p:nvPr/>
+      </p:nvGrpSpPr>
+      <p:grpSpPr>
+        <a:xfrm>
+          <a:off x="0" y="0"/>
+          <a:ext cx="0" cy="0"/>
+          <a:chOff x="0" y="0"/>
+          <a:chExt cx="0" cy="0"/>
+        </a:xfrm>
+      </p:grpSpPr>
+      <p:sp>
+        <p:nvSpPr>
+          <p:cNvPr id="2" name="Title 1">
+            <a:extLst>
+              <a:ext uri="{FF2B5EF4-FFF2-40B4-BE49-F238E27FC236}">
+                <a16:creationId xmlns:a16="http://schemas.microsoft.com/office/drawing/2014/main" id="{8B0DB1D6-B4E9-1D93-E252-151A910C1F33}"/>
+              </a:ext>
+            </a:extLst>
+          </p:cNvPr>
+          <p:cNvSpPr>
+            <a:spLocks noGrp="1"/>
+          </p:cNvSpPr>
+          <p:nvPr>
+            <p:ph type="title"/>
+          </p:nvPr>
+        </p:nvSpPr>
+        <p:spPr/>
+        <p:txBody>
+          <a:bodyPr/>
+          <a:lstStyle/>
+          <a:p>
+            <a:endParaRPr lang="en-US"/>
+          </a:p>
+        </p:txBody>
+      </p:sp>
+      <p:sp>
+        <p:nvSpPr>
+          <p:cNvPr id="3" name="Content Placeholder 2">
+            <a:extLst>
+              <a:ext uri="{FF2B5EF4-FFF2-40B4-BE49-F238E27FC236}">
+                <a16:creationId xmlns:a16="http://schemas.microsoft.com/office/drawing/2014/main" id="{6EE14A5A-2CC5-303E-6B0F-DC0499C993B4}"/>
+              </a:ext>
+            </a:extLst>
+          </p:cNvPr>
+          <p:cNvSpPr>
+            <a:spLocks noGrp="1"/>
+          </p:cNvSpPr>
+          <p:nvPr>
+            <p:ph idx="1"/>
+          </p:nvPr>
+        </p:nvSpPr>
+        <p:spPr/>
+        <p:txBody>
+          <a:bodyPr/>
+          <a:lstStyle/>
+          <a:p>
+            <a:endParaRPr lang="en-US"/>
+          </a:p>
+        </p:txBody>
+      </p:sp>
+    </p:spTree>
+    <p:extLst>
+      <p:ext uri="{BB962C8B-B14F-4D97-AF65-F5344CB8AC3E}">
+        <p14:creationId xmlns:p14="http://schemas.microsoft.com/office/powerpoint/2010/main" val="2384466991"/>
       </p:ext>
     </p:extLst>
   </p:cSld>

--- a/Phase 3 Documentation/Team_2_Presentation_3.pptx
+++ b/Phase 3 Documentation/Team_2_Presentation_3.pptx
@@ -216,7 +216,7 @@
           <a:effectLst/>
           <a:extLst>
             <a:ext uri="{91240B29-F687-4f45-9708-019B960494DF}">
-              <a14:hiddenLine xmlns:a14="http://schemas.microsoft.com/office/drawing/2010/main" xmlns="" w="9525">
+              <a14:hiddenLine xmlns="" xmlns:a14="http://schemas.microsoft.com/office/drawing/2010/main" w="9525">
                 <a:solidFill>
                   <a:srgbClr val="000000"/>
                 </a:solidFill>
@@ -1738,7 +1738,7 @@
           <a:ln/>
           <a:extLst>
             <a:ext uri="{91240B29-F687-4f45-9708-019B960494DF}">
-              <a14:hiddenLine xmlns:a14="http://schemas.microsoft.com/office/drawing/2010/main" xmlns="" w="9525">
+              <a14:hiddenLine xmlns="" xmlns:a14="http://schemas.microsoft.com/office/drawing/2010/main" w="9525">
                 <a:solidFill>
                   <a:srgbClr val="000000"/>
                 </a:solidFill>
@@ -2013,7 +2013,7 @@
           <a:ln/>
           <a:extLst>
             <a:ext uri="{91240B29-F687-4f45-9708-019B960494DF}">
-              <a14:hiddenLine xmlns:a14="http://schemas.microsoft.com/office/drawing/2010/main" xmlns="" w="9525">
+              <a14:hiddenLine xmlns="" xmlns:a14="http://schemas.microsoft.com/office/drawing/2010/main" w="9525">
                 <a:solidFill>
                   <a:srgbClr val="000000"/>
                 </a:solidFill>
@@ -2296,7 +2296,7 @@
           <a:ln/>
           <a:extLst>
             <a:ext uri="{91240B29-F687-4f45-9708-019B960494DF}">
-              <a14:hiddenLine xmlns:a14="http://schemas.microsoft.com/office/drawing/2010/main" xmlns="" w="9525">
+              <a14:hiddenLine xmlns="" xmlns:a14="http://schemas.microsoft.com/office/drawing/2010/main" w="9525">
                 <a:solidFill>
                   <a:srgbClr val="000000"/>
                 </a:solidFill>
@@ -2922,7 +2922,7 @@
           <a:ln/>
           <a:extLst>
             <a:ext uri="{91240B29-F687-4f45-9708-019B960494DF}">
-              <a14:hiddenLine xmlns:a14="http://schemas.microsoft.com/office/drawing/2010/main" xmlns="" w="9525">
+              <a14:hiddenLine xmlns="" xmlns:a14="http://schemas.microsoft.com/office/drawing/2010/main" w="9525">
                 <a:solidFill>
                   <a:srgbClr val="000000"/>
                 </a:solidFill>
@@ -3261,7 +3261,7 @@
           <a:ln/>
           <a:extLst>
             <a:ext uri="{91240B29-F687-4f45-9708-019B960494DF}">
-              <a14:hiddenLine xmlns:a14="http://schemas.microsoft.com/office/drawing/2010/main" xmlns="" w="9525">
+              <a14:hiddenLine xmlns="" xmlns:a14="http://schemas.microsoft.com/office/drawing/2010/main" w="9525">
                 <a:solidFill>
                   <a:srgbClr val="000000"/>
                 </a:solidFill>
@@ -3738,7 +3738,7 @@
           <a:ln/>
           <a:extLst>
             <a:ext uri="{91240B29-F687-4f45-9708-019B960494DF}">
-              <a14:hiddenLine xmlns:a14="http://schemas.microsoft.com/office/drawing/2010/main" xmlns="" w="9525">
+              <a14:hiddenLine xmlns="" xmlns:a14="http://schemas.microsoft.com/office/drawing/2010/main" w="9525">
                 <a:solidFill>
                   <a:srgbClr val="000000"/>
                 </a:solidFill>
@@ -4167,7 +4167,7 @@
           <a:ln/>
           <a:extLst>
             <a:ext uri="{91240B29-F687-4f45-9708-019B960494DF}">
-              <a14:hiddenLine xmlns:a14="http://schemas.microsoft.com/office/drawing/2010/main" xmlns="" w="9525">
+              <a14:hiddenLine xmlns="" xmlns:a14="http://schemas.microsoft.com/office/drawing/2010/main" w="9525">
                 <a:solidFill>
                   <a:srgbClr val="000000"/>
                 </a:solidFill>
@@ -6009,7 +6009,10 @@
           <a:bodyPr/>
           <a:lstStyle/>
           <a:p>
-            <a:endParaRPr lang="en-US"/>
+            <a:r>
+              <a:rPr lang="en-US" dirty="0"/>
+              <a:t>Log in page</a:t>
+            </a:r>
           </a:p>
         </p:txBody>
       </p:sp>
@@ -6034,7 +6037,32 @@
           <a:bodyPr/>
           <a:lstStyle/>
           <a:p>
-            <a:endParaRPr lang="en-US"/>
+            <a:r>
+              <a:rPr lang="en-US" dirty="0"/>
+              <a:t>This page is the first thing you see when opening </a:t>
+            </a:r>
+            <a:r>
+              <a:rPr lang="en-US" dirty="0" err="1"/>
+              <a:t>EncryptNotes</a:t>
+            </a:r>
+            <a:r>
+              <a:rPr lang="en-US" dirty="0"/>
+              <a:t>.</a:t>
+            </a:r>
+          </a:p>
+          <a:p>
+            <a:r>
+              <a:rPr lang="en-US" dirty="0"/>
+              <a:t>Users can sign up </a:t>
+            </a:r>
+            <a:r>
+              <a:rPr lang="en-US"/>
+              <a:t>and login.</a:t>
+            </a:r>
+            <a:endParaRPr lang="en-US" dirty="0"/>
+          </a:p>
+          <a:p>
+            <a:endParaRPr lang="en-US" dirty="0"/>
           </a:p>
         </p:txBody>
       </p:sp>
@@ -6065,7 +6093,7 @@
         </p:blipFill>
         <p:spPr>
           <a:xfrm>
-            <a:off x="3929561" y="883463"/>
+            <a:off x="8470392" y="0"/>
             <a:ext cx="3721608" cy="2542032"/>
           </a:xfrm>
           <a:prstGeom prst="rect">
@@ -6124,7 +6152,10 @@
           <a:bodyPr/>
           <a:lstStyle/>
           <a:p>
-            <a:endParaRPr lang="en-US"/>
+            <a:r>
+              <a:rPr lang="en-US" dirty="0"/>
+              <a:t>Profile page</a:t>
+            </a:r>
           </a:p>
         </p:txBody>
       </p:sp>

--- a/Phase 3 Documentation/Team_2_Presentation_3.pptx
+++ b/Phase 3 Documentation/Team_2_Presentation_3.pptx
@@ -216,7 +216,7 @@
           <a:effectLst/>
           <a:extLst>
             <a:ext uri="{91240B29-F687-4f45-9708-019B960494DF}">
-              <a14:hiddenLine xmlns="" xmlns:a14="http://schemas.microsoft.com/office/drawing/2010/main" w="9525">
+              <a14:hiddenLine xmlns:a14="http://schemas.microsoft.com/office/drawing/2010/main" xmlns="" w="9525">
                 <a:solidFill>
                   <a:srgbClr val="000000"/>
                 </a:solidFill>
@@ -1738,7 +1738,7 @@
           <a:ln/>
           <a:extLst>
             <a:ext uri="{91240B29-F687-4f45-9708-019B960494DF}">
-              <a14:hiddenLine xmlns="" xmlns:a14="http://schemas.microsoft.com/office/drawing/2010/main" w="9525">
+              <a14:hiddenLine xmlns:a14="http://schemas.microsoft.com/office/drawing/2010/main" xmlns="" w="9525">
                 <a:solidFill>
                   <a:srgbClr val="000000"/>
                 </a:solidFill>
@@ -2013,7 +2013,7 @@
           <a:ln/>
           <a:extLst>
             <a:ext uri="{91240B29-F687-4f45-9708-019B960494DF}">
-              <a14:hiddenLine xmlns="" xmlns:a14="http://schemas.microsoft.com/office/drawing/2010/main" w="9525">
+              <a14:hiddenLine xmlns:a14="http://schemas.microsoft.com/office/drawing/2010/main" xmlns="" w="9525">
                 <a:solidFill>
                   <a:srgbClr val="000000"/>
                 </a:solidFill>
@@ -2296,7 +2296,7 @@
           <a:ln/>
           <a:extLst>
             <a:ext uri="{91240B29-F687-4f45-9708-019B960494DF}">
-              <a14:hiddenLine xmlns="" xmlns:a14="http://schemas.microsoft.com/office/drawing/2010/main" w="9525">
+              <a14:hiddenLine xmlns:a14="http://schemas.microsoft.com/office/drawing/2010/main" xmlns="" w="9525">
                 <a:solidFill>
                   <a:srgbClr val="000000"/>
                 </a:solidFill>
@@ -2922,7 +2922,7 @@
           <a:ln/>
           <a:extLst>
             <a:ext uri="{91240B29-F687-4f45-9708-019B960494DF}">
-              <a14:hiddenLine xmlns="" xmlns:a14="http://schemas.microsoft.com/office/drawing/2010/main" w="9525">
+              <a14:hiddenLine xmlns:a14="http://schemas.microsoft.com/office/drawing/2010/main" xmlns="" w="9525">
                 <a:solidFill>
                   <a:srgbClr val="000000"/>
                 </a:solidFill>
@@ -3261,7 +3261,7 @@
           <a:ln/>
           <a:extLst>
             <a:ext uri="{91240B29-F687-4f45-9708-019B960494DF}">
-              <a14:hiddenLine xmlns="" xmlns:a14="http://schemas.microsoft.com/office/drawing/2010/main" w="9525">
+              <a14:hiddenLine xmlns:a14="http://schemas.microsoft.com/office/drawing/2010/main" xmlns="" w="9525">
                 <a:solidFill>
                   <a:srgbClr val="000000"/>
                 </a:solidFill>
@@ -3738,7 +3738,7 @@
           <a:ln/>
           <a:extLst>
             <a:ext uri="{91240B29-F687-4f45-9708-019B960494DF}">
-              <a14:hiddenLine xmlns="" xmlns:a14="http://schemas.microsoft.com/office/drawing/2010/main" w="9525">
+              <a14:hiddenLine xmlns:a14="http://schemas.microsoft.com/office/drawing/2010/main" xmlns="" w="9525">
                 <a:solidFill>
                   <a:srgbClr val="000000"/>
                 </a:solidFill>
@@ -4167,7 +4167,7 @@
           <a:ln/>
           <a:extLst>
             <a:ext uri="{91240B29-F687-4f45-9708-019B960494DF}">
-              <a14:hiddenLine xmlns="" xmlns:a14="http://schemas.microsoft.com/office/drawing/2010/main" w="9525">
+              <a14:hiddenLine xmlns:a14="http://schemas.microsoft.com/office/drawing/2010/main" xmlns="" w="9525">
                 <a:solidFill>
                   <a:srgbClr val="000000"/>
                 </a:solidFill>
@@ -6093,8 +6093,8 @@
         </p:blipFill>
         <p:spPr>
           <a:xfrm>
-            <a:off x="8470392" y="0"/>
-            <a:ext cx="3721608" cy="2542032"/>
+            <a:off x="6996023" y="-1"/>
+            <a:ext cx="5195977" cy="3549095"/>
           </a:xfrm>
           <a:prstGeom prst="rect">
             <a:avLst/>
@@ -6211,8 +6211,8 @@
         </p:blipFill>
         <p:spPr>
           <a:xfrm>
-            <a:off x="7910946" y="883463"/>
-            <a:ext cx="3719192" cy="2542032"/>
+            <a:off x="1853795" y="1417638"/>
+            <a:ext cx="7643887" cy="5224523"/>
           </a:xfrm>
           <a:prstGeom prst="rect">
             <a:avLst/>

--- a/Phase 3 Documentation/Team_2_Presentation_3.pptx
+++ b/Phase 3 Documentation/Team_2_Presentation_3.pptx
@@ -10,10 +10,10 @@
     <p:sldId id="258" r:id="rId4"/>
     <p:sldId id="259" r:id="rId5"/>
     <p:sldId id="260" r:id="rId6"/>
-    <p:sldId id="261" r:id="rId7"/>
-    <p:sldId id="266" r:id="rId8"/>
-    <p:sldId id="267" r:id="rId9"/>
-    <p:sldId id="268" r:id="rId10"/>
+    <p:sldId id="268" r:id="rId7"/>
+    <p:sldId id="261" r:id="rId8"/>
+    <p:sldId id="269" r:id="rId9"/>
+    <p:sldId id="267" r:id="rId10"/>
     <p:sldId id="265" r:id="rId11"/>
   </p:sldIdLst>
   <p:sldSz cx="12192000" cy="6858000"/>
@@ -119,6 +119,14 @@
     </p:ext>
   </p:extLst>
 </p:presentation>
+</file>
+
+<file path=ppt/revisionInfo.xml><?xml version="1.0" encoding="utf-8"?>
+<p1510:revInfo xmlns:a="http://schemas.openxmlformats.org/drawingml/2006/main" xmlns:r="http://schemas.openxmlformats.org/officeDocument/2006/relationships" xmlns:p1510="http://schemas.microsoft.com/office/powerpoint/2015/10/main">
+  <p1510:revLst>
+    <p1510:client id="{3472BE9B-41BA-7134-8D63-286745D76E5B}" v="528" dt="2025-04-14T03:14:22.294"/>
+  </p1510:revLst>
+</p1510:revInfo>
 </file>
 
 <file path=ppt/slideLayouts/slideLayout1.xml><?xml version="1.0" encoding="utf-8"?>
@@ -6032,7 +6040,12 @@
             <p:ph idx="1"/>
           </p:nvPr>
         </p:nvSpPr>
-        <p:spPr/>
+        <p:spPr>
+          <a:xfrm>
+            <a:off x="809067" y="2222287"/>
+            <a:ext cx="4516447" cy="3636511"/>
+          </a:xfrm>
+        </p:spPr>
         <p:txBody>
           <a:bodyPr/>
           <a:lstStyle/>
@@ -6093,8 +6106,8 @@
         </p:blipFill>
         <p:spPr>
           <a:xfrm>
-            <a:off x="8470392" y="0"/>
-            <a:ext cx="3721608" cy="2542032"/>
+            <a:off x="5161962" y="2218481"/>
+            <a:ext cx="6219810" cy="4249297"/>
           </a:xfrm>
           <a:prstGeom prst="rect">
             <a:avLst/>
@@ -6175,12 +6188,26 @@
             <p:ph idx="1"/>
           </p:nvPr>
         </p:nvSpPr>
-        <p:spPr/>
+        <p:spPr>
+          <a:xfrm>
+            <a:off x="809067" y="2164414"/>
+            <a:ext cx="3985941" cy="3694384"/>
+          </a:xfrm>
+        </p:spPr>
         <p:txBody>
           <a:bodyPr/>
           <a:lstStyle/>
           <a:p>
-            <a:endParaRPr lang="en-US"/>
+            <a:r>
+              <a:rPr lang="en-US" dirty="0"/>
+              <a:t>Profile Overview</a:t>
+            </a:r>
+          </a:p>
+          <a:p>
+            <a:r>
+              <a:rPr lang="en-US" dirty="0"/>
+              <a:t>Access to Note Archive and create new notes</a:t>
+            </a:r>
           </a:p>
         </p:txBody>
       </p:sp>
@@ -6211,8 +6238,8 @@
         </p:blipFill>
         <p:spPr>
           <a:xfrm>
-            <a:off x="7910946" y="883463"/>
-            <a:ext cx="3719192" cy="2542032"/>
+            <a:off x="4795428" y="2166324"/>
+            <a:ext cx="6304204" cy="4316816"/>
           </a:xfrm>
           <a:prstGeom prst="rect">
             <a:avLst/>
@@ -6628,7 +6655,7 @@
           <p:cNvPr id="2" name="Title 1">
             <a:extLst>
               <a:ext uri="{FF2B5EF4-FFF2-40B4-BE49-F238E27FC236}">
-                <a16:creationId xmlns:a16="http://schemas.microsoft.com/office/drawing/2014/main" id="{44B73B45-C2E5-3721-2090-BE4EC8909DE3}"/>
+                <a16:creationId xmlns:a16="http://schemas.microsoft.com/office/drawing/2014/main" id="{8B0DB1D6-B4E9-1D93-E252-151A910C1F33}"/>
               </a:ext>
             </a:extLst>
           </p:cNvPr>
@@ -6646,7 +6673,7 @@
           <a:p>
             <a:r>
               <a:rPr lang="en-US" dirty="0"/>
-              <a:t>Demonstration</a:t>
+              <a:t>Encryption Method</a:t>
             </a:r>
           </a:p>
         </p:txBody>
@@ -6656,7 +6683,7 @@
           <p:cNvPr id="3" name="Content Placeholder 2">
             <a:extLst>
               <a:ext uri="{FF2B5EF4-FFF2-40B4-BE49-F238E27FC236}">
-                <a16:creationId xmlns:a16="http://schemas.microsoft.com/office/drawing/2014/main" id="{BBE680A1-C608-4CC7-13C5-11C98D0914BF}"/>
+                <a16:creationId xmlns:a16="http://schemas.microsoft.com/office/drawing/2014/main" id="{6EE14A5A-2CC5-303E-6B0F-DC0499C993B4}"/>
               </a:ext>
             </a:extLst>
           </p:cNvPr>
@@ -6667,60 +6694,39 @@
             <p:ph idx="1"/>
           </p:nvPr>
         </p:nvSpPr>
-        <p:spPr>
-          <a:xfrm>
-            <a:off x="818712" y="2222288"/>
-            <a:ext cx="10554574" cy="3963908"/>
-          </a:xfrm>
-        </p:spPr>
+        <p:spPr/>
         <p:txBody>
           <a:bodyPr/>
           <a:lstStyle/>
           <a:p>
+            <a:pPr>
+              <a:lnSpc>
+                <a:spcPct val="200000"/>
+              </a:lnSpc>
+            </a:pPr>
+            <a:r>
+              <a:rPr lang="en-US"/>
+              <a:t>Encryption of notes start at front end each time a note is saved</a:t>
+            </a:r>
+            <a:endParaRPr lang="en-US" dirty="0"/>
+          </a:p>
+          <a:p>
+            <a:pPr>
+              <a:lnSpc>
+                <a:spcPct val="200000"/>
+              </a:lnSpc>
+            </a:pPr>
             <a:r>
               <a:rPr lang="en-US" dirty="0"/>
-              <a:t>Now onto a Demonstration…</a:t>
-            </a:r>
-          </a:p>
-          <a:p>
-            <a:r>
-              <a:rPr lang="en-US" dirty="0"/>
-              <a:t>That’s if we could easily but not so.</a:t>
-            </a:r>
-          </a:p>
-          <a:p>
-            <a:r>
-              <a:rPr lang="en-US" dirty="0"/>
-              <a:t>So, we’ll describe what “would” happen.</a:t>
-            </a:r>
-          </a:p>
-          <a:p>
-            <a:r>
-              <a:rPr lang="en-US" dirty="0"/>
-              <a:t>We would start by starting up / going to the site and login in or signing up</a:t>
-            </a:r>
-          </a:p>
-          <a:p>
-            <a:r>
-              <a:rPr lang="en-US" dirty="0"/>
-              <a:t>Then from there showing the multiple pages and then final go to the NOTE page</a:t>
-            </a:r>
-          </a:p>
-          <a:p>
-            <a:r>
-              <a:rPr lang="en-US" dirty="0"/>
-              <a:t>Where we show how the note would work, like creating a new note, editing, saving, and deletion.</a:t>
-            </a:r>
-          </a:p>
-          <a:p>
-            <a:endParaRPr lang="en-US" dirty="0"/>
+              <a:t>An encryption key is saved to the database to encrypt outgoing notes being queried by the front-end</a:t>
+            </a:r>
           </a:p>
         </p:txBody>
       </p:sp>
     </p:spTree>
     <p:extLst>
       <p:ext uri="{BB962C8B-B14F-4D97-AF65-F5344CB8AC3E}">
-        <p14:creationId xmlns:p14="http://schemas.microsoft.com/office/powerpoint/2010/main" val="145020236"/>
+        <p14:creationId xmlns:p14="http://schemas.microsoft.com/office/powerpoint/2010/main" val="2384466991"/>
       </p:ext>
     </p:extLst>
   </p:cSld>
@@ -6752,7 +6758,7 @@
           <p:cNvPr id="2" name="Title 1">
             <a:extLst>
               <a:ext uri="{FF2B5EF4-FFF2-40B4-BE49-F238E27FC236}">
-                <a16:creationId xmlns:a16="http://schemas.microsoft.com/office/drawing/2014/main" id="{D00D73B8-632E-EE7E-8833-09307061AB89}"/>
+                <a16:creationId xmlns:a16="http://schemas.microsoft.com/office/drawing/2014/main" id="{44B73B45-C2E5-3721-2090-BE4EC8909DE3}"/>
               </a:ext>
             </a:extLst>
           </p:cNvPr>
@@ -6768,7 +6774,10 @@
           <a:bodyPr/>
           <a:lstStyle/>
           <a:p>
-            <a:endParaRPr lang="en-US"/>
+            <a:r>
+              <a:rPr lang="en-US" dirty="0"/>
+              <a:t>Demonstration</a:t>
+            </a:r>
           </a:p>
         </p:txBody>
       </p:sp>
@@ -6777,7 +6786,7 @@
           <p:cNvPr id="3" name="Content Placeholder 2">
             <a:extLst>
               <a:ext uri="{FF2B5EF4-FFF2-40B4-BE49-F238E27FC236}">
-                <a16:creationId xmlns:a16="http://schemas.microsoft.com/office/drawing/2014/main" id="{2DC27570-748C-1627-9DF9-5FAB1EA520D4}"/>
+                <a16:creationId xmlns:a16="http://schemas.microsoft.com/office/drawing/2014/main" id="{BBE680A1-C608-4CC7-13C5-11C98D0914BF}"/>
               </a:ext>
             </a:extLst>
           </p:cNvPr>
@@ -6788,19 +6797,48 @@
             <p:ph idx="1"/>
           </p:nvPr>
         </p:nvSpPr>
-        <p:spPr/>
+        <p:spPr>
+          <a:xfrm>
+            <a:off x="818712" y="2222288"/>
+            <a:ext cx="10554574" cy="3963908"/>
+          </a:xfrm>
+        </p:spPr>
         <p:txBody>
           <a:bodyPr/>
           <a:lstStyle/>
           <a:p>
-            <a:endParaRPr lang="en-US"/>
+            <a:r>
+              <a:rPr lang="en-US" dirty="0"/>
+              <a:t>Now onto a Demonstration…</a:t>
+            </a:r>
+          </a:p>
+          <a:p>
+            <a:r>
+              <a:rPr lang="en-US" dirty="0"/>
+              <a:t>We would start by starting up / going to the site and login in or signing up</a:t>
+            </a:r>
+          </a:p>
+          <a:p>
+            <a:r>
+              <a:rPr lang="en-US" dirty="0"/>
+              <a:t>Then from there showing the multiple pages and then final go to the NOTE page</a:t>
+            </a:r>
+          </a:p>
+          <a:p>
+            <a:r>
+              <a:rPr lang="en-US" dirty="0"/>
+              <a:t>Where we show how the note would work, like creating a new note, editing, saving, and deletion.</a:t>
+            </a:r>
+          </a:p>
+          <a:p>
+            <a:endParaRPr lang="en-US" dirty="0"/>
           </a:p>
         </p:txBody>
       </p:sp>
     </p:spTree>
     <p:extLst>
       <p:ext uri="{BB962C8B-B14F-4D97-AF65-F5344CB8AC3E}">
-        <p14:creationId xmlns:p14="http://schemas.microsoft.com/office/powerpoint/2010/main" val="2516479117"/>
+        <p14:creationId xmlns:p14="http://schemas.microsoft.com/office/powerpoint/2010/main" val="145020236"/>
       </p:ext>
     </p:extLst>
   </p:cSld>
@@ -6832,7 +6870,7 @@
           <p:cNvPr id="2" name="Title 1">
             <a:extLst>
               <a:ext uri="{FF2B5EF4-FFF2-40B4-BE49-F238E27FC236}">
-                <a16:creationId xmlns:a16="http://schemas.microsoft.com/office/drawing/2014/main" id="{DD555649-75D4-8F58-46A2-2EA56C612C95}"/>
+                <a16:creationId xmlns:a16="http://schemas.microsoft.com/office/drawing/2014/main" id="{D05AB79A-211E-AE06-2A64-CFF2A033B372}"/>
               </a:ext>
             </a:extLst>
           </p:cNvPr>
@@ -6857,7 +6895,7 @@
           <p:cNvPr id="3" name="Content Placeholder 2">
             <a:extLst>
               <a:ext uri="{FF2B5EF4-FFF2-40B4-BE49-F238E27FC236}">
-                <a16:creationId xmlns:a16="http://schemas.microsoft.com/office/drawing/2014/main" id="{ED89BD78-F640-2D29-E0ED-893B641DC8E6}"/>
+                <a16:creationId xmlns:a16="http://schemas.microsoft.com/office/drawing/2014/main" id="{1F0F84B6-9854-5353-6EFA-85BB75DF1B86}"/>
               </a:ext>
             </a:extLst>
           </p:cNvPr>
@@ -6880,7 +6918,7 @@
     </p:spTree>
     <p:extLst>
       <p:ext uri="{BB962C8B-B14F-4D97-AF65-F5344CB8AC3E}">
-        <p14:creationId xmlns:p14="http://schemas.microsoft.com/office/powerpoint/2010/main" val="1329917461"/>
+        <p14:creationId xmlns:p14="http://schemas.microsoft.com/office/powerpoint/2010/main" val="633962344"/>
       </p:ext>
     </p:extLst>
   </p:cSld>
@@ -6912,7 +6950,7 @@
           <p:cNvPr id="2" name="Title 1">
             <a:extLst>
               <a:ext uri="{FF2B5EF4-FFF2-40B4-BE49-F238E27FC236}">
-                <a16:creationId xmlns:a16="http://schemas.microsoft.com/office/drawing/2014/main" id="{8B0DB1D6-B4E9-1D93-E252-151A910C1F33}"/>
+                <a16:creationId xmlns:a16="http://schemas.microsoft.com/office/drawing/2014/main" id="{DD555649-75D4-8F58-46A2-2EA56C612C95}"/>
               </a:ext>
             </a:extLst>
           </p:cNvPr>
@@ -6937,7 +6975,7 @@
           <p:cNvPr id="3" name="Content Placeholder 2">
             <a:extLst>
               <a:ext uri="{FF2B5EF4-FFF2-40B4-BE49-F238E27FC236}">
-                <a16:creationId xmlns:a16="http://schemas.microsoft.com/office/drawing/2014/main" id="{6EE14A5A-2CC5-303E-6B0F-DC0499C993B4}"/>
+                <a16:creationId xmlns:a16="http://schemas.microsoft.com/office/drawing/2014/main" id="{ED89BD78-F640-2D29-E0ED-893B641DC8E6}"/>
               </a:ext>
             </a:extLst>
           </p:cNvPr>
@@ -6960,7 +6998,7 @@
     </p:spTree>
     <p:extLst>
       <p:ext uri="{BB962C8B-B14F-4D97-AF65-F5344CB8AC3E}">
-        <p14:creationId xmlns:p14="http://schemas.microsoft.com/office/powerpoint/2010/main" val="2384466991"/>
+        <p14:creationId xmlns:p14="http://schemas.microsoft.com/office/powerpoint/2010/main" val="1329917461"/>
       </p:ext>
     </p:extLst>
   </p:cSld>

--- a/Phase 3 Documentation/Team_2_Presentation_3.pptx
+++ b/Phase 3 Documentation/Team_2_Presentation_3.pptx
@@ -10,8 +10,8 @@
     <p:sldId id="258" r:id="rId4"/>
     <p:sldId id="259" r:id="rId5"/>
     <p:sldId id="260" r:id="rId6"/>
-    <p:sldId id="261" r:id="rId7"/>
-    <p:sldId id="266" r:id="rId8"/>
+    <p:sldId id="266" r:id="rId7"/>
+    <p:sldId id="261" r:id="rId8"/>
     <p:sldId id="267" r:id="rId9"/>
     <p:sldId id="268" r:id="rId10"/>
     <p:sldId id="265" r:id="rId11"/>
@@ -121,6 +121,14 @@
 </p:presentation>
 </file>
 
+<file path=ppt/revisionInfo.xml><?xml version="1.0" encoding="utf-8"?>
+<p1510:revInfo xmlns:a="http://schemas.openxmlformats.org/drawingml/2006/main" xmlns:r="http://schemas.openxmlformats.org/officeDocument/2006/relationships" xmlns:p1510="http://schemas.microsoft.com/office/powerpoint/2015/10/main">
+  <p1510:revLst>
+    <p1510:client id="{22D7D440-4677-45DE-A120-993B1C275BB4}" v="113" dt="2025-04-14T03:17:42.005"/>
+  </p1510:revLst>
+</p1510:revInfo>
+</file>
+
 <file path=ppt/slideLayouts/slideLayout1.xml><?xml version="1.0" encoding="utf-8"?>
 <p:sldLayout xmlns:a="http://schemas.openxmlformats.org/drawingml/2006/main" xmlns:r="http://schemas.openxmlformats.org/officeDocument/2006/relationships" xmlns:p="http://schemas.openxmlformats.org/presentationml/2006/main" type="title" preserve="1">
   <p:cSld name="Title Slide">
@@ -216,7 +224,7 @@
           <a:effectLst/>
           <a:extLst>
             <a:ext uri="{91240B29-F687-4f45-9708-019B960494DF}">
-              <a14:hiddenLine xmlns:a14="http://schemas.microsoft.com/office/drawing/2010/main" xmlns="" w="9525">
+              <a14:hiddenLine xmlns="" xmlns:a14="http://schemas.microsoft.com/office/drawing/2010/main" w="9525">
                 <a:solidFill>
                   <a:srgbClr val="000000"/>
                 </a:solidFill>
@@ -1738,7 +1746,7 @@
           <a:ln/>
           <a:extLst>
             <a:ext uri="{91240B29-F687-4f45-9708-019B960494DF}">
-              <a14:hiddenLine xmlns:a14="http://schemas.microsoft.com/office/drawing/2010/main" xmlns="" w="9525">
+              <a14:hiddenLine xmlns="" xmlns:a14="http://schemas.microsoft.com/office/drawing/2010/main" w="9525">
                 <a:solidFill>
                   <a:srgbClr val="000000"/>
                 </a:solidFill>
@@ -2013,7 +2021,7 @@
           <a:ln/>
           <a:extLst>
             <a:ext uri="{91240B29-F687-4f45-9708-019B960494DF}">
-              <a14:hiddenLine xmlns:a14="http://schemas.microsoft.com/office/drawing/2010/main" xmlns="" w="9525">
+              <a14:hiddenLine xmlns="" xmlns:a14="http://schemas.microsoft.com/office/drawing/2010/main" w="9525">
                 <a:solidFill>
                   <a:srgbClr val="000000"/>
                 </a:solidFill>
@@ -2296,7 +2304,7 @@
           <a:ln/>
           <a:extLst>
             <a:ext uri="{91240B29-F687-4f45-9708-019B960494DF}">
-              <a14:hiddenLine xmlns:a14="http://schemas.microsoft.com/office/drawing/2010/main" xmlns="" w="9525">
+              <a14:hiddenLine xmlns="" xmlns:a14="http://schemas.microsoft.com/office/drawing/2010/main" w="9525">
                 <a:solidFill>
                   <a:srgbClr val="000000"/>
                 </a:solidFill>
@@ -2922,7 +2930,7 @@
           <a:ln/>
           <a:extLst>
             <a:ext uri="{91240B29-F687-4f45-9708-019B960494DF}">
-              <a14:hiddenLine xmlns:a14="http://schemas.microsoft.com/office/drawing/2010/main" xmlns="" w="9525">
+              <a14:hiddenLine xmlns="" xmlns:a14="http://schemas.microsoft.com/office/drawing/2010/main" w="9525">
                 <a:solidFill>
                   <a:srgbClr val="000000"/>
                 </a:solidFill>
@@ -3261,7 +3269,7 @@
           <a:ln/>
           <a:extLst>
             <a:ext uri="{91240B29-F687-4f45-9708-019B960494DF}">
-              <a14:hiddenLine xmlns:a14="http://schemas.microsoft.com/office/drawing/2010/main" xmlns="" w="9525">
+              <a14:hiddenLine xmlns="" xmlns:a14="http://schemas.microsoft.com/office/drawing/2010/main" w="9525">
                 <a:solidFill>
                   <a:srgbClr val="000000"/>
                 </a:solidFill>
@@ -3738,7 +3746,7 @@
           <a:ln/>
           <a:extLst>
             <a:ext uri="{91240B29-F687-4f45-9708-019B960494DF}">
-              <a14:hiddenLine xmlns:a14="http://schemas.microsoft.com/office/drawing/2010/main" xmlns="" w="9525">
+              <a14:hiddenLine xmlns="" xmlns:a14="http://schemas.microsoft.com/office/drawing/2010/main" w="9525">
                 <a:solidFill>
                   <a:srgbClr val="000000"/>
                 </a:solidFill>
@@ -4167,7 +4175,7 @@
           <a:ln/>
           <a:extLst>
             <a:ext uri="{91240B29-F687-4f45-9708-019B960494DF}">
-              <a14:hiddenLine xmlns:a14="http://schemas.microsoft.com/office/drawing/2010/main" xmlns="" w="9525">
+              <a14:hiddenLine xmlns="" xmlns:a14="http://schemas.microsoft.com/office/drawing/2010/main" w="9525">
                 <a:solidFill>
                   <a:srgbClr val="000000"/>
                 </a:solidFill>
@@ -6628,7 +6636,7 @@
           <p:cNvPr id="2" name="Title 1">
             <a:extLst>
               <a:ext uri="{FF2B5EF4-FFF2-40B4-BE49-F238E27FC236}">
-                <a16:creationId xmlns:a16="http://schemas.microsoft.com/office/drawing/2014/main" id="{44B73B45-C2E5-3721-2090-BE4EC8909DE3}"/>
+                <a16:creationId xmlns:a16="http://schemas.microsoft.com/office/drawing/2014/main" id="{D00D73B8-632E-EE7E-8833-09307061AB89}"/>
               </a:ext>
             </a:extLst>
           </p:cNvPr>
@@ -6646,7 +6654,7 @@
           <a:p>
             <a:r>
               <a:rPr lang="en-US" dirty="0"/>
-              <a:t>Demonstration</a:t>
+              <a:t>Encryption Method</a:t>
             </a:r>
           </a:p>
         </p:txBody>
@@ -6656,7 +6664,7 @@
           <p:cNvPr id="3" name="Content Placeholder 2">
             <a:extLst>
               <a:ext uri="{FF2B5EF4-FFF2-40B4-BE49-F238E27FC236}">
-                <a16:creationId xmlns:a16="http://schemas.microsoft.com/office/drawing/2014/main" id="{BBE680A1-C608-4CC7-13C5-11C98D0914BF}"/>
+                <a16:creationId xmlns:a16="http://schemas.microsoft.com/office/drawing/2014/main" id="{2DC27570-748C-1627-9DF9-5FAB1EA520D4}"/>
               </a:ext>
             </a:extLst>
           </p:cNvPr>
@@ -6667,60 +6675,38 @@
             <p:ph idx="1"/>
           </p:nvPr>
         </p:nvSpPr>
-        <p:spPr>
-          <a:xfrm>
-            <a:off x="818712" y="2222288"/>
-            <a:ext cx="10554574" cy="3963908"/>
-          </a:xfrm>
-        </p:spPr>
+        <p:spPr/>
         <p:txBody>
           <a:bodyPr/>
           <a:lstStyle/>
           <a:p>
+            <a:pPr>
+              <a:lnSpc>
+                <a:spcPct val="200000"/>
+              </a:lnSpc>
+            </a:pPr>
             <a:r>
               <a:rPr lang="en-US" dirty="0"/>
-              <a:t>Now onto a Demonstration…</a:t>
-            </a:r>
-          </a:p>
-          <a:p>
+              <a:t>Notes are encrypted in the front-end every time the note is saved</a:t>
+            </a:r>
+          </a:p>
+          <a:p>
+            <a:pPr>
+              <a:lnSpc>
+                <a:spcPct val="200000"/>
+              </a:lnSpc>
+            </a:pPr>
             <a:r>
               <a:rPr lang="en-US" dirty="0"/>
-              <a:t>That’s if we could easily but not so.</a:t>
-            </a:r>
-          </a:p>
-          <a:p>
-            <a:r>
-              <a:rPr lang="en-US" dirty="0"/>
-              <a:t>So, we’ll describe what “would” happen.</a:t>
-            </a:r>
-          </a:p>
-          <a:p>
-            <a:r>
-              <a:rPr lang="en-US" dirty="0"/>
-              <a:t>We would start by starting up / going to the site and login in or signing up</a:t>
-            </a:r>
-          </a:p>
-          <a:p>
-            <a:r>
-              <a:rPr lang="en-US" dirty="0"/>
-              <a:t>Then from there showing the multiple pages and then final go to the NOTE page</a:t>
-            </a:r>
-          </a:p>
-          <a:p>
-            <a:r>
-              <a:rPr lang="en-US" dirty="0"/>
-              <a:t>Where we show how the note would work, like creating a new note, editing, saving, and deletion.</a:t>
-            </a:r>
-          </a:p>
-          <a:p>
-            <a:endParaRPr lang="en-US" dirty="0"/>
+              <a:t>Encryption Key is saved to the database to encrypt notes being queried by the front-end</a:t>
+            </a:r>
           </a:p>
         </p:txBody>
       </p:sp>
     </p:spTree>
     <p:extLst>
       <p:ext uri="{BB962C8B-B14F-4D97-AF65-F5344CB8AC3E}">
-        <p14:creationId xmlns:p14="http://schemas.microsoft.com/office/powerpoint/2010/main" val="145020236"/>
+        <p14:creationId xmlns:p14="http://schemas.microsoft.com/office/powerpoint/2010/main" val="2516479117"/>
       </p:ext>
     </p:extLst>
   </p:cSld>
@@ -6752,7 +6738,7 @@
           <p:cNvPr id="2" name="Title 1">
             <a:extLst>
               <a:ext uri="{FF2B5EF4-FFF2-40B4-BE49-F238E27FC236}">
-                <a16:creationId xmlns:a16="http://schemas.microsoft.com/office/drawing/2014/main" id="{D00D73B8-632E-EE7E-8833-09307061AB89}"/>
+                <a16:creationId xmlns:a16="http://schemas.microsoft.com/office/drawing/2014/main" id="{44B73B45-C2E5-3721-2090-BE4EC8909DE3}"/>
               </a:ext>
             </a:extLst>
           </p:cNvPr>
@@ -6768,7 +6754,10 @@
           <a:bodyPr/>
           <a:lstStyle/>
           <a:p>
-            <a:endParaRPr lang="en-US"/>
+            <a:r>
+              <a:rPr lang="en-US" dirty="0"/>
+              <a:t>Demonstration</a:t>
+            </a:r>
           </a:p>
         </p:txBody>
       </p:sp>
@@ -6777,7 +6766,7 @@
           <p:cNvPr id="3" name="Content Placeholder 2">
             <a:extLst>
               <a:ext uri="{FF2B5EF4-FFF2-40B4-BE49-F238E27FC236}">
-                <a16:creationId xmlns:a16="http://schemas.microsoft.com/office/drawing/2014/main" id="{2DC27570-748C-1627-9DF9-5FAB1EA520D4}"/>
+                <a16:creationId xmlns:a16="http://schemas.microsoft.com/office/drawing/2014/main" id="{BBE680A1-C608-4CC7-13C5-11C98D0914BF}"/>
               </a:ext>
             </a:extLst>
           </p:cNvPr>
@@ -6788,19 +6777,60 @@
             <p:ph idx="1"/>
           </p:nvPr>
         </p:nvSpPr>
-        <p:spPr/>
+        <p:spPr>
+          <a:xfrm>
+            <a:off x="818712" y="2222288"/>
+            <a:ext cx="10554574" cy="3963908"/>
+          </a:xfrm>
+        </p:spPr>
         <p:txBody>
           <a:bodyPr/>
           <a:lstStyle/>
           <a:p>
-            <a:endParaRPr lang="en-US"/>
+            <a:r>
+              <a:rPr lang="en-US" dirty="0"/>
+              <a:t>Now onto a Demonstration…</a:t>
+            </a:r>
+          </a:p>
+          <a:p>
+            <a:r>
+              <a:rPr lang="en-US" dirty="0"/>
+              <a:t>That’s if we could easily but not so.</a:t>
+            </a:r>
+          </a:p>
+          <a:p>
+            <a:r>
+              <a:rPr lang="en-US" dirty="0"/>
+              <a:t>So, we’ll describe what “would” happen.</a:t>
+            </a:r>
+          </a:p>
+          <a:p>
+            <a:r>
+              <a:rPr lang="en-US" dirty="0"/>
+              <a:t>We would start by starting up / going to the site and login in or signing up</a:t>
+            </a:r>
+          </a:p>
+          <a:p>
+            <a:r>
+              <a:rPr lang="en-US" dirty="0"/>
+              <a:t>Then from there showing the multiple pages and then final go to the NOTE page</a:t>
+            </a:r>
+          </a:p>
+          <a:p>
+            <a:r>
+              <a:rPr lang="en-US" dirty="0"/>
+              <a:t>Where we show how the note would work, like creating a new note, editing, saving, and deletion.</a:t>
+            </a:r>
+          </a:p>
+          <a:p>
+            <a:endParaRPr lang="en-US" dirty="0"/>
           </a:p>
         </p:txBody>
       </p:sp>
     </p:spTree>
     <p:extLst>
       <p:ext uri="{BB962C8B-B14F-4D97-AF65-F5344CB8AC3E}">
-        <p14:creationId xmlns:p14="http://schemas.microsoft.com/office/powerpoint/2010/main" val="2516479117"/>
+        <p14:creationId xmlns:p14="http://schemas.microsoft.com/office/powerpoint/2010/main" val="145020236"/>
       </p:ext>
     </p:extLst>
   </p:cSld>

--- a/Phase 3 Documentation/Team_2_Presentation_3.pptx
+++ b/Phase 3 Documentation/Team_2_Presentation_3.pptx
@@ -12,9 +12,7 @@
     <p:sldId id="260" r:id="rId6"/>
     <p:sldId id="266" r:id="rId7"/>
     <p:sldId id="261" r:id="rId8"/>
-    <p:sldId id="267" r:id="rId9"/>
-    <p:sldId id="268" r:id="rId10"/>
-    <p:sldId id="265" r:id="rId11"/>
+    <p:sldId id="265" r:id="rId9"/>
   </p:sldIdLst>
   <p:sldSz cx="12192000" cy="6858000"/>
   <p:notesSz cx="6858000" cy="9144000"/>
@@ -124,7 +122,7 @@
 <file path=ppt/revisionInfo.xml><?xml version="1.0" encoding="utf-8"?>
 <p1510:revInfo xmlns:a="http://schemas.openxmlformats.org/drawingml/2006/main" xmlns:r="http://schemas.openxmlformats.org/officeDocument/2006/relationships" xmlns:p1510="http://schemas.microsoft.com/office/powerpoint/2015/10/main">
   <p1510:revLst>
-    <p1510:client id="{22D7D440-4677-45DE-A120-993B1C275BB4}" v="113" dt="2025-04-14T03:17:42.005"/>
+    <p1510:client id="{22D7D440-4677-45DE-A120-993B1C275BB4}" v="115" dt="2025-04-14T03:18:55.676"/>
   </p1510:revLst>
 </p1510:revInfo>
 </file>
@@ -5921,64 +5919,6 @@
 </p:sld>
 </file>
 
-<file path=ppt/slides/slide10.xml><?xml version="1.0" encoding="utf-8"?>
-<p:sld xmlns:a="http://schemas.openxmlformats.org/drawingml/2006/main" xmlns:r="http://schemas.openxmlformats.org/officeDocument/2006/relationships" xmlns:p="http://schemas.openxmlformats.org/presentationml/2006/main">
-  <p:cSld>
-    <p:spTree>
-      <p:nvGrpSpPr>
-        <p:cNvPr id="1" name=""/>
-        <p:cNvGrpSpPr/>
-        <p:nvPr/>
-      </p:nvGrpSpPr>
-      <p:grpSpPr>
-        <a:xfrm>
-          <a:off x="0" y="0"/>
-          <a:ext cx="0" cy="0"/>
-          <a:chOff x="0" y="0"/>
-          <a:chExt cx="0" cy="0"/>
-        </a:xfrm>
-      </p:grpSpPr>
-      <p:sp>
-        <p:nvSpPr>
-          <p:cNvPr id="2" name="Title 1">
-            <a:extLst>
-              <a:ext uri="{FF2B5EF4-FFF2-40B4-BE49-F238E27FC236}">
-                <a16:creationId xmlns:a16="http://schemas.microsoft.com/office/drawing/2014/main" id="{90F3D1FD-D180-4A52-1355-EE849FD62CA3}"/>
-              </a:ext>
-            </a:extLst>
-          </p:cNvPr>
-          <p:cNvSpPr>
-            <a:spLocks noGrp="1"/>
-          </p:cNvSpPr>
-          <p:nvPr>
-            <p:ph type="title"/>
-          </p:nvPr>
-        </p:nvSpPr>
-        <p:spPr/>
-        <p:txBody>
-          <a:bodyPr/>
-          <a:lstStyle/>
-          <a:p>
-            <a:r>
-              <a:rPr lang="en-US" dirty="0"/>
-              <a:t>Questions?</a:t>
-            </a:r>
-          </a:p>
-        </p:txBody>
-      </p:sp>
-    </p:spTree>
-    <p:extLst>
-      <p:ext uri="{BB962C8B-B14F-4D97-AF65-F5344CB8AC3E}">
-        <p14:creationId xmlns:p14="http://schemas.microsoft.com/office/powerpoint/2010/main" val="882423100"/>
-      </p:ext>
-    </p:extLst>
-  </p:cSld>
-  <p:clrMapOvr>
-    <a:masterClrMapping/>
-  </p:clrMapOvr>
-</p:sld>
-</file>
-
 <file path=ppt/slides/slide2.xml><?xml version="1.0" encoding="utf-8"?>
 <p:sld xmlns:a="http://schemas.openxmlformats.org/drawingml/2006/main" xmlns:r="http://schemas.openxmlformats.org/officeDocument/2006/relationships" xmlns:p="http://schemas.openxmlformats.org/presentationml/2006/main">
   <p:cSld>
@@ -6862,7 +6802,7 @@
           <p:cNvPr id="2" name="Title 1">
             <a:extLst>
               <a:ext uri="{FF2B5EF4-FFF2-40B4-BE49-F238E27FC236}">
-                <a16:creationId xmlns:a16="http://schemas.microsoft.com/office/drawing/2014/main" id="{DD555649-75D4-8F58-46A2-2EA56C612C95}"/>
+                <a16:creationId xmlns:a16="http://schemas.microsoft.com/office/drawing/2014/main" id="{90F3D1FD-D180-4A52-1355-EE849FD62CA3}"/>
               </a:ext>
             </a:extLst>
           </p:cNvPr>
@@ -6878,119 +6818,17 @@
           <a:bodyPr/>
           <a:lstStyle/>
           <a:p>
-            <a:endParaRPr lang="en-US"/>
-          </a:p>
-        </p:txBody>
-      </p:sp>
-      <p:sp>
-        <p:nvSpPr>
-          <p:cNvPr id="3" name="Content Placeholder 2">
-            <a:extLst>
-              <a:ext uri="{FF2B5EF4-FFF2-40B4-BE49-F238E27FC236}">
-                <a16:creationId xmlns:a16="http://schemas.microsoft.com/office/drawing/2014/main" id="{ED89BD78-F640-2D29-E0ED-893B641DC8E6}"/>
-              </a:ext>
-            </a:extLst>
-          </p:cNvPr>
-          <p:cNvSpPr>
-            <a:spLocks noGrp="1"/>
-          </p:cNvSpPr>
-          <p:nvPr>
-            <p:ph idx="1"/>
-          </p:nvPr>
-        </p:nvSpPr>
-        <p:spPr/>
-        <p:txBody>
-          <a:bodyPr/>
-          <a:lstStyle/>
-          <a:p>
-            <a:endParaRPr lang="en-US"/>
+            <a:r>
+              <a:rPr lang="en-US" dirty="0"/>
+              <a:t>Questions?</a:t>
+            </a:r>
           </a:p>
         </p:txBody>
       </p:sp>
     </p:spTree>
     <p:extLst>
       <p:ext uri="{BB962C8B-B14F-4D97-AF65-F5344CB8AC3E}">
-        <p14:creationId xmlns:p14="http://schemas.microsoft.com/office/powerpoint/2010/main" val="1329917461"/>
-      </p:ext>
-    </p:extLst>
-  </p:cSld>
-  <p:clrMapOvr>
-    <a:masterClrMapping/>
-  </p:clrMapOvr>
-</p:sld>
-</file>
-
-<file path=ppt/slides/slide9.xml><?xml version="1.0" encoding="utf-8"?>
-<p:sld xmlns:a="http://schemas.openxmlformats.org/drawingml/2006/main" xmlns:r="http://schemas.openxmlformats.org/officeDocument/2006/relationships" xmlns:p="http://schemas.openxmlformats.org/presentationml/2006/main">
-  <p:cSld>
-    <p:spTree>
-      <p:nvGrpSpPr>
-        <p:cNvPr id="1" name=""/>
-        <p:cNvGrpSpPr/>
-        <p:nvPr/>
-      </p:nvGrpSpPr>
-      <p:grpSpPr>
-        <a:xfrm>
-          <a:off x="0" y="0"/>
-          <a:ext cx="0" cy="0"/>
-          <a:chOff x="0" y="0"/>
-          <a:chExt cx="0" cy="0"/>
-        </a:xfrm>
-      </p:grpSpPr>
-      <p:sp>
-        <p:nvSpPr>
-          <p:cNvPr id="2" name="Title 1">
-            <a:extLst>
-              <a:ext uri="{FF2B5EF4-FFF2-40B4-BE49-F238E27FC236}">
-                <a16:creationId xmlns:a16="http://schemas.microsoft.com/office/drawing/2014/main" id="{8B0DB1D6-B4E9-1D93-E252-151A910C1F33}"/>
-              </a:ext>
-            </a:extLst>
-          </p:cNvPr>
-          <p:cNvSpPr>
-            <a:spLocks noGrp="1"/>
-          </p:cNvSpPr>
-          <p:nvPr>
-            <p:ph type="title"/>
-          </p:nvPr>
-        </p:nvSpPr>
-        <p:spPr/>
-        <p:txBody>
-          <a:bodyPr/>
-          <a:lstStyle/>
-          <a:p>
-            <a:endParaRPr lang="en-US"/>
-          </a:p>
-        </p:txBody>
-      </p:sp>
-      <p:sp>
-        <p:nvSpPr>
-          <p:cNvPr id="3" name="Content Placeholder 2">
-            <a:extLst>
-              <a:ext uri="{FF2B5EF4-FFF2-40B4-BE49-F238E27FC236}">
-                <a16:creationId xmlns:a16="http://schemas.microsoft.com/office/drawing/2014/main" id="{6EE14A5A-2CC5-303E-6B0F-DC0499C993B4}"/>
-              </a:ext>
-            </a:extLst>
-          </p:cNvPr>
-          <p:cNvSpPr>
-            <a:spLocks noGrp="1"/>
-          </p:cNvSpPr>
-          <p:nvPr>
-            <p:ph idx="1"/>
-          </p:nvPr>
-        </p:nvSpPr>
-        <p:spPr/>
-        <p:txBody>
-          <a:bodyPr/>
-          <a:lstStyle/>
-          <a:p>
-            <a:endParaRPr lang="en-US"/>
-          </a:p>
-        </p:txBody>
-      </p:sp>
-    </p:spTree>
-    <p:extLst>
-      <p:ext uri="{BB962C8B-B14F-4D97-AF65-F5344CB8AC3E}">
-        <p14:creationId xmlns:p14="http://schemas.microsoft.com/office/powerpoint/2010/main" val="2384466991"/>
+        <p14:creationId xmlns:p14="http://schemas.microsoft.com/office/powerpoint/2010/main" val="882423100"/>
       </p:ext>
     </p:extLst>
   </p:cSld>
